--- a/Part 4 - Number System/Binary Operations.pptx
+++ b/Part 4 - Number System/Binary Operations.pptx
@@ -5,7 +5,7 @@
     <p:sldMasterId id="2147483648" r:id="rId1"/>
   </p:sldMasterIdLst>
   <p:notesMasterIdLst>
-    <p:notesMasterId r:id="rId10"/>
+    <p:notesMasterId r:id="rId12"/>
   </p:notesMasterIdLst>
   <p:sldIdLst>
     <p:sldId id="257" r:id="rId2"/>
@@ -15,7 +15,9 @@
     <p:sldId id="281" r:id="rId6"/>
     <p:sldId id="285" r:id="rId7"/>
     <p:sldId id="282" r:id="rId8"/>
-    <p:sldId id="283" r:id="rId9"/>
+    <p:sldId id="286" r:id="rId9"/>
+    <p:sldId id="283" r:id="rId10"/>
+    <p:sldId id="287" r:id="rId11"/>
   </p:sldIdLst>
   <p:sldSz cx="12192000" cy="6858000"/>
   <p:notesSz cx="6858000" cy="9144000"/>
@@ -212,7 +214,7 @@
           <a:p>
             <a:fld id="{F666E1FD-E7A0-497B-BBC0-740BAAC97C64}" type="datetimeFigureOut">
               <a:rPr lang="en-PH" smtClean="0"/>
-              <a:t>2/6/24</a:t>
+              <a:t>07/02/2024</a:t>
             </a:fld>
             <a:endParaRPr lang="en-PH"/>
           </a:p>
@@ -1058,7 +1060,175 @@
     </p:spTree>
     <p:extLst>
       <p:ext uri="{BB962C8B-B14F-4D97-AF65-F5344CB8AC3E}">
+        <p14:creationId xmlns:p14="http://schemas.microsoft.com/office/powerpoint/2010/main" val="409078708"/>
+      </p:ext>
+    </p:extLst>
+  </p:cSld>
+  <p:clrMapOvr>
+    <a:masterClrMapping/>
+  </p:clrMapOvr>
+</p:notes>
+</file>
+
+<file path=ppt/notesSlides/notesSlide8.xml><?xml version="1.0" encoding="utf-8"?>
+<p:notes xmlns:a="http://schemas.openxmlformats.org/drawingml/2006/main" xmlns:r="http://schemas.openxmlformats.org/officeDocument/2006/relationships" xmlns:p="http://schemas.openxmlformats.org/presentationml/2006/main">
+  <p:cSld>
+    <p:spTree>
+      <p:nvGrpSpPr>
+        <p:cNvPr id="1" name=""/>
+        <p:cNvGrpSpPr/>
+        <p:nvPr/>
+      </p:nvGrpSpPr>
+      <p:grpSpPr>
+        <a:xfrm>
+          <a:off x="0" y="0"/>
+          <a:ext cx="0" cy="0"/>
+          <a:chOff x="0" y="0"/>
+          <a:chExt cx="0" cy="0"/>
+        </a:xfrm>
+      </p:grpSpPr>
+      <p:sp>
+        <p:nvSpPr>
+          <p:cNvPr id="2" name="Slide Image Placeholder 1"/>
+          <p:cNvSpPr>
+            <a:spLocks noGrp="1" noRot="1" noChangeAspect="1"/>
+          </p:cNvSpPr>
+          <p:nvPr>
+            <p:ph type="sldImg"/>
+          </p:nvPr>
+        </p:nvSpPr>
+        <p:spPr/>
+      </p:sp>
+      <p:sp>
+        <p:nvSpPr>
+          <p:cNvPr id="3" name="Notes Placeholder 2"/>
+          <p:cNvSpPr>
+            <a:spLocks noGrp="1"/>
+          </p:cNvSpPr>
+          <p:nvPr>
+            <p:ph type="body" idx="1"/>
+          </p:nvPr>
+        </p:nvSpPr>
+        <p:spPr/>
+        <p:txBody>
+          <a:bodyPr/>
+          <a:lstStyle/>
+          <a:p>
+            <a:endParaRPr lang="en-US" dirty="0"/>
+          </a:p>
+        </p:txBody>
+      </p:sp>
+      <p:sp>
+        <p:nvSpPr>
+          <p:cNvPr id="4" name="Slide Number Placeholder 3"/>
+          <p:cNvSpPr>
+            <a:spLocks noGrp="1"/>
+          </p:cNvSpPr>
+          <p:nvPr>
+            <p:ph type="sldNum" sz="quarter" idx="5"/>
+          </p:nvPr>
+        </p:nvSpPr>
+        <p:spPr/>
+        <p:txBody>
+          <a:bodyPr/>
+          <a:lstStyle/>
+          <a:p>
+            <a:fld id="{FE90CCE9-4AAE-4E1F-85AD-521A406D6524}" type="slidenum">
+              <a:rPr lang="en-PH" smtClean="0"/>
+              <a:t>9</a:t>
+            </a:fld>
+            <a:endParaRPr lang="en-PH"/>
+          </a:p>
+        </p:txBody>
+      </p:sp>
+    </p:spTree>
+    <p:extLst>
+      <p:ext uri="{BB962C8B-B14F-4D97-AF65-F5344CB8AC3E}">
         <p14:creationId xmlns:p14="http://schemas.microsoft.com/office/powerpoint/2010/main" val="1550654845"/>
+      </p:ext>
+    </p:extLst>
+  </p:cSld>
+  <p:clrMapOvr>
+    <a:masterClrMapping/>
+  </p:clrMapOvr>
+</p:notes>
+</file>
+
+<file path=ppt/notesSlides/notesSlide9.xml><?xml version="1.0" encoding="utf-8"?>
+<p:notes xmlns:a="http://schemas.openxmlformats.org/drawingml/2006/main" xmlns:r="http://schemas.openxmlformats.org/officeDocument/2006/relationships" xmlns:p="http://schemas.openxmlformats.org/presentationml/2006/main">
+  <p:cSld>
+    <p:spTree>
+      <p:nvGrpSpPr>
+        <p:cNvPr id="1" name=""/>
+        <p:cNvGrpSpPr/>
+        <p:nvPr/>
+      </p:nvGrpSpPr>
+      <p:grpSpPr>
+        <a:xfrm>
+          <a:off x="0" y="0"/>
+          <a:ext cx="0" cy="0"/>
+          <a:chOff x="0" y="0"/>
+          <a:chExt cx="0" cy="0"/>
+        </a:xfrm>
+      </p:grpSpPr>
+      <p:sp>
+        <p:nvSpPr>
+          <p:cNvPr id="2" name="Slide Image Placeholder 1"/>
+          <p:cNvSpPr>
+            <a:spLocks noGrp="1" noRot="1" noChangeAspect="1"/>
+          </p:cNvSpPr>
+          <p:nvPr>
+            <p:ph type="sldImg"/>
+          </p:nvPr>
+        </p:nvSpPr>
+        <p:spPr/>
+      </p:sp>
+      <p:sp>
+        <p:nvSpPr>
+          <p:cNvPr id="3" name="Notes Placeholder 2"/>
+          <p:cNvSpPr>
+            <a:spLocks noGrp="1"/>
+          </p:cNvSpPr>
+          <p:nvPr>
+            <p:ph type="body" idx="1"/>
+          </p:nvPr>
+        </p:nvSpPr>
+        <p:spPr/>
+        <p:txBody>
+          <a:bodyPr/>
+          <a:lstStyle/>
+          <a:p>
+            <a:endParaRPr lang="en-US" dirty="0"/>
+          </a:p>
+        </p:txBody>
+      </p:sp>
+      <p:sp>
+        <p:nvSpPr>
+          <p:cNvPr id="4" name="Slide Number Placeholder 3"/>
+          <p:cNvSpPr>
+            <a:spLocks noGrp="1"/>
+          </p:cNvSpPr>
+          <p:nvPr>
+            <p:ph type="sldNum" sz="quarter" idx="5"/>
+          </p:nvPr>
+        </p:nvSpPr>
+        <p:spPr/>
+        <p:txBody>
+          <a:bodyPr/>
+          <a:lstStyle/>
+          <a:p>
+            <a:fld id="{FE90CCE9-4AAE-4E1F-85AD-521A406D6524}" type="slidenum">
+              <a:rPr lang="en-PH" smtClean="0"/>
+              <a:t>10</a:t>
+            </a:fld>
+            <a:endParaRPr lang="en-PH"/>
+          </a:p>
+        </p:txBody>
+      </p:sp>
+    </p:spTree>
+    <p:extLst>
+      <p:ext uri="{BB962C8B-B14F-4D97-AF65-F5344CB8AC3E}">
+        <p14:creationId xmlns:p14="http://schemas.microsoft.com/office/powerpoint/2010/main" val="344676721"/>
       </p:ext>
     </p:extLst>
   </p:cSld>
@@ -1217,7 +1387,7 @@
           <a:p>
             <a:fld id="{0CCF0B81-6BD8-4C65-9459-815598C5F1F4}" type="datetimeFigureOut">
               <a:rPr lang="en-PH" smtClean="0"/>
-              <a:t>2/6/24</a:t>
+              <a:t>07/02/2024</a:t>
             </a:fld>
             <a:endParaRPr lang="en-PH"/>
           </a:p>
@@ -1417,7 +1587,7 @@
           <a:p>
             <a:fld id="{0CCF0B81-6BD8-4C65-9459-815598C5F1F4}" type="datetimeFigureOut">
               <a:rPr lang="en-PH" smtClean="0"/>
-              <a:t>2/6/24</a:t>
+              <a:t>07/02/2024</a:t>
             </a:fld>
             <a:endParaRPr lang="en-PH"/>
           </a:p>
@@ -1627,7 +1797,7 @@
           <a:p>
             <a:fld id="{0CCF0B81-6BD8-4C65-9459-815598C5F1F4}" type="datetimeFigureOut">
               <a:rPr lang="en-PH" smtClean="0"/>
-              <a:t>2/6/24</a:t>
+              <a:t>07/02/2024</a:t>
             </a:fld>
             <a:endParaRPr lang="en-PH"/>
           </a:p>
@@ -1827,7 +1997,7 @@
           <a:p>
             <a:fld id="{0CCF0B81-6BD8-4C65-9459-815598C5F1F4}" type="datetimeFigureOut">
               <a:rPr lang="en-PH" smtClean="0"/>
-              <a:t>2/6/24</a:t>
+              <a:t>07/02/2024</a:t>
             </a:fld>
             <a:endParaRPr lang="en-PH"/>
           </a:p>
@@ -2103,7 +2273,7 @@
           <a:p>
             <a:fld id="{0CCF0B81-6BD8-4C65-9459-815598C5F1F4}" type="datetimeFigureOut">
               <a:rPr lang="en-PH" smtClean="0"/>
-              <a:t>2/6/24</a:t>
+              <a:t>07/02/2024</a:t>
             </a:fld>
             <a:endParaRPr lang="en-PH"/>
           </a:p>
@@ -2371,7 +2541,7 @@
           <a:p>
             <a:fld id="{0CCF0B81-6BD8-4C65-9459-815598C5F1F4}" type="datetimeFigureOut">
               <a:rPr lang="en-PH" smtClean="0"/>
-              <a:t>2/6/24</a:t>
+              <a:t>07/02/2024</a:t>
             </a:fld>
             <a:endParaRPr lang="en-PH"/>
           </a:p>
@@ -2786,7 +2956,7 @@
           <a:p>
             <a:fld id="{0CCF0B81-6BD8-4C65-9459-815598C5F1F4}" type="datetimeFigureOut">
               <a:rPr lang="en-PH" smtClean="0"/>
-              <a:t>2/6/24</a:t>
+              <a:t>07/02/2024</a:t>
             </a:fld>
             <a:endParaRPr lang="en-PH"/>
           </a:p>
@@ -2928,7 +3098,7 @@
           <a:p>
             <a:fld id="{0CCF0B81-6BD8-4C65-9459-815598C5F1F4}" type="datetimeFigureOut">
               <a:rPr lang="en-PH" smtClean="0"/>
-              <a:t>2/6/24</a:t>
+              <a:t>07/02/2024</a:t>
             </a:fld>
             <a:endParaRPr lang="en-PH"/>
           </a:p>
@@ -3041,7 +3211,7 @@
           <a:p>
             <a:fld id="{0CCF0B81-6BD8-4C65-9459-815598C5F1F4}" type="datetimeFigureOut">
               <a:rPr lang="en-PH" smtClean="0"/>
-              <a:t>2/6/24</a:t>
+              <a:t>07/02/2024</a:t>
             </a:fld>
             <a:endParaRPr lang="en-PH"/>
           </a:p>
@@ -3354,7 +3524,7 @@
           <a:p>
             <a:fld id="{0CCF0B81-6BD8-4C65-9459-815598C5F1F4}" type="datetimeFigureOut">
               <a:rPr lang="en-PH" smtClean="0"/>
-              <a:t>2/6/24</a:t>
+              <a:t>07/02/2024</a:t>
             </a:fld>
             <a:endParaRPr lang="en-PH"/>
           </a:p>
@@ -3643,7 +3813,7 @@
           <a:p>
             <a:fld id="{0CCF0B81-6BD8-4C65-9459-815598C5F1F4}" type="datetimeFigureOut">
               <a:rPr lang="en-PH" smtClean="0"/>
-              <a:t>2/6/24</a:t>
+              <a:t>07/02/2024</a:t>
             </a:fld>
             <a:endParaRPr lang="en-PH"/>
           </a:p>
@@ -3886,7 +4056,7 @@
           <a:p>
             <a:fld id="{0CCF0B81-6BD8-4C65-9459-815598C5F1F4}" type="datetimeFigureOut">
               <a:rPr lang="en-PH" smtClean="0"/>
-              <a:t>2/6/24</a:t>
+              <a:t>07/02/2024</a:t>
             </a:fld>
             <a:endParaRPr lang="en-PH"/>
           </a:p>
@@ -4472,6 +4642,848 @@
   <p:clrMapOvr>
     <a:masterClrMapping/>
   </p:clrMapOvr>
+</p:sld>
+</file>
+
+<file path=ppt/slides/slide10.xml><?xml version="1.0" encoding="utf-8"?>
+<p:sld xmlns:a="http://schemas.openxmlformats.org/drawingml/2006/main" xmlns:r="http://schemas.openxmlformats.org/officeDocument/2006/relationships" xmlns:p="http://schemas.openxmlformats.org/presentationml/2006/main">
+  <p:cSld>
+    <p:bg>
+      <p:bgPr>
+        <a:blipFill dpi="0" rotWithShape="1">
+          <a:blip r:embed="rId3">
+            <a:alphaModFix amt="99000"/>
+            <a:lum/>
+          </a:blip>
+          <a:srcRect/>
+          <a:stretch>
+            <a:fillRect t="89000" r="85000" b="-1000"/>
+          </a:stretch>
+        </a:blipFill>
+        <a:effectLst/>
+      </p:bgPr>
+    </p:bg>
+    <p:spTree>
+      <p:nvGrpSpPr>
+        <p:cNvPr id="1" name=""/>
+        <p:cNvGrpSpPr/>
+        <p:nvPr/>
+      </p:nvGrpSpPr>
+      <p:grpSpPr>
+        <a:xfrm>
+          <a:off x="0" y="0"/>
+          <a:ext cx="0" cy="0"/>
+          <a:chOff x="0" y="0"/>
+          <a:chExt cx="0" cy="0"/>
+        </a:xfrm>
+      </p:grpSpPr>
+      <p:sp>
+        <p:nvSpPr>
+          <p:cNvPr id="13" name="Title 1">
+            <a:extLst>
+              <a:ext uri="{FF2B5EF4-FFF2-40B4-BE49-F238E27FC236}">
+                <a16:creationId xmlns:a16="http://schemas.microsoft.com/office/drawing/2014/main" id="{9A8D5BAB-B043-D3CD-367F-5A26BCC03BEB}"/>
+              </a:ext>
+            </a:extLst>
+          </p:cNvPr>
+          <p:cNvSpPr>
+            <a:spLocks noGrp="1"/>
+          </p:cNvSpPr>
+          <p:nvPr>
+            <p:ph type="ctrTitle"/>
+          </p:nvPr>
+        </p:nvSpPr>
+        <p:spPr>
+          <a:xfrm>
+            <a:off x="598967" y="239552"/>
+            <a:ext cx="11133827" cy="855727"/>
+          </a:xfrm>
+        </p:spPr>
+        <p:txBody>
+          <a:bodyPr>
+            <a:normAutofit/>
+          </a:bodyPr>
+          <a:lstStyle/>
+          <a:p>
+            <a:r>
+              <a:rPr lang="en-GB" sz="5400" b="1" dirty="0">
+                <a:latin typeface="Calibri Light (Headings)"/>
+              </a:rPr>
+              <a:t>Binary Division</a:t>
+            </a:r>
+            <a:endParaRPr lang="en-PH" sz="5000" b="1" dirty="0">
+              <a:latin typeface="Calibri Light (Headings)"/>
+            </a:endParaRPr>
+          </a:p>
+        </p:txBody>
+      </p:sp>
+      <p:sp>
+        <p:nvSpPr>
+          <p:cNvPr id="7" name="TextBox 6">
+            <a:extLst>
+              <a:ext uri="{FF2B5EF4-FFF2-40B4-BE49-F238E27FC236}">
+                <a16:creationId xmlns:a16="http://schemas.microsoft.com/office/drawing/2014/main" id="{9B8AF204-6F40-0D8B-E030-8D6363014FD4}"/>
+              </a:ext>
+            </a:extLst>
+          </p:cNvPr>
+          <p:cNvSpPr txBox="1"/>
+          <p:nvPr/>
+        </p:nvSpPr>
+        <p:spPr>
+          <a:xfrm>
+            <a:off x="5404419" y="1315803"/>
+            <a:ext cx="1904474" cy="861774"/>
+          </a:xfrm>
+          <a:prstGeom prst="rect">
+            <a:avLst/>
+          </a:prstGeom>
+          <a:noFill/>
+        </p:spPr>
+        <p:txBody>
+          <a:bodyPr wrap="square">
+            <a:spAutoFit/>
+          </a:bodyPr>
+          <a:lstStyle/>
+          <a:p>
+            <a:pPr algn="l"/>
+            <a:r>
+              <a:rPr lang="en-PH" sz="5000" dirty="0"/>
+              <a:t>1 0 1 0 </a:t>
+            </a:r>
+          </a:p>
+        </p:txBody>
+      </p:sp>
+      <p:sp>
+        <p:nvSpPr>
+          <p:cNvPr id="2" name="TextBox 1">
+            <a:extLst>
+              <a:ext uri="{FF2B5EF4-FFF2-40B4-BE49-F238E27FC236}">
+                <a16:creationId xmlns:a16="http://schemas.microsoft.com/office/drawing/2014/main" id="{45CAA208-0422-0AD1-2386-2CC56D72851E}"/>
+              </a:ext>
+            </a:extLst>
+          </p:cNvPr>
+          <p:cNvSpPr txBox="1"/>
+          <p:nvPr/>
+        </p:nvSpPr>
+        <p:spPr>
+          <a:xfrm>
+            <a:off x="4959831" y="2101969"/>
+            <a:ext cx="2349062" cy="861774"/>
+          </a:xfrm>
+          <a:prstGeom prst="rect">
+            <a:avLst/>
+          </a:prstGeom>
+          <a:noFill/>
+        </p:spPr>
+        <p:txBody>
+          <a:bodyPr wrap="square">
+            <a:spAutoFit/>
+          </a:bodyPr>
+          <a:lstStyle/>
+          <a:p>
+            <a:pPr algn="l"/>
+            <a:r>
+              <a:rPr lang="en-PH" sz="5000" dirty="0"/>
+              <a:t>x 0 1 1 0 </a:t>
+            </a:r>
+          </a:p>
+        </p:txBody>
+      </p:sp>
+      <p:sp>
+        <p:nvSpPr>
+          <p:cNvPr id="4" name="TextBox 3">
+            <a:extLst>
+              <a:ext uri="{FF2B5EF4-FFF2-40B4-BE49-F238E27FC236}">
+                <a16:creationId xmlns:a16="http://schemas.microsoft.com/office/drawing/2014/main" id="{3EA11B3B-CC74-D20A-FDDD-E0AC14D3AF61}"/>
+              </a:ext>
+            </a:extLst>
+          </p:cNvPr>
+          <p:cNvSpPr txBox="1"/>
+          <p:nvPr/>
+        </p:nvSpPr>
+        <p:spPr>
+          <a:xfrm>
+            <a:off x="4070655" y="5394171"/>
+            <a:ext cx="3390638" cy="861774"/>
+          </a:xfrm>
+          <a:prstGeom prst="rect">
+            <a:avLst/>
+          </a:prstGeom>
+          <a:noFill/>
+        </p:spPr>
+        <p:txBody>
+          <a:bodyPr wrap="square">
+            <a:spAutoFit/>
+          </a:bodyPr>
+          <a:lstStyle/>
+          <a:p>
+            <a:pPr algn="l"/>
+            <a:r>
+              <a:rPr lang="en-PH" sz="5000" dirty="0"/>
+              <a:t>----------------</a:t>
+            </a:r>
+          </a:p>
+        </p:txBody>
+      </p:sp>
+      <p:sp>
+        <p:nvSpPr>
+          <p:cNvPr id="6" name="TextBox 5">
+            <a:extLst>
+              <a:ext uri="{FF2B5EF4-FFF2-40B4-BE49-F238E27FC236}">
+                <a16:creationId xmlns:a16="http://schemas.microsoft.com/office/drawing/2014/main" id="{28606326-3FCE-D7B2-E6F9-B8B28E1AC881}"/>
+              </a:ext>
+            </a:extLst>
+          </p:cNvPr>
+          <p:cNvSpPr txBox="1"/>
+          <p:nvPr/>
+        </p:nvSpPr>
+        <p:spPr>
+          <a:xfrm>
+            <a:off x="5404419" y="3184267"/>
+            <a:ext cx="1904474" cy="861774"/>
+          </a:xfrm>
+          <a:prstGeom prst="rect">
+            <a:avLst/>
+          </a:prstGeom>
+          <a:noFill/>
+        </p:spPr>
+        <p:txBody>
+          <a:bodyPr wrap="square">
+            <a:spAutoFit/>
+          </a:bodyPr>
+          <a:lstStyle/>
+          <a:p>
+            <a:pPr algn="l"/>
+            <a:r>
+              <a:rPr lang="en-US" sz="5000" dirty="0"/>
+              <a:t>0 0 0 0</a:t>
+            </a:r>
+            <a:endParaRPr lang="en-PH" sz="5000" dirty="0"/>
+          </a:p>
+        </p:txBody>
+      </p:sp>
+      <p:sp>
+        <p:nvSpPr>
+          <p:cNvPr id="8" name="TextBox 7">
+            <a:extLst>
+              <a:ext uri="{FF2B5EF4-FFF2-40B4-BE49-F238E27FC236}">
+                <a16:creationId xmlns:a16="http://schemas.microsoft.com/office/drawing/2014/main" id="{A8EEFA54-9A25-1640-A8C8-753AEB45FA09}"/>
+              </a:ext>
+            </a:extLst>
+          </p:cNvPr>
+          <p:cNvSpPr txBox="1"/>
+          <p:nvPr/>
+        </p:nvSpPr>
+        <p:spPr>
+          <a:xfrm>
+            <a:off x="4959831" y="3792735"/>
+            <a:ext cx="1904474" cy="861774"/>
+          </a:xfrm>
+          <a:prstGeom prst="rect">
+            <a:avLst/>
+          </a:prstGeom>
+          <a:noFill/>
+        </p:spPr>
+        <p:txBody>
+          <a:bodyPr wrap="square">
+            <a:spAutoFit/>
+          </a:bodyPr>
+          <a:lstStyle/>
+          <a:p>
+            <a:pPr algn="l"/>
+            <a:r>
+              <a:rPr lang="en-US" sz="5000" dirty="0"/>
+              <a:t>1 0 1 0</a:t>
+            </a:r>
+            <a:endParaRPr lang="en-PH" sz="5000" dirty="0"/>
+          </a:p>
+        </p:txBody>
+      </p:sp>
+      <p:sp>
+        <p:nvSpPr>
+          <p:cNvPr id="15" name="TextBox 14">
+            <a:extLst>
+              <a:ext uri="{FF2B5EF4-FFF2-40B4-BE49-F238E27FC236}">
+                <a16:creationId xmlns:a16="http://schemas.microsoft.com/office/drawing/2014/main" id="{2EEA8EB0-28A1-75D6-CB74-B119C0F6B35B}"/>
+              </a:ext>
+            </a:extLst>
+          </p:cNvPr>
+          <p:cNvSpPr txBox="1"/>
+          <p:nvPr/>
+        </p:nvSpPr>
+        <p:spPr>
+          <a:xfrm>
+            <a:off x="4515243" y="4392876"/>
+            <a:ext cx="1904474" cy="861774"/>
+          </a:xfrm>
+          <a:prstGeom prst="rect">
+            <a:avLst/>
+          </a:prstGeom>
+          <a:noFill/>
+        </p:spPr>
+        <p:txBody>
+          <a:bodyPr wrap="square">
+            <a:spAutoFit/>
+          </a:bodyPr>
+          <a:lstStyle/>
+          <a:p>
+            <a:pPr algn="l"/>
+            <a:r>
+              <a:rPr lang="en-US" sz="5000" dirty="0"/>
+              <a:t>1 0 1 0</a:t>
+            </a:r>
+            <a:endParaRPr lang="en-PH" sz="5000" dirty="0"/>
+          </a:p>
+        </p:txBody>
+      </p:sp>
+      <p:sp>
+        <p:nvSpPr>
+          <p:cNvPr id="21" name="TextBox 20">
+            <a:extLst>
+              <a:ext uri="{FF2B5EF4-FFF2-40B4-BE49-F238E27FC236}">
+                <a16:creationId xmlns:a16="http://schemas.microsoft.com/office/drawing/2014/main" id="{AE842734-87A5-B101-BDCC-12441272FB16}"/>
+              </a:ext>
+            </a:extLst>
+          </p:cNvPr>
+          <p:cNvSpPr txBox="1"/>
+          <p:nvPr/>
+        </p:nvSpPr>
+        <p:spPr>
+          <a:xfrm>
+            <a:off x="4070655" y="5042136"/>
+            <a:ext cx="1904474" cy="861774"/>
+          </a:xfrm>
+          <a:prstGeom prst="rect">
+            <a:avLst/>
+          </a:prstGeom>
+          <a:noFill/>
+        </p:spPr>
+        <p:txBody>
+          <a:bodyPr wrap="square">
+            <a:spAutoFit/>
+          </a:bodyPr>
+          <a:lstStyle/>
+          <a:p>
+            <a:pPr algn="l"/>
+            <a:r>
+              <a:rPr lang="en-US" sz="5000" dirty="0"/>
+              <a:t>0 0 0 0</a:t>
+            </a:r>
+            <a:endParaRPr lang="en-PH" sz="5000" dirty="0"/>
+          </a:p>
+        </p:txBody>
+      </p:sp>
+      <p:sp>
+        <p:nvSpPr>
+          <p:cNvPr id="23" name="TextBox 22">
+            <a:extLst>
+              <a:ext uri="{FF2B5EF4-FFF2-40B4-BE49-F238E27FC236}">
+                <a16:creationId xmlns:a16="http://schemas.microsoft.com/office/drawing/2014/main" id="{1E4FE4EC-3296-325F-BBBE-4BC4C06B4F8B}"/>
+              </a:ext>
+            </a:extLst>
+          </p:cNvPr>
+          <p:cNvSpPr txBox="1"/>
+          <p:nvPr/>
+        </p:nvSpPr>
+        <p:spPr>
+          <a:xfrm>
+            <a:off x="4959831" y="2584126"/>
+            <a:ext cx="2349062" cy="861774"/>
+          </a:xfrm>
+          <a:prstGeom prst="rect">
+            <a:avLst/>
+          </a:prstGeom>
+          <a:noFill/>
+        </p:spPr>
+        <p:txBody>
+          <a:bodyPr wrap="square">
+            <a:spAutoFit/>
+          </a:bodyPr>
+          <a:lstStyle/>
+          <a:p>
+            <a:pPr algn="l"/>
+            <a:r>
+              <a:rPr lang="en-PH" sz="5000" dirty="0"/>
+              <a:t>-----------</a:t>
+            </a:r>
+          </a:p>
+        </p:txBody>
+      </p:sp>
+      <p:sp>
+        <p:nvSpPr>
+          <p:cNvPr id="25" name="TextBox 24">
+            <a:extLst>
+              <a:ext uri="{FF2B5EF4-FFF2-40B4-BE49-F238E27FC236}">
+                <a16:creationId xmlns:a16="http://schemas.microsoft.com/office/drawing/2014/main" id="{06AF788C-ECEE-8241-4CD2-43622C452E6D}"/>
+              </a:ext>
+            </a:extLst>
+          </p:cNvPr>
+          <p:cNvSpPr txBox="1"/>
+          <p:nvPr/>
+        </p:nvSpPr>
+        <p:spPr>
+          <a:xfrm>
+            <a:off x="4070655" y="5830916"/>
+            <a:ext cx="3339138" cy="861774"/>
+          </a:xfrm>
+          <a:prstGeom prst="rect">
+            <a:avLst/>
+          </a:prstGeom>
+          <a:noFill/>
+        </p:spPr>
+        <p:txBody>
+          <a:bodyPr wrap="square">
+            <a:spAutoFit/>
+          </a:bodyPr>
+          <a:lstStyle/>
+          <a:p>
+            <a:pPr algn="l"/>
+            <a:r>
+              <a:rPr lang="en-US" sz="5000" dirty="0"/>
+              <a:t>0 1 1 1 1 0 0</a:t>
+            </a:r>
+            <a:endParaRPr lang="en-PH" sz="5000" dirty="0"/>
+          </a:p>
+        </p:txBody>
+      </p:sp>
+      <p:sp>
+        <p:nvSpPr>
+          <p:cNvPr id="27" name="TextBox 26">
+            <a:extLst>
+              <a:ext uri="{FF2B5EF4-FFF2-40B4-BE49-F238E27FC236}">
+                <a16:creationId xmlns:a16="http://schemas.microsoft.com/office/drawing/2014/main" id="{ADCAEE8C-E6F1-E667-9864-2D33BBB2CBDC}"/>
+              </a:ext>
+            </a:extLst>
+          </p:cNvPr>
+          <p:cNvSpPr txBox="1"/>
+          <p:nvPr/>
+        </p:nvSpPr>
+        <p:spPr>
+          <a:xfrm>
+            <a:off x="3272921" y="5042136"/>
+            <a:ext cx="927013" cy="861774"/>
+          </a:xfrm>
+          <a:prstGeom prst="rect">
+            <a:avLst/>
+          </a:prstGeom>
+          <a:noFill/>
+        </p:spPr>
+        <p:txBody>
+          <a:bodyPr wrap="square">
+            <a:spAutoFit/>
+          </a:bodyPr>
+          <a:lstStyle/>
+          <a:p>
+            <a:r>
+              <a:rPr lang="en-US" sz="5000" dirty="0"/>
+              <a:t>(+)</a:t>
+            </a:r>
+            <a:endParaRPr lang="en-PH" sz="5000" dirty="0"/>
+          </a:p>
+        </p:txBody>
+      </p:sp>
+    </p:spTree>
+    <p:extLst>
+      <p:ext uri="{BB962C8B-B14F-4D97-AF65-F5344CB8AC3E}">
+        <p14:creationId xmlns:p14="http://schemas.microsoft.com/office/powerpoint/2010/main" val="2783967969"/>
+      </p:ext>
+    </p:extLst>
+  </p:cSld>
+  <p:clrMapOvr>
+    <a:masterClrMapping/>
+  </p:clrMapOvr>
+  <p:timing>
+    <p:tnLst>
+      <p:par>
+        <p:cTn id="1" dur="indefinite" restart="never" nodeType="tmRoot">
+          <p:childTnLst>
+            <p:seq concurrent="1" nextAc="seek">
+              <p:cTn id="2" dur="indefinite" nodeType="mainSeq">
+                <p:childTnLst>
+                  <p:par>
+                    <p:cTn id="3" fill="hold">
+                      <p:stCondLst>
+                        <p:cond delay="indefinite"/>
+                      </p:stCondLst>
+                      <p:childTnLst>
+                        <p:par>
+                          <p:cTn id="4" fill="hold">
+                            <p:stCondLst>
+                              <p:cond delay="0"/>
+                            </p:stCondLst>
+                            <p:childTnLst>
+                              <p:par>
+                                <p:cTn id="5" presetID="14" presetClass="entr" presetSubtype="10" fill="hold" grpId="0" nodeType="clickEffect">
+                                  <p:stCondLst>
+                                    <p:cond delay="0"/>
+                                  </p:stCondLst>
+                                  <p:childTnLst>
+                                    <p:set>
+                                      <p:cBhvr>
+                                        <p:cTn id="6" dur="1" fill="hold">
+                                          <p:stCondLst>
+                                            <p:cond delay="0"/>
+                                          </p:stCondLst>
+                                        </p:cTn>
+                                        <p:tgtEl>
+                                          <p:spTgt spid="6"/>
+                                        </p:tgtEl>
+                                        <p:attrNameLst>
+                                          <p:attrName>style.visibility</p:attrName>
+                                        </p:attrNameLst>
+                                      </p:cBhvr>
+                                      <p:to>
+                                        <p:strVal val="visible"/>
+                                      </p:to>
+                                    </p:set>
+                                    <p:animEffect transition="in" filter="randombar(horizontal)">
+                                      <p:cBhvr>
+                                        <p:cTn id="7" dur="500"/>
+                                        <p:tgtEl>
+                                          <p:spTgt spid="6"/>
+                                        </p:tgtEl>
+                                      </p:cBhvr>
+                                    </p:animEffect>
+                                  </p:childTnLst>
+                                </p:cTn>
+                              </p:par>
+                            </p:childTnLst>
+                          </p:cTn>
+                        </p:par>
+                      </p:childTnLst>
+                    </p:cTn>
+                  </p:par>
+                  <p:par>
+                    <p:cTn id="8" fill="hold">
+                      <p:stCondLst>
+                        <p:cond delay="indefinite"/>
+                      </p:stCondLst>
+                      <p:childTnLst>
+                        <p:par>
+                          <p:cTn id="9" fill="hold">
+                            <p:stCondLst>
+                              <p:cond delay="0"/>
+                            </p:stCondLst>
+                            <p:childTnLst>
+                              <p:par>
+                                <p:cTn id="10" presetID="14" presetClass="entr" presetSubtype="10" fill="hold" grpId="0" nodeType="clickEffect">
+                                  <p:stCondLst>
+                                    <p:cond delay="0"/>
+                                  </p:stCondLst>
+                                  <p:childTnLst>
+                                    <p:set>
+                                      <p:cBhvr>
+                                        <p:cTn id="11" dur="1" fill="hold">
+                                          <p:stCondLst>
+                                            <p:cond delay="0"/>
+                                          </p:stCondLst>
+                                        </p:cTn>
+                                        <p:tgtEl>
+                                          <p:spTgt spid="8"/>
+                                        </p:tgtEl>
+                                        <p:attrNameLst>
+                                          <p:attrName>style.visibility</p:attrName>
+                                        </p:attrNameLst>
+                                      </p:cBhvr>
+                                      <p:to>
+                                        <p:strVal val="visible"/>
+                                      </p:to>
+                                    </p:set>
+                                    <p:animEffect transition="in" filter="randombar(horizontal)">
+                                      <p:cBhvr>
+                                        <p:cTn id="12" dur="500"/>
+                                        <p:tgtEl>
+                                          <p:spTgt spid="8"/>
+                                        </p:tgtEl>
+                                      </p:cBhvr>
+                                    </p:animEffect>
+                                  </p:childTnLst>
+                                </p:cTn>
+                              </p:par>
+                            </p:childTnLst>
+                          </p:cTn>
+                        </p:par>
+                      </p:childTnLst>
+                    </p:cTn>
+                  </p:par>
+                  <p:par>
+                    <p:cTn id="13" fill="hold">
+                      <p:stCondLst>
+                        <p:cond delay="indefinite"/>
+                      </p:stCondLst>
+                      <p:childTnLst>
+                        <p:par>
+                          <p:cTn id="14" fill="hold">
+                            <p:stCondLst>
+                              <p:cond delay="0"/>
+                            </p:stCondLst>
+                            <p:childTnLst>
+                              <p:par>
+                                <p:cTn id="15" presetID="14" presetClass="entr" presetSubtype="10" fill="hold" grpId="0" nodeType="clickEffect">
+                                  <p:stCondLst>
+                                    <p:cond delay="0"/>
+                                  </p:stCondLst>
+                                  <p:childTnLst>
+                                    <p:set>
+                                      <p:cBhvr>
+                                        <p:cTn id="16" dur="1" fill="hold">
+                                          <p:stCondLst>
+                                            <p:cond delay="0"/>
+                                          </p:stCondLst>
+                                        </p:cTn>
+                                        <p:tgtEl>
+                                          <p:spTgt spid="15"/>
+                                        </p:tgtEl>
+                                        <p:attrNameLst>
+                                          <p:attrName>style.visibility</p:attrName>
+                                        </p:attrNameLst>
+                                      </p:cBhvr>
+                                      <p:to>
+                                        <p:strVal val="visible"/>
+                                      </p:to>
+                                    </p:set>
+                                    <p:animEffect transition="in" filter="randombar(horizontal)">
+                                      <p:cBhvr>
+                                        <p:cTn id="17" dur="500"/>
+                                        <p:tgtEl>
+                                          <p:spTgt spid="15"/>
+                                        </p:tgtEl>
+                                      </p:cBhvr>
+                                    </p:animEffect>
+                                  </p:childTnLst>
+                                </p:cTn>
+                              </p:par>
+                            </p:childTnLst>
+                          </p:cTn>
+                        </p:par>
+                      </p:childTnLst>
+                    </p:cTn>
+                  </p:par>
+                  <p:par>
+                    <p:cTn id="18" fill="hold">
+                      <p:stCondLst>
+                        <p:cond delay="indefinite"/>
+                      </p:stCondLst>
+                      <p:childTnLst>
+                        <p:par>
+                          <p:cTn id="19" fill="hold">
+                            <p:stCondLst>
+                              <p:cond delay="0"/>
+                            </p:stCondLst>
+                            <p:childTnLst>
+                              <p:par>
+                                <p:cTn id="20" presetID="14" presetClass="entr" presetSubtype="10" fill="hold" grpId="0" nodeType="clickEffect">
+                                  <p:stCondLst>
+                                    <p:cond delay="0"/>
+                                  </p:stCondLst>
+                                  <p:childTnLst>
+                                    <p:set>
+                                      <p:cBhvr>
+                                        <p:cTn id="21" dur="1" fill="hold">
+                                          <p:stCondLst>
+                                            <p:cond delay="0"/>
+                                          </p:stCondLst>
+                                        </p:cTn>
+                                        <p:tgtEl>
+                                          <p:spTgt spid="21"/>
+                                        </p:tgtEl>
+                                        <p:attrNameLst>
+                                          <p:attrName>style.visibility</p:attrName>
+                                        </p:attrNameLst>
+                                      </p:cBhvr>
+                                      <p:to>
+                                        <p:strVal val="visible"/>
+                                      </p:to>
+                                    </p:set>
+                                    <p:animEffect transition="in" filter="randombar(horizontal)">
+                                      <p:cBhvr>
+                                        <p:cTn id="22" dur="500"/>
+                                        <p:tgtEl>
+                                          <p:spTgt spid="21"/>
+                                        </p:tgtEl>
+                                      </p:cBhvr>
+                                    </p:animEffect>
+                                  </p:childTnLst>
+                                </p:cTn>
+                              </p:par>
+                            </p:childTnLst>
+                          </p:cTn>
+                        </p:par>
+                      </p:childTnLst>
+                    </p:cTn>
+                  </p:par>
+                  <p:par>
+                    <p:cTn id="23" fill="hold">
+                      <p:stCondLst>
+                        <p:cond delay="indefinite"/>
+                      </p:stCondLst>
+                      <p:childTnLst>
+                        <p:par>
+                          <p:cTn id="24" fill="hold">
+                            <p:stCondLst>
+                              <p:cond delay="0"/>
+                            </p:stCondLst>
+                            <p:childTnLst>
+                              <p:par>
+                                <p:cTn id="25" presetID="14" presetClass="entr" presetSubtype="10" fill="hold" grpId="0" nodeType="clickEffect">
+                                  <p:stCondLst>
+                                    <p:cond delay="0"/>
+                                  </p:stCondLst>
+                                  <p:childTnLst>
+                                    <p:set>
+                                      <p:cBhvr>
+                                        <p:cTn id="26" dur="1" fill="hold">
+                                          <p:stCondLst>
+                                            <p:cond delay="0"/>
+                                          </p:stCondLst>
+                                        </p:cTn>
+                                        <p:tgtEl>
+                                          <p:spTgt spid="27"/>
+                                        </p:tgtEl>
+                                        <p:attrNameLst>
+                                          <p:attrName>style.visibility</p:attrName>
+                                        </p:attrNameLst>
+                                      </p:cBhvr>
+                                      <p:to>
+                                        <p:strVal val="visible"/>
+                                      </p:to>
+                                    </p:set>
+                                    <p:animEffect transition="in" filter="randombar(horizontal)">
+                                      <p:cBhvr>
+                                        <p:cTn id="27" dur="500"/>
+                                        <p:tgtEl>
+                                          <p:spTgt spid="27"/>
+                                        </p:tgtEl>
+                                      </p:cBhvr>
+                                    </p:animEffect>
+                                  </p:childTnLst>
+                                </p:cTn>
+                              </p:par>
+                              <p:par>
+                                <p:cTn id="28" presetID="14" presetClass="entr" presetSubtype="10" fill="hold" grpId="0" nodeType="withEffect">
+                                  <p:stCondLst>
+                                    <p:cond delay="0"/>
+                                  </p:stCondLst>
+                                  <p:childTnLst>
+                                    <p:set>
+                                      <p:cBhvr>
+                                        <p:cTn id="29" dur="1" fill="hold">
+                                          <p:stCondLst>
+                                            <p:cond delay="0"/>
+                                          </p:stCondLst>
+                                        </p:cTn>
+                                        <p:tgtEl>
+                                          <p:spTgt spid="4"/>
+                                        </p:tgtEl>
+                                        <p:attrNameLst>
+                                          <p:attrName>style.visibility</p:attrName>
+                                        </p:attrNameLst>
+                                      </p:cBhvr>
+                                      <p:to>
+                                        <p:strVal val="visible"/>
+                                      </p:to>
+                                    </p:set>
+                                    <p:animEffect transition="in" filter="randombar(horizontal)">
+                                      <p:cBhvr>
+                                        <p:cTn id="30" dur="500"/>
+                                        <p:tgtEl>
+                                          <p:spTgt spid="4"/>
+                                        </p:tgtEl>
+                                      </p:cBhvr>
+                                    </p:animEffect>
+                                  </p:childTnLst>
+                                </p:cTn>
+                              </p:par>
+                            </p:childTnLst>
+                          </p:cTn>
+                        </p:par>
+                      </p:childTnLst>
+                    </p:cTn>
+                  </p:par>
+                  <p:par>
+                    <p:cTn id="31" fill="hold">
+                      <p:stCondLst>
+                        <p:cond delay="indefinite"/>
+                      </p:stCondLst>
+                      <p:childTnLst>
+                        <p:par>
+                          <p:cTn id="32" fill="hold">
+                            <p:stCondLst>
+                              <p:cond delay="0"/>
+                            </p:stCondLst>
+                            <p:childTnLst>
+                              <p:par>
+                                <p:cTn id="33" presetID="14" presetClass="entr" presetSubtype="10" fill="hold" grpId="0" nodeType="clickEffect">
+                                  <p:stCondLst>
+                                    <p:cond delay="0"/>
+                                  </p:stCondLst>
+                                  <p:childTnLst>
+                                    <p:set>
+                                      <p:cBhvr>
+                                        <p:cTn id="34" dur="1" fill="hold">
+                                          <p:stCondLst>
+                                            <p:cond delay="0"/>
+                                          </p:stCondLst>
+                                        </p:cTn>
+                                        <p:tgtEl>
+                                          <p:spTgt spid="25"/>
+                                        </p:tgtEl>
+                                        <p:attrNameLst>
+                                          <p:attrName>style.visibility</p:attrName>
+                                        </p:attrNameLst>
+                                      </p:cBhvr>
+                                      <p:to>
+                                        <p:strVal val="visible"/>
+                                      </p:to>
+                                    </p:set>
+                                    <p:animEffect transition="in" filter="randombar(horizontal)">
+                                      <p:cBhvr>
+                                        <p:cTn id="35" dur="500"/>
+                                        <p:tgtEl>
+                                          <p:spTgt spid="25"/>
+                                        </p:tgtEl>
+                                      </p:cBhvr>
+                                    </p:animEffect>
+                                  </p:childTnLst>
+                                </p:cTn>
+                              </p:par>
+                            </p:childTnLst>
+                          </p:cTn>
+                        </p:par>
+                      </p:childTnLst>
+                    </p:cTn>
+                  </p:par>
+                </p:childTnLst>
+              </p:cTn>
+              <p:prevCondLst>
+                <p:cond evt="onPrev" delay="0">
+                  <p:tgtEl>
+                    <p:sldTgt/>
+                  </p:tgtEl>
+                </p:cond>
+              </p:prevCondLst>
+              <p:nextCondLst>
+                <p:cond evt="onNext" delay="0">
+                  <p:tgtEl>
+                    <p:sldTgt/>
+                  </p:tgtEl>
+                </p:cond>
+              </p:nextCondLst>
+            </p:seq>
+          </p:childTnLst>
+        </p:cTn>
+      </p:par>
+    </p:tnLst>
+    <p:bldLst>
+      <p:bldP spid="4" grpId="0"/>
+      <p:bldP spid="6" grpId="0"/>
+      <p:bldP spid="8" grpId="0"/>
+      <p:bldP spid="15" grpId="0"/>
+      <p:bldP spid="21" grpId="0"/>
+      <p:bldP spid="25" grpId="0"/>
+      <p:bldP spid="27" grpId="0"/>
+    </p:bldLst>
+  </p:timing>
 </p:sld>
 </file>
 
@@ -7638,6 +8650,848 @@
               <a:rPr lang="en-GB" sz="5400" b="1" dirty="0">
                 <a:latin typeface="Calibri Light (Headings)"/>
               </a:rPr>
+              <a:t>Binary Multiplication</a:t>
+            </a:r>
+            <a:endParaRPr lang="en-PH" sz="5000" b="1" dirty="0">
+              <a:latin typeface="Calibri Light (Headings)"/>
+            </a:endParaRPr>
+          </a:p>
+        </p:txBody>
+      </p:sp>
+      <p:sp>
+        <p:nvSpPr>
+          <p:cNvPr id="7" name="TextBox 6">
+            <a:extLst>
+              <a:ext uri="{FF2B5EF4-FFF2-40B4-BE49-F238E27FC236}">
+                <a16:creationId xmlns:a16="http://schemas.microsoft.com/office/drawing/2014/main" id="{9B8AF204-6F40-0D8B-E030-8D6363014FD4}"/>
+              </a:ext>
+            </a:extLst>
+          </p:cNvPr>
+          <p:cNvSpPr txBox="1"/>
+          <p:nvPr/>
+        </p:nvSpPr>
+        <p:spPr>
+          <a:xfrm>
+            <a:off x="5404419" y="1315803"/>
+            <a:ext cx="1904474" cy="861774"/>
+          </a:xfrm>
+          <a:prstGeom prst="rect">
+            <a:avLst/>
+          </a:prstGeom>
+          <a:noFill/>
+        </p:spPr>
+        <p:txBody>
+          <a:bodyPr wrap="square">
+            <a:spAutoFit/>
+          </a:bodyPr>
+          <a:lstStyle/>
+          <a:p>
+            <a:pPr algn="l"/>
+            <a:r>
+              <a:rPr lang="en-PH" sz="5000" dirty="0"/>
+              <a:t>1 0 1 0 </a:t>
+            </a:r>
+          </a:p>
+        </p:txBody>
+      </p:sp>
+      <p:sp>
+        <p:nvSpPr>
+          <p:cNvPr id="2" name="TextBox 1">
+            <a:extLst>
+              <a:ext uri="{FF2B5EF4-FFF2-40B4-BE49-F238E27FC236}">
+                <a16:creationId xmlns:a16="http://schemas.microsoft.com/office/drawing/2014/main" id="{45CAA208-0422-0AD1-2386-2CC56D72851E}"/>
+              </a:ext>
+            </a:extLst>
+          </p:cNvPr>
+          <p:cNvSpPr txBox="1"/>
+          <p:nvPr/>
+        </p:nvSpPr>
+        <p:spPr>
+          <a:xfrm>
+            <a:off x="4959831" y="2101969"/>
+            <a:ext cx="2349062" cy="861774"/>
+          </a:xfrm>
+          <a:prstGeom prst="rect">
+            <a:avLst/>
+          </a:prstGeom>
+          <a:noFill/>
+        </p:spPr>
+        <p:txBody>
+          <a:bodyPr wrap="square">
+            <a:spAutoFit/>
+          </a:bodyPr>
+          <a:lstStyle/>
+          <a:p>
+            <a:pPr algn="l"/>
+            <a:r>
+              <a:rPr lang="en-PH" sz="5000" dirty="0"/>
+              <a:t>x 0 1 1 0 </a:t>
+            </a:r>
+          </a:p>
+        </p:txBody>
+      </p:sp>
+      <p:sp>
+        <p:nvSpPr>
+          <p:cNvPr id="4" name="TextBox 3">
+            <a:extLst>
+              <a:ext uri="{FF2B5EF4-FFF2-40B4-BE49-F238E27FC236}">
+                <a16:creationId xmlns:a16="http://schemas.microsoft.com/office/drawing/2014/main" id="{3EA11B3B-CC74-D20A-FDDD-E0AC14D3AF61}"/>
+              </a:ext>
+            </a:extLst>
+          </p:cNvPr>
+          <p:cNvSpPr txBox="1"/>
+          <p:nvPr/>
+        </p:nvSpPr>
+        <p:spPr>
+          <a:xfrm>
+            <a:off x="4070655" y="5394171"/>
+            <a:ext cx="3390638" cy="861774"/>
+          </a:xfrm>
+          <a:prstGeom prst="rect">
+            <a:avLst/>
+          </a:prstGeom>
+          <a:noFill/>
+        </p:spPr>
+        <p:txBody>
+          <a:bodyPr wrap="square">
+            <a:spAutoFit/>
+          </a:bodyPr>
+          <a:lstStyle/>
+          <a:p>
+            <a:pPr algn="l"/>
+            <a:r>
+              <a:rPr lang="en-PH" sz="5000" dirty="0"/>
+              <a:t>----------------</a:t>
+            </a:r>
+          </a:p>
+        </p:txBody>
+      </p:sp>
+      <p:sp>
+        <p:nvSpPr>
+          <p:cNvPr id="6" name="TextBox 5">
+            <a:extLst>
+              <a:ext uri="{FF2B5EF4-FFF2-40B4-BE49-F238E27FC236}">
+                <a16:creationId xmlns:a16="http://schemas.microsoft.com/office/drawing/2014/main" id="{28606326-3FCE-D7B2-E6F9-B8B28E1AC881}"/>
+              </a:ext>
+            </a:extLst>
+          </p:cNvPr>
+          <p:cNvSpPr txBox="1"/>
+          <p:nvPr/>
+        </p:nvSpPr>
+        <p:spPr>
+          <a:xfrm>
+            <a:off x="5404419" y="3184267"/>
+            <a:ext cx="1904474" cy="861774"/>
+          </a:xfrm>
+          <a:prstGeom prst="rect">
+            <a:avLst/>
+          </a:prstGeom>
+          <a:noFill/>
+        </p:spPr>
+        <p:txBody>
+          <a:bodyPr wrap="square">
+            <a:spAutoFit/>
+          </a:bodyPr>
+          <a:lstStyle/>
+          <a:p>
+            <a:pPr algn="l"/>
+            <a:r>
+              <a:rPr lang="en-US" sz="5000" dirty="0"/>
+              <a:t>0 0 0 0</a:t>
+            </a:r>
+            <a:endParaRPr lang="en-PH" sz="5000" dirty="0"/>
+          </a:p>
+        </p:txBody>
+      </p:sp>
+      <p:sp>
+        <p:nvSpPr>
+          <p:cNvPr id="8" name="TextBox 7">
+            <a:extLst>
+              <a:ext uri="{FF2B5EF4-FFF2-40B4-BE49-F238E27FC236}">
+                <a16:creationId xmlns:a16="http://schemas.microsoft.com/office/drawing/2014/main" id="{A8EEFA54-9A25-1640-A8C8-753AEB45FA09}"/>
+              </a:ext>
+            </a:extLst>
+          </p:cNvPr>
+          <p:cNvSpPr txBox="1"/>
+          <p:nvPr/>
+        </p:nvSpPr>
+        <p:spPr>
+          <a:xfrm>
+            <a:off x="4959831" y="3792735"/>
+            <a:ext cx="1904474" cy="861774"/>
+          </a:xfrm>
+          <a:prstGeom prst="rect">
+            <a:avLst/>
+          </a:prstGeom>
+          <a:noFill/>
+        </p:spPr>
+        <p:txBody>
+          <a:bodyPr wrap="square">
+            <a:spAutoFit/>
+          </a:bodyPr>
+          <a:lstStyle/>
+          <a:p>
+            <a:pPr algn="l"/>
+            <a:r>
+              <a:rPr lang="en-US" sz="5000" dirty="0"/>
+              <a:t>1 0 1 0</a:t>
+            </a:r>
+            <a:endParaRPr lang="en-PH" sz="5000" dirty="0"/>
+          </a:p>
+        </p:txBody>
+      </p:sp>
+      <p:sp>
+        <p:nvSpPr>
+          <p:cNvPr id="15" name="TextBox 14">
+            <a:extLst>
+              <a:ext uri="{FF2B5EF4-FFF2-40B4-BE49-F238E27FC236}">
+                <a16:creationId xmlns:a16="http://schemas.microsoft.com/office/drawing/2014/main" id="{2EEA8EB0-28A1-75D6-CB74-B119C0F6B35B}"/>
+              </a:ext>
+            </a:extLst>
+          </p:cNvPr>
+          <p:cNvSpPr txBox="1"/>
+          <p:nvPr/>
+        </p:nvSpPr>
+        <p:spPr>
+          <a:xfrm>
+            <a:off x="4515243" y="4392876"/>
+            <a:ext cx="1904474" cy="861774"/>
+          </a:xfrm>
+          <a:prstGeom prst="rect">
+            <a:avLst/>
+          </a:prstGeom>
+          <a:noFill/>
+        </p:spPr>
+        <p:txBody>
+          <a:bodyPr wrap="square">
+            <a:spAutoFit/>
+          </a:bodyPr>
+          <a:lstStyle/>
+          <a:p>
+            <a:pPr algn="l"/>
+            <a:r>
+              <a:rPr lang="en-US" sz="5000" dirty="0"/>
+              <a:t>1 0 1 0</a:t>
+            </a:r>
+            <a:endParaRPr lang="en-PH" sz="5000" dirty="0"/>
+          </a:p>
+        </p:txBody>
+      </p:sp>
+      <p:sp>
+        <p:nvSpPr>
+          <p:cNvPr id="21" name="TextBox 20">
+            <a:extLst>
+              <a:ext uri="{FF2B5EF4-FFF2-40B4-BE49-F238E27FC236}">
+                <a16:creationId xmlns:a16="http://schemas.microsoft.com/office/drawing/2014/main" id="{AE842734-87A5-B101-BDCC-12441272FB16}"/>
+              </a:ext>
+            </a:extLst>
+          </p:cNvPr>
+          <p:cNvSpPr txBox="1"/>
+          <p:nvPr/>
+        </p:nvSpPr>
+        <p:spPr>
+          <a:xfrm>
+            <a:off x="4070655" y="5042136"/>
+            <a:ext cx="1904474" cy="861774"/>
+          </a:xfrm>
+          <a:prstGeom prst="rect">
+            <a:avLst/>
+          </a:prstGeom>
+          <a:noFill/>
+        </p:spPr>
+        <p:txBody>
+          <a:bodyPr wrap="square">
+            <a:spAutoFit/>
+          </a:bodyPr>
+          <a:lstStyle/>
+          <a:p>
+            <a:pPr algn="l"/>
+            <a:r>
+              <a:rPr lang="en-US" sz="5000" dirty="0"/>
+              <a:t>0 0 0 0</a:t>
+            </a:r>
+            <a:endParaRPr lang="en-PH" sz="5000" dirty="0"/>
+          </a:p>
+        </p:txBody>
+      </p:sp>
+      <p:sp>
+        <p:nvSpPr>
+          <p:cNvPr id="23" name="TextBox 22">
+            <a:extLst>
+              <a:ext uri="{FF2B5EF4-FFF2-40B4-BE49-F238E27FC236}">
+                <a16:creationId xmlns:a16="http://schemas.microsoft.com/office/drawing/2014/main" id="{1E4FE4EC-3296-325F-BBBE-4BC4C06B4F8B}"/>
+              </a:ext>
+            </a:extLst>
+          </p:cNvPr>
+          <p:cNvSpPr txBox="1"/>
+          <p:nvPr/>
+        </p:nvSpPr>
+        <p:spPr>
+          <a:xfrm>
+            <a:off x="4959831" y="2584126"/>
+            <a:ext cx="2349062" cy="861774"/>
+          </a:xfrm>
+          <a:prstGeom prst="rect">
+            <a:avLst/>
+          </a:prstGeom>
+          <a:noFill/>
+        </p:spPr>
+        <p:txBody>
+          <a:bodyPr wrap="square">
+            <a:spAutoFit/>
+          </a:bodyPr>
+          <a:lstStyle/>
+          <a:p>
+            <a:pPr algn="l"/>
+            <a:r>
+              <a:rPr lang="en-PH" sz="5000" dirty="0"/>
+              <a:t>-----------</a:t>
+            </a:r>
+          </a:p>
+        </p:txBody>
+      </p:sp>
+      <p:sp>
+        <p:nvSpPr>
+          <p:cNvPr id="25" name="TextBox 24">
+            <a:extLst>
+              <a:ext uri="{FF2B5EF4-FFF2-40B4-BE49-F238E27FC236}">
+                <a16:creationId xmlns:a16="http://schemas.microsoft.com/office/drawing/2014/main" id="{06AF788C-ECEE-8241-4CD2-43622C452E6D}"/>
+              </a:ext>
+            </a:extLst>
+          </p:cNvPr>
+          <p:cNvSpPr txBox="1"/>
+          <p:nvPr/>
+        </p:nvSpPr>
+        <p:spPr>
+          <a:xfrm>
+            <a:off x="4070655" y="5830916"/>
+            <a:ext cx="3339138" cy="861774"/>
+          </a:xfrm>
+          <a:prstGeom prst="rect">
+            <a:avLst/>
+          </a:prstGeom>
+          <a:noFill/>
+        </p:spPr>
+        <p:txBody>
+          <a:bodyPr wrap="square">
+            <a:spAutoFit/>
+          </a:bodyPr>
+          <a:lstStyle/>
+          <a:p>
+            <a:pPr algn="l"/>
+            <a:r>
+              <a:rPr lang="en-US" sz="5000" dirty="0"/>
+              <a:t>0 1 1 1 1 0 0</a:t>
+            </a:r>
+            <a:endParaRPr lang="en-PH" sz="5000" dirty="0"/>
+          </a:p>
+        </p:txBody>
+      </p:sp>
+      <p:sp>
+        <p:nvSpPr>
+          <p:cNvPr id="27" name="TextBox 26">
+            <a:extLst>
+              <a:ext uri="{FF2B5EF4-FFF2-40B4-BE49-F238E27FC236}">
+                <a16:creationId xmlns:a16="http://schemas.microsoft.com/office/drawing/2014/main" id="{ADCAEE8C-E6F1-E667-9864-2D33BBB2CBDC}"/>
+              </a:ext>
+            </a:extLst>
+          </p:cNvPr>
+          <p:cNvSpPr txBox="1"/>
+          <p:nvPr/>
+        </p:nvSpPr>
+        <p:spPr>
+          <a:xfrm>
+            <a:off x="3272921" y="5042136"/>
+            <a:ext cx="927013" cy="861774"/>
+          </a:xfrm>
+          <a:prstGeom prst="rect">
+            <a:avLst/>
+          </a:prstGeom>
+          <a:noFill/>
+        </p:spPr>
+        <p:txBody>
+          <a:bodyPr wrap="square">
+            <a:spAutoFit/>
+          </a:bodyPr>
+          <a:lstStyle/>
+          <a:p>
+            <a:r>
+              <a:rPr lang="en-US" sz="5000" dirty="0"/>
+              <a:t>(+)</a:t>
+            </a:r>
+            <a:endParaRPr lang="en-PH" sz="5000" dirty="0"/>
+          </a:p>
+        </p:txBody>
+      </p:sp>
+    </p:spTree>
+    <p:extLst>
+      <p:ext uri="{BB962C8B-B14F-4D97-AF65-F5344CB8AC3E}">
+        <p14:creationId xmlns:p14="http://schemas.microsoft.com/office/powerpoint/2010/main" val="400485521"/>
+      </p:ext>
+    </p:extLst>
+  </p:cSld>
+  <p:clrMapOvr>
+    <a:masterClrMapping/>
+  </p:clrMapOvr>
+  <p:timing>
+    <p:tnLst>
+      <p:par>
+        <p:cTn id="1" dur="indefinite" restart="never" nodeType="tmRoot">
+          <p:childTnLst>
+            <p:seq concurrent="1" nextAc="seek">
+              <p:cTn id="2" dur="indefinite" nodeType="mainSeq">
+                <p:childTnLst>
+                  <p:par>
+                    <p:cTn id="3" fill="hold">
+                      <p:stCondLst>
+                        <p:cond delay="indefinite"/>
+                      </p:stCondLst>
+                      <p:childTnLst>
+                        <p:par>
+                          <p:cTn id="4" fill="hold">
+                            <p:stCondLst>
+                              <p:cond delay="0"/>
+                            </p:stCondLst>
+                            <p:childTnLst>
+                              <p:par>
+                                <p:cTn id="5" presetID="14" presetClass="entr" presetSubtype="10" fill="hold" grpId="0" nodeType="clickEffect">
+                                  <p:stCondLst>
+                                    <p:cond delay="0"/>
+                                  </p:stCondLst>
+                                  <p:childTnLst>
+                                    <p:set>
+                                      <p:cBhvr>
+                                        <p:cTn id="6" dur="1" fill="hold">
+                                          <p:stCondLst>
+                                            <p:cond delay="0"/>
+                                          </p:stCondLst>
+                                        </p:cTn>
+                                        <p:tgtEl>
+                                          <p:spTgt spid="6"/>
+                                        </p:tgtEl>
+                                        <p:attrNameLst>
+                                          <p:attrName>style.visibility</p:attrName>
+                                        </p:attrNameLst>
+                                      </p:cBhvr>
+                                      <p:to>
+                                        <p:strVal val="visible"/>
+                                      </p:to>
+                                    </p:set>
+                                    <p:animEffect transition="in" filter="randombar(horizontal)">
+                                      <p:cBhvr>
+                                        <p:cTn id="7" dur="500"/>
+                                        <p:tgtEl>
+                                          <p:spTgt spid="6"/>
+                                        </p:tgtEl>
+                                      </p:cBhvr>
+                                    </p:animEffect>
+                                  </p:childTnLst>
+                                </p:cTn>
+                              </p:par>
+                            </p:childTnLst>
+                          </p:cTn>
+                        </p:par>
+                      </p:childTnLst>
+                    </p:cTn>
+                  </p:par>
+                  <p:par>
+                    <p:cTn id="8" fill="hold">
+                      <p:stCondLst>
+                        <p:cond delay="indefinite"/>
+                      </p:stCondLst>
+                      <p:childTnLst>
+                        <p:par>
+                          <p:cTn id="9" fill="hold">
+                            <p:stCondLst>
+                              <p:cond delay="0"/>
+                            </p:stCondLst>
+                            <p:childTnLst>
+                              <p:par>
+                                <p:cTn id="10" presetID="14" presetClass="entr" presetSubtype="10" fill="hold" grpId="0" nodeType="clickEffect">
+                                  <p:stCondLst>
+                                    <p:cond delay="0"/>
+                                  </p:stCondLst>
+                                  <p:childTnLst>
+                                    <p:set>
+                                      <p:cBhvr>
+                                        <p:cTn id="11" dur="1" fill="hold">
+                                          <p:stCondLst>
+                                            <p:cond delay="0"/>
+                                          </p:stCondLst>
+                                        </p:cTn>
+                                        <p:tgtEl>
+                                          <p:spTgt spid="8"/>
+                                        </p:tgtEl>
+                                        <p:attrNameLst>
+                                          <p:attrName>style.visibility</p:attrName>
+                                        </p:attrNameLst>
+                                      </p:cBhvr>
+                                      <p:to>
+                                        <p:strVal val="visible"/>
+                                      </p:to>
+                                    </p:set>
+                                    <p:animEffect transition="in" filter="randombar(horizontal)">
+                                      <p:cBhvr>
+                                        <p:cTn id="12" dur="500"/>
+                                        <p:tgtEl>
+                                          <p:spTgt spid="8"/>
+                                        </p:tgtEl>
+                                      </p:cBhvr>
+                                    </p:animEffect>
+                                  </p:childTnLst>
+                                </p:cTn>
+                              </p:par>
+                            </p:childTnLst>
+                          </p:cTn>
+                        </p:par>
+                      </p:childTnLst>
+                    </p:cTn>
+                  </p:par>
+                  <p:par>
+                    <p:cTn id="13" fill="hold">
+                      <p:stCondLst>
+                        <p:cond delay="indefinite"/>
+                      </p:stCondLst>
+                      <p:childTnLst>
+                        <p:par>
+                          <p:cTn id="14" fill="hold">
+                            <p:stCondLst>
+                              <p:cond delay="0"/>
+                            </p:stCondLst>
+                            <p:childTnLst>
+                              <p:par>
+                                <p:cTn id="15" presetID="14" presetClass="entr" presetSubtype="10" fill="hold" grpId="0" nodeType="clickEffect">
+                                  <p:stCondLst>
+                                    <p:cond delay="0"/>
+                                  </p:stCondLst>
+                                  <p:childTnLst>
+                                    <p:set>
+                                      <p:cBhvr>
+                                        <p:cTn id="16" dur="1" fill="hold">
+                                          <p:stCondLst>
+                                            <p:cond delay="0"/>
+                                          </p:stCondLst>
+                                        </p:cTn>
+                                        <p:tgtEl>
+                                          <p:spTgt spid="15"/>
+                                        </p:tgtEl>
+                                        <p:attrNameLst>
+                                          <p:attrName>style.visibility</p:attrName>
+                                        </p:attrNameLst>
+                                      </p:cBhvr>
+                                      <p:to>
+                                        <p:strVal val="visible"/>
+                                      </p:to>
+                                    </p:set>
+                                    <p:animEffect transition="in" filter="randombar(horizontal)">
+                                      <p:cBhvr>
+                                        <p:cTn id="17" dur="500"/>
+                                        <p:tgtEl>
+                                          <p:spTgt spid="15"/>
+                                        </p:tgtEl>
+                                      </p:cBhvr>
+                                    </p:animEffect>
+                                  </p:childTnLst>
+                                </p:cTn>
+                              </p:par>
+                            </p:childTnLst>
+                          </p:cTn>
+                        </p:par>
+                      </p:childTnLst>
+                    </p:cTn>
+                  </p:par>
+                  <p:par>
+                    <p:cTn id="18" fill="hold">
+                      <p:stCondLst>
+                        <p:cond delay="indefinite"/>
+                      </p:stCondLst>
+                      <p:childTnLst>
+                        <p:par>
+                          <p:cTn id="19" fill="hold">
+                            <p:stCondLst>
+                              <p:cond delay="0"/>
+                            </p:stCondLst>
+                            <p:childTnLst>
+                              <p:par>
+                                <p:cTn id="20" presetID="14" presetClass="entr" presetSubtype="10" fill="hold" grpId="0" nodeType="clickEffect">
+                                  <p:stCondLst>
+                                    <p:cond delay="0"/>
+                                  </p:stCondLst>
+                                  <p:childTnLst>
+                                    <p:set>
+                                      <p:cBhvr>
+                                        <p:cTn id="21" dur="1" fill="hold">
+                                          <p:stCondLst>
+                                            <p:cond delay="0"/>
+                                          </p:stCondLst>
+                                        </p:cTn>
+                                        <p:tgtEl>
+                                          <p:spTgt spid="21"/>
+                                        </p:tgtEl>
+                                        <p:attrNameLst>
+                                          <p:attrName>style.visibility</p:attrName>
+                                        </p:attrNameLst>
+                                      </p:cBhvr>
+                                      <p:to>
+                                        <p:strVal val="visible"/>
+                                      </p:to>
+                                    </p:set>
+                                    <p:animEffect transition="in" filter="randombar(horizontal)">
+                                      <p:cBhvr>
+                                        <p:cTn id="22" dur="500"/>
+                                        <p:tgtEl>
+                                          <p:spTgt spid="21"/>
+                                        </p:tgtEl>
+                                      </p:cBhvr>
+                                    </p:animEffect>
+                                  </p:childTnLst>
+                                </p:cTn>
+                              </p:par>
+                            </p:childTnLst>
+                          </p:cTn>
+                        </p:par>
+                      </p:childTnLst>
+                    </p:cTn>
+                  </p:par>
+                  <p:par>
+                    <p:cTn id="23" fill="hold">
+                      <p:stCondLst>
+                        <p:cond delay="indefinite"/>
+                      </p:stCondLst>
+                      <p:childTnLst>
+                        <p:par>
+                          <p:cTn id="24" fill="hold">
+                            <p:stCondLst>
+                              <p:cond delay="0"/>
+                            </p:stCondLst>
+                            <p:childTnLst>
+                              <p:par>
+                                <p:cTn id="25" presetID="14" presetClass="entr" presetSubtype="10" fill="hold" grpId="0" nodeType="clickEffect">
+                                  <p:stCondLst>
+                                    <p:cond delay="0"/>
+                                  </p:stCondLst>
+                                  <p:childTnLst>
+                                    <p:set>
+                                      <p:cBhvr>
+                                        <p:cTn id="26" dur="1" fill="hold">
+                                          <p:stCondLst>
+                                            <p:cond delay="0"/>
+                                          </p:stCondLst>
+                                        </p:cTn>
+                                        <p:tgtEl>
+                                          <p:spTgt spid="27"/>
+                                        </p:tgtEl>
+                                        <p:attrNameLst>
+                                          <p:attrName>style.visibility</p:attrName>
+                                        </p:attrNameLst>
+                                      </p:cBhvr>
+                                      <p:to>
+                                        <p:strVal val="visible"/>
+                                      </p:to>
+                                    </p:set>
+                                    <p:animEffect transition="in" filter="randombar(horizontal)">
+                                      <p:cBhvr>
+                                        <p:cTn id="27" dur="500"/>
+                                        <p:tgtEl>
+                                          <p:spTgt spid="27"/>
+                                        </p:tgtEl>
+                                      </p:cBhvr>
+                                    </p:animEffect>
+                                  </p:childTnLst>
+                                </p:cTn>
+                              </p:par>
+                              <p:par>
+                                <p:cTn id="28" presetID="14" presetClass="entr" presetSubtype="10" fill="hold" grpId="0" nodeType="withEffect">
+                                  <p:stCondLst>
+                                    <p:cond delay="0"/>
+                                  </p:stCondLst>
+                                  <p:childTnLst>
+                                    <p:set>
+                                      <p:cBhvr>
+                                        <p:cTn id="29" dur="1" fill="hold">
+                                          <p:stCondLst>
+                                            <p:cond delay="0"/>
+                                          </p:stCondLst>
+                                        </p:cTn>
+                                        <p:tgtEl>
+                                          <p:spTgt spid="4"/>
+                                        </p:tgtEl>
+                                        <p:attrNameLst>
+                                          <p:attrName>style.visibility</p:attrName>
+                                        </p:attrNameLst>
+                                      </p:cBhvr>
+                                      <p:to>
+                                        <p:strVal val="visible"/>
+                                      </p:to>
+                                    </p:set>
+                                    <p:animEffect transition="in" filter="randombar(horizontal)">
+                                      <p:cBhvr>
+                                        <p:cTn id="30" dur="500"/>
+                                        <p:tgtEl>
+                                          <p:spTgt spid="4"/>
+                                        </p:tgtEl>
+                                      </p:cBhvr>
+                                    </p:animEffect>
+                                  </p:childTnLst>
+                                </p:cTn>
+                              </p:par>
+                            </p:childTnLst>
+                          </p:cTn>
+                        </p:par>
+                      </p:childTnLst>
+                    </p:cTn>
+                  </p:par>
+                  <p:par>
+                    <p:cTn id="31" fill="hold">
+                      <p:stCondLst>
+                        <p:cond delay="indefinite"/>
+                      </p:stCondLst>
+                      <p:childTnLst>
+                        <p:par>
+                          <p:cTn id="32" fill="hold">
+                            <p:stCondLst>
+                              <p:cond delay="0"/>
+                            </p:stCondLst>
+                            <p:childTnLst>
+                              <p:par>
+                                <p:cTn id="33" presetID="14" presetClass="entr" presetSubtype="10" fill="hold" grpId="0" nodeType="clickEffect">
+                                  <p:stCondLst>
+                                    <p:cond delay="0"/>
+                                  </p:stCondLst>
+                                  <p:childTnLst>
+                                    <p:set>
+                                      <p:cBhvr>
+                                        <p:cTn id="34" dur="1" fill="hold">
+                                          <p:stCondLst>
+                                            <p:cond delay="0"/>
+                                          </p:stCondLst>
+                                        </p:cTn>
+                                        <p:tgtEl>
+                                          <p:spTgt spid="25"/>
+                                        </p:tgtEl>
+                                        <p:attrNameLst>
+                                          <p:attrName>style.visibility</p:attrName>
+                                        </p:attrNameLst>
+                                      </p:cBhvr>
+                                      <p:to>
+                                        <p:strVal val="visible"/>
+                                      </p:to>
+                                    </p:set>
+                                    <p:animEffect transition="in" filter="randombar(horizontal)">
+                                      <p:cBhvr>
+                                        <p:cTn id="35" dur="500"/>
+                                        <p:tgtEl>
+                                          <p:spTgt spid="25"/>
+                                        </p:tgtEl>
+                                      </p:cBhvr>
+                                    </p:animEffect>
+                                  </p:childTnLst>
+                                </p:cTn>
+                              </p:par>
+                            </p:childTnLst>
+                          </p:cTn>
+                        </p:par>
+                      </p:childTnLst>
+                    </p:cTn>
+                  </p:par>
+                </p:childTnLst>
+              </p:cTn>
+              <p:prevCondLst>
+                <p:cond evt="onPrev" delay="0">
+                  <p:tgtEl>
+                    <p:sldTgt/>
+                  </p:tgtEl>
+                </p:cond>
+              </p:prevCondLst>
+              <p:nextCondLst>
+                <p:cond evt="onNext" delay="0">
+                  <p:tgtEl>
+                    <p:sldTgt/>
+                  </p:tgtEl>
+                </p:cond>
+              </p:nextCondLst>
+            </p:seq>
+          </p:childTnLst>
+        </p:cTn>
+      </p:par>
+    </p:tnLst>
+    <p:bldLst>
+      <p:bldP spid="4" grpId="0"/>
+      <p:bldP spid="6" grpId="0"/>
+      <p:bldP spid="8" grpId="0"/>
+      <p:bldP spid="15" grpId="0"/>
+      <p:bldP spid="21" grpId="0"/>
+      <p:bldP spid="25" grpId="0"/>
+      <p:bldP spid="27" grpId="0"/>
+    </p:bldLst>
+  </p:timing>
+</p:sld>
+</file>
+
+<file path=ppt/slides/slide9.xml><?xml version="1.0" encoding="utf-8"?>
+<p:sld xmlns:a="http://schemas.openxmlformats.org/drawingml/2006/main" xmlns:r="http://schemas.openxmlformats.org/officeDocument/2006/relationships" xmlns:p="http://schemas.openxmlformats.org/presentationml/2006/main">
+  <p:cSld>
+    <p:bg>
+      <p:bgPr>
+        <a:blipFill dpi="0" rotWithShape="1">
+          <a:blip r:embed="rId3">
+            <a:alphaModFix amt="99000"/>
+            <a:lum/>
+          </a:blip>
+          <a:srcRect/>
+          <a:stretch>
+            <a:fillRect t="89000" r="85000" b="-1000"/>
+          </a:stretch>
+        </a:blipFill>
+        <a:effectLst/>
+      </p:bgPr>
+    </p:bg>
+    <p:spTree>
+      <p:nvGrpSpPr>
+        <p:cNvPr id="1" name=""/>
+        <p:cNvGrpSpPr/>
+        <p:nvPr/>
+      </p:nvGrpSpPr>
+      <p:grpSpPr>
+        <a:xfrm>
+          <a:off x="0" y="0"/>
+          <a:ext cx="0" cy="0"/>
+          <a:chOff x="0" y="0"/>
+          <a:chExt cx="0" cy="0"/>
+        </a:xfrm>
+      </p:grpSpPr>
+      <p:sp>
+        <p:nvSpPr>
+          <p:cNvPr id="13" name="Title 1">
+            <a:extLst>
+              <a:ext uri="{FF2B5EF4-FFF2-40B4-BE49-F238E27FC236}">
+                <a16:creationId xmlns:a16="http://schemas.microsoft.com/office/drawing/2014/main" id="{9A8D5BAB-B043-D3CD-367F-5A26BCC03BEB}"/>
+              </a:ext>
+            </a:extLst>
+          </p:cNvPr>
+          <p:cNvSpPr>
+            <a:spLocks noGrp="1"/>
+          </p:cNvSpPr>
+          <p:nvPr>
+            <p:ph type="ctrTitle"/>
+          </p:nvPr>
+        </p:nvSpPr>
+        <p:spPr>
+          <a:xfrm>
+            <a:off x="598967" y="239552"/>
+            <a:ext cx="11133827" cy="855727"/>
+          </a:xfrm>
+        </p:spPr>
+        <p:txBody>
+          <a:bodyPr>
+            <a:normAutofit/>
+          </a:bodyPr>
+          <a:lstStyle/>
+          <a:p>
+            <a:r>
+              <a:rPr lang="en-GB" sz="5400" b="1" dirty="0">
+                <a:latin typeface="Calibri Light (Headings)"/>
+              </a:rPr>
               <a:t>Binary Division</a:t>
             </a:r>
             <a:endParaRPr lang="en-PH" sz="5000" b="1" dirty="0">

--- a/Part 4 - Number System/Binary Operations.pptx
+++ b/Part 4 - Number System/Binary Operations.pptx
@@ -15,9 +15,9 @@
     <p:sldId id="281" r:id="rId6"/>
     <p:sldId id="285" r:id="rId7"/>
     <p:sldId id="282" r:id="rId8"/>
-    <p:sldId id="286" r:id="rId9"/>
+    <p:sldId id="287" r:id="rId9"/>
     <p:sldId id="283" r:id="rId10"/>
-    <p:sldId id="287" r:id="rId11"/>
+    <p:sldId id="288" r:id="rId11"/>
   </p:sldIdLst>
   <p:sldSz cx="12192000" cy="6858000"/>
   <p:notesSz cx="6858000" cy="9144000"/>
@@ -130,6 +130,34 @@
     <p1510:client id="{DB5FF2ED-5567-445A-B3E0-3393544B04A6}" v="675" dt="2022-05-11T04:00:20.336"/>
   </p1510:revLst>
 </p1510:revInfo>
+</file>
+
+<file path=ppt/ink/ink1.xml><?xml version="1.0" encoding="utf-8"?>
+<inkml:ink xmlns:inkml="http://www.w3.org/2003/InkML">
+  <inkml:definitions>
+    <inkml:context xml:id="ctx0">
+      <inkml:inkSource xml:id="inkSrc0">
+        <inkml:traceFormat>
+          <inkml:channel name="X" type="integer" min="-2.14748E9" max="2.14748E9" units="cm"/>
+          <inkml:channel name="Y" type="integer" min="-2.14748E9" max="2.14748E9" units="cm"/>
+          <inkml:channel name="F" type="integer" max="32767" units="dev"/>
+        </inkml:traceFormat>
+        <inkml:channelProperties>
+          <inkml:channelProperty channel="X" name="resolution" value="1000" units="1/cm"/>
+          <inkml:channelProperty channel="Y" name="resolution" value="1000" units="1/cm"/>
+          <inkml:channelProperty channel="F" name="resolution" value="0" units="1/dev"/>
+        </inkml:channelProperties>
+      </inkml:inkSource>
+      <inkml:timestamp xml:id="ts0" timeString="2024-02-07T02:45:01.508"/>
+    </inkml:context>
+    <inkml:brush xml:id="br0">
+      <inkml:brushProperty name="width" value="0.05" units="cm"/>
+      <inkml:brushProperty name="height" value="0.05" units="cm"/>
+      <inkml:brushProperty name="color" value="#66CC00"/>
+    </inkml:brush>
+  </inkml:definitions>
+  <inkml:trace contextRef="#ctx0" brushRef="#br0">2207 1180 24575,'16'0'0,"0"-1"0,1 0 0,-1-1 0,0-1 0,0-1 0,0 0 0,-1-1 0,23-10 0,-31 13 0,0-1 0,-1 0 0,1 0 0,-1-1 0,0 0 0,0 0 0,0 0 0,-1-1 0,1 1 0,-1-2 0,0 1 0,0 0 0,-1-1 0,0 0 0,0 0 0,5-10 0,-2 5 0,0 0 0,1 1 0,0 0 0,12-10 0,20-28 0,-18 12 0,32-73 0,3-4 0,-51 102 0,0-1 0,0 0 0,-1-1 0,-1 1 0,0-1 0,0 0 0,2-24 0,-6 32 0,1 0 0,-1-1 0,0 1 0,0 0 0,0-1 0,-1 1 0,0 0 0,0-1 0,-1 1 0,1 0 0,-1 0 0,0 0 0,0 0 0,-1 0 0,1 0 0,-1 1 0,0-1 0,-1 1 0,1 0 0,-1 0 0,-6-5 0,-21-14 0,18 13 0,0 0 0,0-1 0,1 0 0,-21-23 0,21 22 0,0 0 0,-1 1 0,-1 1 0,0 0 0,-1 1 0,1 0 0,-30-12 0,-88-39 0,74 34 0,0 2 0,-109-28 0,156 50 0,1 0 0,-1 1 0,-19 0 0,23 1 0,-1 0 0,0 0 0,1-1 0,-1 0 0,1 0 0,0-1 0,-1 0 0,1 0 0,-8-4 0,-1 0 0,0 1 0,0 0 0,0 1 0,-1 0 0,1 2 0,-32-2 0,-1 0 0,-148-14 0,96 13 0,71 5 0,0-2 0,-31-5 0,8 0 0,0 3 0,-1 2 0,-54 6 0,1-2 0,17-3 0,-98 3 0,173-1 0,0 1 0,1 1 0,-1 0 0,1 1 0,0 1 0,0 0 0,0 1 0,0 1 0,1 0 0,0 0 0,1 1 0,-20 17 0,-16 5 0,40-26 0,1 0 0,-1 1 0,1 0 0,0 0 0,0 0 0,0 1 0,1 0 0,0 0 0,-6 9 0,0-1 0,0 0 0,0 0 0,-1-2 0,-18 15 0,13-12 0,1 0 0,-17 20 0,-51 81 0,78-107 0,0 1 0,1 0 0,0 0 0,1 0 0,0 0 0,1 1 0,0 0 0,1 0 0,-4 21 0,5-25 0,1 0 0,1 0 0,-1 0 0,1 0 0,0 0 0,1 1 0,0-1 0,0 0 0,1 0 0,-1 0 0,1-1 0,1 1 0,0 0 0,-1-1 0,2 1 0,6 10 0,22 22 0,1-1 0,2-1 0,63 50 0,-48-42 0,-43-36 0,1-1 0,0 0 0,0-1 0,1 0 0,0 0 0,0-1 0,1 0 0,17 7 0,15 5 0,50 29 0,-59-29 0,0-1 0,66 23 0,-50-24 0,78 36 0,-106-44 0,0 0 0,1-2 0,0 0 0,44 4 0,24 7 0,33 3 0,-95-16 0,173 13 0,-171-14 0,1-1 0,38-2 0,-42-1 0,-1 1 0,1 1 0,45 9 0,-41-6 0,0 0 0,0-2 0,61-4 0,-24 1 0,-56 0 0,0-1 0,0 1 0,0-2 0,0 0 0,0 0 0,17-8 0,66-36 0,-21-10-1365,-61 50-5461</inkml:trace>
+</inkml:ink>
 </file>
 
 <file path=ppt/notesMasters/notesMaster1.xml><?xml version="1.0" encoding="utf-8"?>
@@ -1060,7 +1088,7 @@
     </p:spTree>
     <p:extLst>
       <p:ext uri="{BB962C8B-B14F-4D97-AF65-F5344CB8AC3E}">
-        <p14:creationId xmlns:p14="http://schemas.microsoft.com/office/powerpoint/2010/main" val="409078708"/>
+        <p14:creationId xmlns:p14="http://schemas.microsoft.com/office/powerpoint/2010/main" val="344676721"/>
       </p:ext>
     </p:extLst>
   </p:cSld>
@@ -1228,7 +1256,7 @@
     </p:spTree>
     <p:extLst>
       <p:ext uri="{BB962C8B-B14F-4D97-AF65-F5344CB8AC3E}">
-        <p14:creationId xmlns:p14="http://schemas.microsoft.com/office/powerpoint/2010/main" val="344676721"/>
+        <p14:creationId xmlns:p14="http://schemas.microsoft.com/office/powerpoint/2010/main" val="739717592"/>
       </p:ext>
     </p:extLst>
   </p:cSld>
@@ -4717,12 +4745,107 @@
           </a:p>
         </p:txBody>
       </p:sp>
-      <p:sp>
-        <p:nvSpPr>
-          <p:cNvPr id="7" name="TextBox 6">
-            <a:extLst>
-              <a:ext uri="{FF2B5EF4-FFF2-40B4-BE49-F238E27FC236}">
-                <a16:creationId xmlns:a16="http://schemas.microsoft.com/office/drawing/2014/main" id="{9B8AF204-6F40-0D8B-E030-8D6363014FD4}"/>
+      <p:grpSp>
+        <p:nvGrpSpPr>
+          <p:cNvPr id="32" name="Group 31">
+            <a:extLst>
+              <a:ext uri="{FF2B5EF4-FFF2-40B4-BE49-F238E27FC236}">
+                <a16:creationId xmlns:a16="http://schemas.microsoft.com/office/drawing/2014/main" id="{3ED0B253-A07D-9EAB-5AD6-9DC1B5F827D2}"/>
+              </a:ext>
+            </a:extLst>
+          </p:cNvPr>
+          <p:cNvGrpSpPr/>
+          <p:nvPr/>
+        </p:nvGrpSpPr>
+        <p:grpSpPr>
+          <a:xfrm>
+            <a:off x="4332365" y="1854025"/>
+            <a:ext cx="1865270" cy="457119"/>
+            <a:chOff x="4332364" y="1854025"/>
+            <a:chExt cx="3865705" cy="832419"/>
+          </a:xfrm>
+        </p:grpSpPr>
+        <p:cxnSp>
+          <p:nvCxnSpPr>
+            <p:cNvPr id="20" name="Straight Connector 19">
+              <a:extLst>
+                <a:ext uri="{FF2B5EF4-FFF2-40B4-BE49-F238E27FC236}">
+                  <a16:creationId xmlns:a16="http://schemas.microsoft.com/office/drawing/2014/main" id="{02C81225-DD23-388D-C640-22EBAF76074C}"/>
+                </a:ext>
+              </a:extLst>
+            </p:cNvPr>
+            <p:cNvCxnSpPr/>
+            <p:nvPr/>
+          </p:nvCxnSpPr>
+          <p:spPr>
+            <a:xfrm>
+              <a:off x="4332364" y="1854025"/>
+              <a:ext cx="0" cy="832419"/>
+            </a:xfrm>
+            <a:prstGeom prst="line">
+              <a:avLst/>
+            </a:prstGeom>
+          </p:spPr>
+          <p:style>
+            <a:lnRef idx="3">
+              <a:schemeClr val="dk1"/>
+            </a:lnRef>
+            <a:fillRef idx="0">
+              <a:schemeClr val="dk1"/>
+            </a:fillRef>
+            <a:effectRef idx="2">
+              <a:schemeClr val="dk1"/>
+            </a:effectRef>
+            <a:fontRef idx="minor">
+              <a:schemeClr val="tx1"/>
+            </a:fontRef>
+          </p:style>
+        </p:cxnSp>
+        <p:cxnSp>
+          <p:nvCxnSpPr>
+            <p:cNvPr id="22" name="Straight Connector 21">
+              <a:extLst>
+                <a:ext uri="{FF2B5EF4-FFF2-40B4-BE49-F238E27FC236}">
+                  <a16:creationId xmlns:a16="http://schemas.microsoft.com/office/drawing/2014/main" id="{BBF3CB78-8D90-BCF2-3D98-679A001C1B05}"/>
+                </a:ext>
+              </a:extLst>
+            </p:cNvPr>
+            <p:cNvCxnSpPr>
+              <a:cxnSpLocks/>
+            </p:cNvCxnSpPr>
+            <p:nvPr/>
+          </p:nvCxnSpPr>
+          <p:spPr>
+            <a:xfrm flipH="1">
+              <a:off x="4332364" y="1854025"/>
+              <a:ext cx="3865705" cy="0"/>
+            </a:xfrm>
+            <a:prstGeom prst="line">
+              <a:avLst/>
+            </a:prstGeom>
+          </p:spPr>
+          <p:style>
+            <a:lnRef idx="3">
+              <a:schemeClr val="dk1"/>
+            </a:lnRef>
+            <a:fillRef idx="0">
+              <a:schemeClr val="dk1"/>
+            </a:fillRef>
+            <a:effectRef idx="2">
+              <a:schemeClr val="dk1"/>
+            </a:effectRef>
+            <a:fontRef idx="minor">
+              <a:schemeClr val="tx1"/>
+            </a:fontRef>
+          </p:style>
+        </p:cxnSp>
+      </p:grpSp>
+      <p:sp>
+        <p:nvSpPr>
+          <p:cNvPr id="30" name="TextBox 29">
+            <a:extLst>
+              <a:ext uri="{FF2B5EF4-FFF2-40B4-BE49-F238E27FC236}">
+                <a16:creationId xmlns:a16="http://schemas.microsoft.com/office/drawing/2014/main" id="{0EB802CD-CF09-E20C-4B68-D1EE25F63E0A}"/>
               </a:ext>
             </a:extLst>
           </p:cNvPr>
@@ -4731,8 +4854,8 @@
         </p:nvSpPr>
         <p:spPr>
           <a:xfrm>
-            <a:off x="5404419" y="1315803"/>
-            <a:ext cx="1904474" cy="861774"/>
+            <a:off x="3137889" y="1854025"/>
+            <a:ext cx="1014196" cy="553998"/>
           </a:xfrm>
           <a:prstGeom prst="rect">
             <a:avLst/>
@@ -4747,18 +4870,18 @@
           <a:p>
             <a:pPr algn="l"/>
             <a:r>
-              <a:rPr lang="en-PH" sz="5000" dirty="0"/>
-              <a:t>1 0 1 0 </a:t>
-            </a:r>
-          </a:p>
-        </p:txBody>
-      </p:sp>
-      <p:sp>
-        <p:nvSpPr>
-          <p:cNvPr id="2" name="TextBox 1">
-            <a:extLst>
-              <a:ext uri="{FF2B5EF4-FFF2-40B4-BE49-F238E27FC236}">
-                <a16:creationId xmlns:a16="http://schemas.microsoft.com/office/drawing/2014/main" id="{45CAA208-0422-0AD1-2386-2CC56D72851E}"/>
+              <a:rPr lang="en-PH" sz="3000" dirty="0"/>
+              <a:t>1 0 1</a:t>
+            </a:r>
+          </a:p>
+        </p:txBody>
+      </p:sp>
+      <p:sp>
+        <p:nvSpPr>
+          <p:cNvPr id="31" name="TextBox 30">
+            <a:extLst>
+              <a:ext uri="{FF2B5EF4-FFF2-40B4-BE49-F238E27FC236}">
+                <a16:creationId xmlns:a16="http://schemas.microsoft.com/office/drawing/2014/main" id="{F93DF5AA-63F5-2E55-1344-06859488709A}"/>
               </a:ext>
             </a:extLst>
           </p:cNvPr>
@@ -4767,8 +4890,8 @@
         </p:nvSpPr>
         <p:spPr>
           <a:xfrm>
-            <a:off x="4959831" y="2101969"/>
-            <a:ext cx="2349062" cy="861774"/>
+            <a:off x="4392278" y="1839347"/>
+            <a:ext cx="1805356" cy="553998"/>
           </a:xfrm>
           <a:prstGeom prst="rect">
             <a:avLst/>
@@ -4783,18 +4906,18 @@
           <a:p>
             <a:pPr algn="l"/>
             <a:r>
-              <a:rPr lang="en-PH" sz="5000" dirty="0"/>
-              <a:t>x 0 1 1 0 </a:t>
-            </a:r>
-          </a:p>
-        </p:txBody>
-      </p:sp>
-      <p:sp>
-        <p:nvSpPr>
-          <p:cNvPr id="4" name="TextBox 3">
-            <a:extLst>
-              <a:ext uri="{FF2B5EF4-FFF2-40B4-BE49-F238E27FC236}">
-                <a16:creationId xmlns:a16="http://schemas.microsoft.com/office/drawing/2014/main" id="{3EA11B3B-CC74-D20A-FDDD-E0AC14D3AF61}"/>
+              <a:rPr lang="en-PH" sz="3000" dirty="0"/>
+              <a:t>1 0 1 1 0 1</a:t>
+            </a:r>
+          </a:p>
+        </p:txBody>
+      </p:sp>
+      <p:sp>
+        <p:nvSpPr>
+          <p:cNvPr id="33" name="TextBox 32">
+            <a:extLst>
+              <a:ext uri="{FF2B5EF4-FFF2-40B4-BE49-F238E27FC236}">
+                <a16:creationId xmlns:a16="http://schemas.microsoft.com/office/drawing/2014/main" id="{E498474A-2859-C24D-3404-08D44BB1E701}"/>
               </a:ext>
             </a:extLst>
           </p:cNvPr>
@@ -4803,8 +4926,8 @@
         </p:nvSpPr>
         <p:spPr>
           <a:xfrm>
-            <a:off x="4070655" y="5394171"/>
-            <a:ext cx="3390638" cy="861774"/>
+            <a:off x="4392277" y="2225263"/>
+            <a:ext cx="982181" cy="553998"/>
           </a:xfrm>
           <a:prstGeom prst="rect">
             <a:avLst/>
@@ -4819,18 +4942,18 @@
           <a:p>
             <a:pPr algn="l"/>
             <a:r>
-              <a:rPr lang="en-PH" sz="5000" dirty="0"/>
-              <a:t>----------------</a:t>
-            </a:r>
-          </a:p>
-        </p:txBody>
-      </p:sp>
-      <p:sp>
-        <p:nvSpPr>
-          <p:cNvPr id="6" name="TextBox 5">
-            <a:extLst>
-              <a:ext uri="{FF2B5EF4-FFF2-40B4-BE49-F238E27FC236}">
-                <a16:creationId xmlns:a16="http://schemas.microsoft.com/office/drawing/2014/main" id="{28606326-3FCE-D7B2-E6F9-B8B28E1AC881}"/>
+              <a:rPr lang="en-PH" sz="3000" dirty="0"/>
+              <a:t>1 0 1  </a:t>
+            </a:r>
+          </a:p>
+        </p:txBody>
+      </p:sp>
+      <p:sp>
+        <p:nvSpPr>
+          <p:cNvPr id="34" name="TextBox 33">
+            <a:extLst>
+              <a:ext uri="{FF2B5EF4-FFF2-40B4-BE49-F238E27FC236}">
+                <a16:creationId xmlns:a16="http://schemas.microsoft.com/office/drawing/2014/main" id="{6C372383-8ECD-CB34-ED05-0230C5B00EEC}"/>
               </a:ext>
             </a:extLst>
           </p:cNvPr>
@@ -4839,8 +4962,8 @@
         </p:nvSpPr>
         <p:spPr>
           <a:xfrm>
-            <a:off x="5404419" y="3184267"/>
-            <a:ext cx="1904474" cy="861774"/>
+            <a:off x="5214690" y="1337996"/>
+            <a:ext cx="339210" cy="553998"/>
           </a:xfrm>
           <a:prstGeom prst="rect">
             <a:avLst/>
@@ -4855,19 +4978,113 @@
           <a:p>
             <a:pPr algn="l"/>
             <a:r>
-              <a:rPr lang="en-US" sz="5000" dirty="0"/>
-              <a:t>0 0 0 0</a:t>
-            </a:r>
-            <a:endParaRPr lang="en-PH" sz="5000" dirty="0"/>
-          </a:p>
-        </p:txBody>
-      </p:sp>
-      <p:sp>
-        <p:nvSpPr>
-          <p:cNvPr id="8" name="TextBox 7">
-            <a:extLst>
-              <a:ext uri="{FF2B5EF4-FFF2-40B4-BE49-F238E27FC236}">
-                <a16:creationId xmlns:a16="http://schemas.microsoft.com/office/drawing/2014/main" id="{A8EEFA54-9A25-1640-A8C8-753AEB45FA09}"/>
+              <a:rPr lang="en-US" sz="3000" dirty="0"/>
+              <a:t>0</a:t>
+            </a:r>
+            <a:endParaRPr lang="en-PH" sz="3000" dirty="0"/>
+          </a:p>
+        </p:txBody>
+      </p:sp>
+      <p:grpSp>
+        <p:nvGrpSpPr>
+          <p:cNvPr id="91" name="Group 90">
+            <a:extLst>
+              <a:ext uri="{FF2B5EF4-FFF2-40B4-BE49-F238E27FC236}">
+                <a16:creationId xmlns:a16="http://schemas.microsoft.com/office/drawing/2014/main" id="{FA789C20-051C-42CE-CAE4-2305DB8FC61C}"/>
+              </a:ext>
+            </a:extLst>
+          </p:cNvPr>
+          <p:cNvGrpSpPr/>
+          <p:nvPr/>
+        </p:nvGrpSpPr>
+        <p:grpSpPr>
+          <a:xfrm>
+            <a:off x="4115905" y="2212700"/>
+            <a:ext cx="2134827" cy="830997"/>
+            <a:chOff x="4115905" y="2212700"/>
+            <a:chExt cx="2134827" cy="830997"/>
+          </a:xfrm>
+        </p:grpSpPr>
+        <p:sp>
+          <p:nvSpPr>
+            <p:cNvPr id="35" name="TextBox 34">
+              <a:extLst>
+                <a:ext uri="{FF2B5EF4-FFF2-40B4-BE49-F238E27FC236}">
+                  <a16:creationId xmlns:a16="http://schemas.microsoft.com/office/drawing/2014/main" id="{264C1C47-37AA-74B2-72A5-A94A68DBED47}"/>
+                </a:ext>
+              </a:extLst>
+            </p:cNvPr>
+            <p:cNvSpPr txBox="1"/>
+            <p:nvPr/>
+          </p:nvSpPr>
+          <p:spPr>
+            <a:xfrm>
+              <a:off x="4254090" y="2489699"/>
+              <a:ext cx="1996642" cy="553998"/>
+            </a:xfrm>
+            <a:prstGeom prst="rect">
+              <a:avLst/>
+            </a:prstGeom>
+            <a:noFill/>
+          </p:spPr>
+          <p:txBody>
+            <a:bodyPr wrap="square">
+              <a:spAutoFit/>
+            </a:bodyPr>
+            <a:lstStyle/>
+            <a:p>
+              <a:pPr algn="l"/>
+              <a:r>
+                <a:rPr lang="en-PH" sz="3000" dirty="0"/>
+                <a:t>---------------  </a:t>
+              </a:r>
+            </a:p>
+          </p:txBody>
+        </p:sp>
+        <p:sp>
+          <p:nvSpPr>
+            <p:cNvPr id="37" name="TextBox 36">
+              <a:extLst>
+                <a:ext uri="{FF2B5EF4-FFF2-40B4-BE49-F238E27FC236}">
+                  <a16:creationId xmlns:a16="http://schemas.microsoft.com/office/drawing/2014/main" id="{11FCB116-7218-9D5C-51B8-5E7D28AE27C4}"/>
+                </a:ext>
+              </a:extLst>
+            </p:cNvPr>
+            <p:cNvSpPr txBox="1"/>
+            <p:nvPr/>
+          </p:nvSpPr>
+          <p:spPr>
+            <a:xfrm>
+              <a:off x="4115905" y="2212700"/>
+              <a:ext cx="276371" cy="553998"/>
+            </a:xfrm>
+            <a:prstGeom prst="rect">
+              <a:avLst/>
+            </a:prstGeom>
+            <a:noFill/>
+          </p:spPr>
+          <p:txBody>
+            <a:bodyPr wrap="square">
+              <a:spAutoFit/>
+            </a:bodyPr>
+            <a:lstStyle/>
+            <a:p>
+              <a:pPr algn="l"/>
+              <a:r>
+                <a:rPr lang="en-US" sz="3000" dirty="0"/>
+                <a:t>-</a:t>
+              </a:r>
+              <a:endParaRPr lang="en-PH" sz="3000" dirty="0"/>
+            </a:p>
+          </p:txBody>
+        </p:sp>
+      </p:grpSp>
+      <p:sp>
+        <p:nvSpPr>
+          <p:cNvPr id="41" name="TextBox 40">
+            <a:extLst>
+              <a:ext uri="{FF2B5EF4-FFF2-40B4-BE49-F238E27FC236}">
+                <a16:creationId xmlns:a16="http://schemas.microsoft.com/office/drawing/2014/main" id="{7547B6C5-56B0-8B44-7B1A-F4037EFAA2F8}"/>
               </a:ext>
             </a:extLst>
           </p:cNvPr>
@@ -4876,8 +5093,8 @@
         </p:nvSpPr>
         <p:spPr>
           <a:xfrm>
-            <a:off x="4959831" y="3792735"/>
-            <a:ext cx="1904474" cy="861774"/>
+            <a:off x="5243104" y="3260306"/>
+            <a:ext cx="954530" cy="553998"/>
           </a:xfrm>
           <a:prstGeom prst="rect">
             <a:avLst/>
@@ -4892,19 +5109,18 @@
           <a:p>
             <a:pPr algn="l"/>
             <a:r>
-              <a:rPr lang="en-US" sz="5000" dirty="0"/>
-              <a:t>1 0 1 0</a:t>
-            </a:r>
-            <a:endParaRPr lang="en-PH" sz="5000" dirty="0"/>
-          </a:p>
-        </p:txBody>
-      </p:sp>
-      <p:sp>
-        <p:nvSpPr>
-          <p:cNvPr id="15" name="TextBox 14">
-            <a:extLst>
-              <a:ext uri="{FF2B5EF4-FFF2-40B4-BE49-F238E27FC236}">
-                <a16:creationId xmlns:a16="http://schemas.microsoft.com/office/drawing/2014/main" id="{2EEA8EB0-28A1-75D6-CB74-B119C0F6B35B}"/>
+              <a:rPr lang="en-PH" sz="3000" dirty="0"/>
+              <a:t>1 0 1  </a:t>
+            </a:r>
+          </a:p>
+        </p:txBody>
+      </p:sp>
+      <p:sp>
+        <p:nvSpPr>
+          <p:cNvPr id="42" name="TextBox 41">
+            <a:extLst>
+              <a:ext uri="{FF2B5EF4-FFF2-40B4-BE49-F238E27FC236}">
+                <a16:creationId xmlns:a16="http://schemas.microsoft.com/office/drawing/2014/main" id="{609D4312-38B3-5E88-16A0-EB0AA4675A50}"/>
               </a:ext>
             </a:extLst>
           </p:cNvPr>
@@ -4913,8 +5129,8 @@
         </p:nvSpPr>
         <p:spPr>
           <a:xfrm>
-            <a:off x="4515243" y="4392876"/>
-            <a:ext cx="1904474" cy="861774"/>
+            <a:off x="5498349" y="1337996"/>
+            <a:ext cx="339210" cy="553998"/>
           </a:xfrm>
           <a:prstGeom prst="rect">
             <a:avLst/>
@@ -4929,19 +5145,18 @@
           <a:p>
             <a:pPr algn="l"/>
             <a:r>
-              <a:rPr lang="en-US" sz="5000" dirty="0"/>
-              <a:t>1 0 1 0</a:t>
-            </a:r>
-            <a:endParaRPr lang="en-PH" sz="5000" dirty="0"/>
-          </a:p>
-        </p:txBody>
-      </p:sp>
-      <p:sp>
-        <p:nvSpPr>
-          <p:cNvPr id="21" name="TextBox 20">
-            <a:extLst>
-              <a:ext uri="{FF2B5EF4-FFF2-40B4-BE49-F238E27FC236}">
-                <a16:creationId xmlns:a16="http://schemas.microsoft.com/office/drawing/2014/main" id="{AE842734-87A5-B101-BDCC-12441272FB16}"/>
+              <a:rPr lang="en-PH" sz="3000" dirty="0"/>
+              <a:t>0</a:t>
+            </a:r>
+          </a:p>
+        </p:txBody>
+      </p:sp>
+      <p:sp>
+        <p:nvSpPr>
+          <p:cNvPr id="44" name="TextBox 43">
+            <a:extLst>
+              <a:ext uri="{FF2B5EF4-FFF2-40B4-BE49-F238E27FC236}">
+                <a16:creationId xmlns:a16="http://schemas.microsoft.com/office/drawing/2014/main" id="{64A228C1-FA88-4F13-D5EC-2EE9A5E9E358}"/>
               </a:ext>
             </a:extLst>
           </p:cNvPr>
@@ -4950,8 +5165,8 @@
         </p:nvSpPr>
         <p:spPr>
           <a:xfrm>
-            <a:off x="4070655" y="5042136"/>
-            <a:ext cx="1904474" cy="861774"/>
+            <a:off x="4254090" y="3561383"/>
+            <a:ext cx="1925363" cy="553998"/>
           </a:xfrm>
           <a:prstGeom prst="rect">
             <a:avLst/>
@@ -4966,19 +5181,18 @@
           <a:p>
             <a:pPr algn="l"/>
             <a:r>
-              <a:rPr lang="en-US" sz="5000" dirty="0"/>
-              <a:t>0 0 0 0</a:t>
-            </a:r>
-            <a:endParaRPr lang="en-PH" sz="5000" dirty="0"/>
-          </a:p>
-        </p:txBody>
-      </p:sp>
-      <p:sp>
-        <p:nvSpPr>
-          <p:cNvPr id="23" name="TextBox 22">
-            <a:extLst>
-              <a:ext uri="{FF2B5EF4-FFF2-40B4-BE49-F238E27FC236}">
-                <a16:creationId xmlns:a16="http://schemas.microsoft.com/office/drawing/2014/main" id="{1E4FE4EC-3296-325F-BBBE-4BC4C06B4F8B}"/>
+              <a:rPr lang="en-PH" sz="3000" dirty="0"/>
+              <a:t>---------------  </a:t>
+            </a:r>
+          </a:p>
+        </p:txBody>
+      </p:sp>
+      <p:sp>
+        <p:nvSpPr>
+          <p:cNvPr id="47" name="TextBox 46">
+            <a:extLst>
+              <a:ext uri="{FF2B5EF4-FFF2-40B4-BE49-F238E27FC236}">
+                <a16:creationId xmlns:a16="http://schemas.microsoft.com/office/drawing/2014/main" id="{E1EDC71A-5865-AB64-F76C-5B317170175E}"/>
               </a:ext>
             </a:extLst>
           </p:cNvPr>
@@ -4987,8 +5201,8 @@
         </p:nvSpPr>
         <p:spPr>
           <a:xfrm>
-            <a:off x="4959831" y="2584126"/>
-            <a:ext cx="2349062" cy="861774"/>
+            <a:off x="5229138" y="2786276"/>
+            <a:ext cx="367591" cy="553998"/>
           </a:xfrm>
           <a:prstGeom prst="rect">
             <a:avLst/>
@@ -5003,18 +5217,18 @@
           <a:p>
             <a:pPr algn="l"/>
             <a:r>
-              <a:rPr lang="en-PH" sz="5000" dirty="0"/>
-              <a:t>-----------</a:t>
-            </a:r>
-          </a:p>
-        </p:txBody>
-      </p:sp>
-      <p:sp>
-        <p:nvSpPr>
-          <p:cNvPr id="25" name="TextBox 24">
-            <a:extLst>
-              <a:ext uri="{FF2B5EF4-FFF2-40B4-BE49-F238E27FC236}">
-                <a16:creationId xmlns:a16="http://schemas.microsoft.com/office/drawing/2014/main" id="{06AF788C-ECEE-8241-4CD2-43622C452E6D}"/>
+              <a:rPr lang="en-PH" sz="3000" dirty="0"/>
+              <a:t>1  </a:t>
+            </a:r>
+          </a:p>
+        </p:txBody>
+      </p:sp>
+      <p:sp>
+        <p:nvSpPr>
+          <p:cNvPr id="48" name="TextBox 47">
+            <a:extLst>
+              <a:ext uri="{FF2B5EF4-FFF2-40B4-BE49-F238E27FC236}">
+                <a16:creationId xmlns:a16="http://schemas.microsoft.com/office/drawing/2014/main" id="{E810589B-C8B8-802A-C898-B7D5A27A57F3}"/>
               </a:ext>
             </a:extLst>
           </p:cNvPr>
@@ -5023,8 +5237,8 @@
         </p:nvSpPr>
         <p:spPr>
           <a:xfrm>
-            <a:off x="4070655" y="5830916"/>
-            <a:ext cx="3339138" cy="861774"/>
+            <a:off x="4117886" y="3222252"/>
+            <a:ext cx="276371" cy="553998"/>
           </a:xfrm>
           <a:prstGeom prst="rect">
             <a:avLst/>
@@ -5039,19 +5253,19 @@
           <a:p>
             <a:pPr algn="l"/>
             <a:r>
-              <a:rPr lang="en-US" sz="5000" dirty="0"/>
-              <a:t>0 1 1 1 1 0 0</a:t>
-            </a:r>
-            <a:endParaRPr lang="en-PH" sz="5000" dirty="0"/>
-          </a:p>
-        </p:txBody>
-      </p:sp>
-      <p:sp>
-        <p:nvSpPr>
-          <p:cNvPr id="27" name="TextBox 26">
-            <a:extLst>
-              <a:ext uri="{FF2B5EF4-FFF2-40B4-BE49-F238E27FC236}">
-                <a16:creationId xmlns:a16="http://schemas.microsoft.com/office/drawing/2014/main" id="{ADCAEE8C-E6F1-E667-9864-2D33BBB2CBDC}"/>
+              <a:rPr lang="en-US" sz="3000" dirty="0"/>
+              <a:t>-</a:t>
+            </a:r>
+            <a:endParaRPr lang="en-PH" sz="3000" dirty="0"/>
+          </a:p>
+        </p:txBody>
+      </p:sp>
+      <p:sp>
+        <p:nvSpPr>
+          <p:cNvPr id="53" name="TextBox 52">
+            <a:extLst>
+              <a:ext uri="{FF2B5EF4-FFF2-40B4-BE49-F238E27FC236}">
+                <a16:creationId xmlns:a16="http://schemas.microsoft.com/office/drawing/2014/main" id="{17764235-2CB4-EB89-5F04-E71BA206D585}"/>
               </a:ext>
             </a:extLst>
           </p:cNvPr>
@@ -5060,8 +5274,8 @@
         </p:nvSpPr>
         <p:spPr>
           <a:xfrm>
-            <a:off x="3272921" y="5042136"/>
-            <a:ext cx="927013" cy="861774"/>
+            <a:off x="5811862" y="3900514"/>
+            <a:ext cx="367591" cy="553998"/>
           </a:xfrm>
           <a:prstGeom prst="rect">
             <a:avLst/>
@@ -5074,18 +5288,653 @@
           </a:bodyPr>
           <a:lstStyle/>
           <a:p>
-            <a:r>
-              <a:rPr lang="en-US" sz="5000" dirty="0"/>
-              <a:t>(+)</a:t>
-            </a:r>
-            <a:endParaRPr lang="en-PH" sz="5000" dirty="0"/>
+            <a:pPr algn="l"/>
+            <a:r>
+              <a:rPr lang="en-PH" sz="3000" dirty="0"/>
+              <a:t>0  </a:t>
+            </a:r>
+          </a:p>
+        </p:txBody>
+      </p:sp>
+      <p:cxnSp>
+        <p:nvCxnSpPr>
+          <p:cNvPr id="72" name="Straight Arrow Connector 71">
+            <a:extLst>
+              <a:ext uri="{FF2B5EF4-FFF2-40B4-BE49-F238E27FC236}">
+                <a16:creationId xmlns:a16="http://schemas.microsoft.com/office/drawing/2014/main" id="{C18EE653-B350-6B49-50F8-FD5F90A8DE0A}"/>
+              </a:ext>
+            </a:extLst>
+          </p:cNvPr>
+          <p:cNvCxnSpPr>
+            <a:cxnSpLocks/>
+          </p:cNvCxnSpPr>
+          <p:nvPr/>
+        </p:nvCxnSpPr>
+        <p:spPr>
+          <a:xfrm flipH="1">
+            <a:off x="5431858" y="2268590"/>
+            <a:ext cx="5025" cy="480680"/>
+          </a:xfrm>
+          <a:prstGeom prst="straightConnector1">
+            <a:avLst/>
+          </a:prstGeom>
+          <a:ln>
+            <a:tailEnd type="triangle"/>
+          </a:ln>
+        </p:spPr>
+        <p:style>
+          <a:lnRef idx="3">
+            <a:schemeClr val="accent6"/>
+          </a:lnRef>
+          <a:fillRef idx="0">
+            <a:schemeClr val="accent6"/>
+          </a:fillRef>
+          <a:effectRef idx="2">
+            <a:schemeClr val="accent6"/>
+          </a:effectRef>
+          <a:fontRef idx="minor">
+            <a:schemeClr val="tx1"/>
+          </a:fontRef>
+        </p:style>
+      </p:cxnSp>
+      <p:sp>
+        <p:nvSpPr>
+          <p:cNvPr id="82" name="TextBox 81">
+            <a:extLst>
+              <a:ext uri="{FF2B5EF4-FFF2-40B4-BE49-F238E27FC236}">
+                <a16:creationId xmlns:a16="http://schemas.microsoft.com/office/drawing/2014/main" id="{B4FB53EF-5A96-ABBD-95C3-6A1A790ADB9E}"/>
+              </a:ext>
+            </a:extLst>
+          </p:cNvPr>
+          <p:cNvSpPr txBox="1"/>
+          <p:nvPr/>
+        </p:nvSpPr>
+        <p:spPr>
+          <a:xfrm>
+            <a:off x="5783978" y="1332371"/>
+            <a:ext cx="339210" cy="553998"/>
+          </a:xfrm>
+          <a:prstGeom prst="rect">
+            <a:avLst/>
+          </a:prstGeom>
+          <a:noFill/>
+        </p:spPr>
+        <p:txBody>
+          <a:bodyPr wrap="square">
+            <a:spAutoFit/>
+          </a:bodyPr>
+          <a:lstStyle/>
+          <a:p>
+            <a:pPr algn="l"/>
+            <a:r>
+              <a:rPr lang="en-US" sz="3000" dirty="0"/>
+              <a:t>1</a:t>
+            </a:r>
+            <a:endParaRPr lang="en-PH" sz="3000" dirty="0"/>
+          </a:p>
+        </p:txBody>
+      </p:sp>
+      <p:sp>
+        <p:nvSpPr>
+          <p:cNvPr id="85" name="TextBox 84">
+            <a:extLst>
+              <a:ext uri="{FF2B5EF4-FFF2-40B4-BE49-F238E27FC236}">
+                <a16:creationId xmlns:a16="http://schemas.microsoft.com/office/drawing/2014/main" id="{A23D07B8-5113-BFC4-78E3-0D8D8792CC4D}"/>
+              </a:ext>
+            </a:extLst>
+          </p:cNvPr>
+          <p:cNvSpPr txBox="1"/>
+          <p:nvPr/>
+        </p:nvSpPr>
+        <p:spPr>
+          <a:xfrm>
+            <a:off x="5833038" y="2785453"/>
+            <a:ext cx="367591" cy="553998"/>
+          </a:xfrm>
+          <a:prstGeom prst="rect">
+            <a:avLst/>
+          </a:prstGeom>
+          <a:noFill/>
+        </p:spPr>
+        <p:txBody>
+          <a:bodyPr wrap="square">
+            <a:spAutoFit/>
+          </a:bodyPr>
+          <a:lstStyle/>
+          <a:p>
+            <a:pPr algn="l"/>
+            <a:r>
+              <a:rPr lang="en-PH" sz="3000" dirty="0"/>
+              <a:t>1  </a:t>
+            </a:r>
+          </a:p>
+        </p:txBody>
+      </p:sp>
+      <p:sp>
+        <p:nvSpPr>
+          <p:cNvPr id="86" name="TextBox 85">
+            <a:extLst>
+              <a:ext uri="{FF2B5EF4-FFF2-40B4-BE49-F238E27FC236}">
+                <a16:creationId xmlns:a16="http://schemas.microsoft.com/office/drawing/2014/main" id="{6CA2F237-FA4E-8190-DD82-6A6E9EB61FD2}"/>
+              </a:ext>
+            </a:extLst>
+          </p:cNvPr>
+          <p:cNvSpPr txBox="1"/>
+          <p:nvPr/>
+        </p:nvSpPr>
+        <p:spPr>
+          <a:xfrm>
+            <a:off x="5536574" y="2785453"/>
+            <a:ext cx="367591" cy="553998"/>
+          </a:xfrm>
+          <a:prstGeom prst="rect">
+            <a:avLst/>
+          </a:prstGeom>
+          <a:noFill/>
+        </p:spPr>
+        <p:txBody>
+          <a:bodyPr wrap="square">
+            <a:spAutoFit/>
+          </a:bodyPr>
+          <a:lstStyle/>
+          <a:p>
+            <a:pPr algn="l"/>
+            <a:r>
+              <a:rPr lang="en-PH" sz="3000" dirty="0"/>
+              <a:t>0  </a:t>
+            </a:r>
+          </a:p>
+        </p:txBody>
+      </p:sp>
+      <p:sp>
+        <p:nvSpPr>
+          <p:cNvPr id="87" name="TextBox 86">
+            <a:extLst>
+              <a:ext uri="{FF2B5EF4-FFF2-40B4-BE49-F238E27FC236}">
+                <a16:creationId xmlns:a16="http://schemas.microsoft.com/office/drawing/2014/main" id="{B90C99C3-E497-CFC2-6BA0-36391D585FDC}"/>
+              </a:ext>
+            </a:extLst>
+          </p:cNvPr>
+          <p:cNvSpPr txBox="1"/>
+          <p:nvPr/>
+        </p:nvSpPr>
+        <p:spPr>
+          <a:xfrm>
+            <a:off x="4917538" y="1333888"/>
+            <a:ext cx="339210" cy="553998"/>
+          </a:xfrm>
+          <a:prstGeom prst="rect">
+            <a:avLst/>
+          </a:prstGeom>
+          <a:noFill/>
+        </p:spPr>
+        <p:txBody>
+          <a:bodyPr wrap="square">
+            <a:spAutoFit/>
+          </a:bodyPr>
+          <a:lstStyle/>
+          <a:p>
+            <a:pPr algn="l"/>
+            <a:r>
+              <a:rPr lang="en-US" sz="3000" dirty="0"/>
+              <a:t>1</a:t>
+            </a:r>
+            <a:endParaRPr lang="en-PH" sz="3000" dirty="0"/>
+          </a:p>
+        </p:txBody>
+      </p:sp>
+      <p:sp>
+        <p:nvSpPr>
+          <p:cNvPr id="88" name="TextBox 87">
+            <a:extLst>
+              <a:ext uri="{FF2B5EF4-FFF2-40B4-BE49-F238E27FC236}">
+                <a16:creationId xmlns:a16="http://schemas.microsoft.com/office/drawing/2014/main" id="{97CF11F1-3A9B-FBC7-80FA-B2241DA003A1}"/>
+              </a:ext>
+            </a:extLst>
+          </p:cNvPr>
+          <p:cNvSpPr txBox="1"/>
+          <p:nvPr/>
+        </p:nvSpPr>
+        <p:spPr>
+          <a:xfrm>
+            <a:off x="4959069" y="2791964"/>
+            <a:ext cx="367591" cy="553998"/>
+          </a:xfrm>
+          <a:prstGeom prst="rect">
+            <a:avLst/>
+          </a:prstGeom>
+          <a:noFill/>
+        </p:spPr>
+        <p:txBody>
+          <a:bodyPr wrap="square">
+            <a:spAutoFit/>
+          </a:bodyPr>
+          <a:lstStyle/>
+          <a:p>
+            <a:pPr algn="l"/>
+            <a:r>
+              <a:rPr lang="en-PH" sz="3000" dirty="0"/>
+              <a:t>0  </a:t>
+            </a:r>
+          </a:p>
+        </p:txBody>
+      </p:sp>
+      <p:cxnSp>
+        <p:nvCxnSpPr>
+          <p:cNvPr id="89" name="Straight Arrow Connector 88">
+            <a:extLst>
+              <a:ext uri="{FF2B5EF4-FFF2-40B4-BE49-F238E27FC236}">
+                <a16:creationId xmlns:a16="http://schemas.microsoft.com/office/drawing/2014/main" id="{5757F7B6-0563-C6AA-619F-8B4178302E6C}"/>
+              </a:ext>
+            </a:extLst>
+          </p:cNvPr>
+          <p:cNvCxnSpPr>
+            <a:cxnSpLocks/>
+          </p:cNvCxnSpPr>
+          <p:nvPr/>
+        </p:nvCxnSpPr>
+        <p:spPr>
+          <a:xfrm flipH="1">
+            <a:off x="5710647" y="2278165"/>
+            <a:ext cx="5025" cy="480680"/>
+          </a:xfrm>
+          <a:prstGeom prst="straightConnector1">
+            <a:avLst/>
+          </a:prstGeom>
+          <a:ln>
+            <a:tailEnd type="triangle"/>
+          </a:ln>
+        </p:spPr>
+        <p:style>
+          <a:lnRef idx="3">
+            <a:schemeClr val="accent6"/>
+          </a:lnRef>
+          <a:fillRef idx="0">
+            <a:schemeClr val="accent6"/>
+          </a:fillRef>
+          <a:effectRef idx="2">
+            <a:schemeClr val="accent6"/>
+          </a:effectRef>
+          <a:fontRef idx="minor">
+            <a:schemeClr val="tx1"/>
+          </a:fontRef>
+        </p:style>
+      </p:cxnSp>
+      <p:cxnSp>
+        <p:nvCxnSpPr>
+          <p:cNvPr id="90" name="Straight Arrow Connector 89">
+            <a:extLst>
+              <a:ext uri="{FF2B5EF4-FFF2-40B4-BE49-F238E27FC236}">
+                <a16:creationId xmlns:a16="http://schemas.microsoft.com/office/drawing/2014/main" id="{B0CBD8D2-801C-FFB0-FE8A-A1EDC907B4FC}"/>
+              </a:ext>
+            </a:extLst>
+          </p:cNvPr>
+          <p:cNvCxnSpPr>
+            <a:cxnSpLocks/>
+          </p:cNvCxnSpPr>
+          <p:nvPr/>
+        </p:nvCxnSpPr>
+        <p:spPr>
+          <a:xfrm flipH="1">
+            <a:off x="5977361" y="2267767"/>
+            <a:ext cx="5025" cy="480680"/>
+          </a:xfrm>
+          <a:prstGeom prst="straightConnector1">
+            <a:avLst/>
+          </a:prstGeom>
+          <a:ln>
+            <a:tailEnd type="triangle"/>
+          </a:ln>
+        </p:spPr>
+        <p:style>
+          <a:lnRef idx="3">
+            <a:schemeClr val="accent6"/>
+          </a:lnRef>
+          <a:fillRef idx="0">
+            <a:schemeClr val="accent6"/>
+          </a:fillRef>
+          <a:effectRef idx="2">
+            <a:schemeClr val="accent6"/>
+          </a:effectRef>
+          <a:fontRef idx="minor">
+            <a:schemeClr val="tx1"/>
+          </a:fontRef>
+        </p:style>
+      </p:cxnSp>
+      <p:sp>
+        <p:nvSpPr>
+          <p:cNvPr id="92" name="TextBox 91">
+            <a:extLst>
+              <a:ext uri="{FF2B5EF4-FFF2-40B4-BE49-F238E27FC236}">
+                <a16:creationId xmlns:a16="http://schemas.microsoft.com/office/drawing/2014/main" id="{10C8E710-08B9-E775-29FD-EB070DF34756}"/>
+              </a:ext>
+            </a:extLst>
+          </p:cNvPr>
+          <p:cNvSpPr txBox="1"/>
+          <p:nvPr/>
+        </p:nvSpPr>
+        <p:spPr>
+          <a:xfrm>
+            <a:off x="6902613" y="1363123"/>
+            <a:ext cx="4805197" cy="646331"/>
+          </a:xfrm>
+          <a:prstGeom prst="rect">
+            <a:avLst/>
+          </a:prstGeom>
+          <a:noFill/>
+        </p:spPr>
+        <p:txBody>
+          <a:bodyPr wrap="square">
+            <a:spAutoFit/>
+          </a:bodyPr>
+          <a:lstStyle/>
+          <a:p>
+            <a:pPr algn="l"/>
+            <a:r>
+              <a:rPr lang="en-PH" b="1" dirty="0"/>
+              <a:t>Step 1</a:t>
+            </a:r>
+            <a:r>
+              <a:rPr lang="en-PH" dirty="0"/>
+              <a:t>: Count the number of bits of the divisor. 101 has </a:t>
+            </a:r>
+            <a:r>
+              <a:rPr lang="en-PH" b="1" dirty="0"/>
+              <a:t>3 bits. </a:t>
+            </a:r>
+          </a:p>
+        </p:txBody>
+      </p:sp>
+      <p:sp>
+        <p:nvSpPr>
+          <p:cNvPr id="93" name="TextBox 92">
+            <a:extLst>
+              <a:ext uri="{FF2B5EF4-FFF2-40B4-BE49-F238E27FC236}">
+                <a16:creationId xmlns:a16="http://schemas.microsoft.com/office/drawing/2014/main" id="{22492501-73EC-E5C7-7B2F-235B1C406DE3}"/>
+              </a:ext>
+            </a:extLst>
+          </p:cNvPr>
+          <p:cNvSpPr txBox="1"/>
+          <p:nvPr/>
+        </p:nvSpPr>
+        <p:spPr>
+          <a:xfrm>
+            <a:off x="6822544" y="2358714"/>
+            <a:ext cx="4434035" cy="646331"/>
+          </a:xfrm>
+          <a:prstGeom prst="rect">
+            <a:avLst/>
+          </a:prstGeom>
+          <a:noFill/>
+        </p:spPr>
+        <p:txBody>
+          <a:bodyPr wrap="square">
+            <a:spAutoFit/>
+          </a:bodyPr>
+          <a:lstStyle/>
+          <a:p>
+            <a:r>
+              <a:rPr lang="en-PH" b="1" dirty="0"/>
+              <a:t> Step 2</a:t>
+            </a:r>
+            <a:r>
+              <a:rPr lang="en-PH" dirty="0"/>
+              <a:t>: Get the last three bits of the dividend starting from the left.</a:t>
+            </a:r>
+            <a:endParaRPr lang="en-US" dirty="0"/>
+          </a:p>
+        </p:txBody>
+      </p:sp>
+      <p:sp>
+        <p:nvSpPr>
+          <p:cNvPr id="94" name="TextBox 93">
+            <a:extLst>
+              <a:ext uri="{FF2B5EF4-FFF2-40B4-BE49-F238E27FC236}">
+                <a16:creationId xmlns:a16="http://schemas.microsoft.com/office/drawing/2014/main" id="{965D1C02-F654-94D8-3720-5946D83DE16E}"/>
+              </a:ext>
+            </a:extLst>
+          </p:cNvPr>
+          <p:cNvSpPr txBox="1"/>
+          <p:nvPr/>
+        </p:nvSpPr>
+        <p:spPr>
+          <a:xfrm>
+            <a:off x="6902612" y="3169639"/>
+            <a:ext cx="3950369" cy="369332"/>
+          </a:xfrm>
+          <a:prstGeom prst="rect">
+            <a:avLst/>
+          </a:prstGeom>
+          <a:noFill/>
+        </p:spPr>
+        <p:txBody>
+          <a:bodyPr wrap="square">
+            <a:spAutoFit/>
+          </a:bodyPr>
+          <a:lstStyle/>
+          <a:p>
+            <a:r>
+              <a:rPr lang="en-PH" b="1" dirty="0"/>
+              <a:t>Step 3:</a:t>
+            </a:r>
+            <a:r>
+              <a:rPr lang="en-PH" dirty="0"/>
+              <a:t> Perform division. 101 / 101 is 1.</a:t>
+            </a:r>
+          </a:p>
+        </p:txBody>
+      </p:sp>
+      <p:sp>
+        <p:nvSpPr>
+          <p:cNvPr id="95" name="TextBox 94">
+            <a:extLst>
+              <a:ext uri="{FF2B5EF4-FFF2-40B4-BE49-F238E27FC236}">
+                <a16:creationId xmlns:a16="http://schemas.microsoft.com/office/drawing/2014/main" id="{12953B54-30BE-2754-9E9C-C44D23575706}"/>
+              </a:ext>
+            </a:extLst>
+          </p:cNvPr>
+          <p:cNvSpPr txBox="1"/>
+          <p:nvPr/>
+        </p:nvSpPr>
+        <p:spPr>
+          <a:xfrm>
+            <a:off x="6902611" y="3703565"/>
+            <a:ext cx="4013433" cy="646331"/>
+          </a:xfrm>
+          <a:prstGeom prst="rect">
+            <a:avLst/>
+          </a:prstGeom>
+          <a:noFill/>
+        </p:spPr>
+        <p:txBody>
+          <a:bodyPr wrap="square">
+            <a:spAutoFit/>
+          </a:bodyPr>
+          <a:lstStyle/>
+          <a:p>
+            <a:r>
+              <a:rPr lang="en-PH" b="1" dirty="0"/>
+              <a:t>Step 4:</a:t>
+            </a:r>
+            <a:r>
+              <a:rPr lang="en-PH" dirty="0"/>
+              <a:t> Multiply the quotient and the divisor. 101 x 1 is equal to 101</a:t>
+            </a:r>
+          </a:p>
+        </p:txBody>
+      </p:sp>
+      <p:sp>
+        <p:nvSpPr>
+          <p:cNvPr id="96" name="TextBox 95">
+            <a:extLst>
+              <a:ext uri="{FF2B5EF4-FFF2-40B4-BE49-F238E27FC236}">
+                <a16:creationId xmlns:a16="http://schemas.microsoft.com/office/drawing/2014/main" id="{384C3D59-D820-E08E-6240-5BB2856D62BD}"/>
+              </a:ext>
+            </a:extLst>
+          </p:cNvPr>
+          <p:cNvSpPr txBox="1"/>
+          <p:nvPr/>
+        </p:nvSpPr>
+        <p:spPr>
+          <a:xfrm>
+            <a:off x="6902612" y="4460682"/>
+            <a:ext cx="2834172" cy="369332"/>
+          </a:xfrm>
+          <a:prstGeom prst="rect">
+            <a:avLst/>
+          </a:prstGeom>
+          <a:noFill/>
+        </p:spPr>
+        <p:txBody>
+          <a:bodyPr wrap="square">
+            <a:spAutoFit/>
+          </a:bodyPr>
+          <a:lstStyle/>
+          <a:p>
+            <a:r>
+              <a:rPr lang="en-PH" b="1" dirty="0"/>
+              <a:t>Step 5:</a:t>
+            </a:r>
+            <a:r>
+              <a:rPr lang="en-PH" dirty="0"/>
+              <a:t> Perform subtraction</a:t>
+            </a:r>
+          </a:p>
+        </p:txBody>
+      </p:sp>
+      <p:sp>
+        <p:nvSpPr>
+          <p:cNvPr id="97" name="TextBox 96">
+            <a:extLst>
+              <a:ext uri="{FF2B5EF4-FFF2-40B4-BE49-F238E27FC236}">
+                <a16:creationId xmlns:a16="http://schemas.microsoft.com/office/drawing/2014/main" id="{1BE27DAD-2308-05C0-D161-66D5126659F3}"/>
+              </a:ext>
+            </a:extLst>
+          </p:cNvPr>
+          <p:cNvSpPr txBox="1"/>
+          <p:nvPr/>
+        </p:nvSpPr>
+        <p:spPr>
+          <a:xfrm>
+            <a:off x="6902611" y="4997761"/>
+            <a:ext cx="4757565" cy="646331"/>
+          </a:xfrm>
+          <a:prstGeom prst="rect">
+            <a:avLst/>
+          </a:prstGeom>
+          <a:noFill/>
+        </p:spPr>
+        <p:txBody>
+          <a:bodyPr wrap="square">
+            <a:spAutoFit/>
+          </a:bodyPr>
+          <a:lstStyle/>
+          <a:p>
+            <a:r>
+              <a:rPr lang="en-PH" b="1" dirty="0"/>
+              <a:t>Step 6:</a:t>
+            </a:r>
+            <a:r>
+              <a:rPr lang="en-PH" dirty="0"/>
+              <a:t> Each time we bring down a number, add a zero to the quotient.</a:t>
+            </a:r>
+          </a:p>
+        </p:txBody>
+      </p:sp>
+      <mc:AlternateContent xmlns:mc="http://schemas.openxmlformats.org/markup-compatibility/2006">
+        <mc:Choice xmlns:p14="http://schemas.microsoft.com/office/powerpoint/2010/main" Requires="p14">
+          <p:contentPart p14:bwMode="auto" r:id="rId4">
+            <p14:nvContentPartPr>
+              <p14:cNvPr id="102" name="Ink 101">
+                <a:extLst>
+                  <a:ext uri="{FF2B5EF4-FFF2-40B4-BE49-F238E27FC236}">
+                    <a16:creationId xmlns:a16="http://schemas.microsoft.com/office/drawing/2014/main" id="{6FA3A804-1301-DCF9-5DE7-DB41ADB009C6}"/>
+                  </a:ext>
+                </a:extLst>
+              </p14:cNvPr>
+              <p14:cNvContentPartPr/>
+              <p14:nvPr/>
+            </p14:nvContentPartPr>
+            <p14:xfrm>
+              <a:off x="4345014" y="1870597"/>
+              <a:ext cx="985320" cy="483120"/>
+            </p14:xfrm>
+          </p:contentPart>
+        </mc:Choice>
+        <mc:Fallback>
+          <p:pic>
+            <p:nvPicPr>
+              <p:cNvPr id="102" name="Ink 101">
+                <a:extLst>
+                  <a:ext uri="{FF2B5EF4-FFF2-40B4-BE49-F238E27FC236}">
+                    <a16:creationId xmlns:a16="http://schemas.microsoft.com/office/drawing/2014/main" id="{6FA3A804-1301-DCF9-5DE7-DB41ADB009C6}"/>
+                  </a:ext>
+                </a:extLst>
+              </p:cNvPr>
+              <p:cNvPicPr/>
+              <p:nvPr/>
+            </p:nvPicPr>
+            <p:blipFill>
+              <a:blip r:embed="rId5"/>
+              <a:stretch>
+                <a:fillRect/>
+              </a:stretch>
+            </p:blipFill>
+            <p:spPr>
+              <a:xfrm>
+                <a:off x="4336014" y="1861597"/>
+                <a:ext cx="1002960" cy="500760"/>
+              </a:xfrm>
+              <a:prstGeom prst="rect">
+                <a:avLst/>
+              </a:prstGeom>
+            </p:spPr>
+          </p:pic>
+        </mc:Fallback>
+      </mc:AlternateContent>
+      <p:sp>
+        <p:nvSpPr>
+          <p:cNvPr id="103" name="TextBox 102">
+            <a:extLst>
+              <a:ext uri="{FF2B5EF4-FFF2-40B4-BE49-F238E27FC236}">
+                <a16:creationId xmlns:a16="http://schemas.microsoft.com/office/drawing/2014/main" id="{6CB5BF9E-A8B2-0E97-B5C1-EC42C6304CFF}"/>
+              </a:ext>
+            </a:extLst>
+          </p:cNvPr>
+          <p:cNvSpPr txBox="1"/>
+          <p:nvPr/>
+        </p:nvSpPr>
+        <p:spPr>
+          <a:xfrm>
+            <a:off x="6902610" y="5696281"/>
+            <a:ext cx="4757565" cy="369332"/>
+          </a:xfrm>
+          <a:prstGeom prst="rect">
+            <a:avLst/>
+          </a:prstGeom>
+          <a:noFill/>
+        </p:spPr>
+        <p:txBody>
+          <a:bodyPr wrap="square">
+            <a:spAutoFit/>
+          </a:bodyPr>
+          <a:lstStyle/>
+          <a:p>
+            <a:r>
+              <a:rPr lang="en-PH" b="1" dirty="0"/>
+              <a:t>Step 6:</a:t>
+            </a:r>
+            <a:r>
+              <a:rPr lang="en-PH" dirty="0"/>
+              <a:t> Repeat step 3, 4 and 5</a:t>
+            </a:r>
           </a:p>
         </p:txBody>
       </p:sp>
     </p:spTree>
     <p:extLst>
       <p:ext uri="{BB962C8B-B14F-4D97-AF65-F5344CB8AC3E}">
-        <p14:creationId xmlns:p14="http://schemas.microsoft.com/office/powerpoint/2010/main" val="2783967969"/>
+        <p14:creationId xmlns:p14="http://schemas.microsoft.com/office/powerpoint/2010/main" val="1927252970"/>
       </p:ext>
     </p:extLst>
   </p:cSld>
@@ -5113,7 +5962,7 @@
                             </p:stCondLst>
                             <p:childTnLst>
                               <p:par>
-                                <p:cTn id="5" presetID="14" presetClass="entr" presetSubtype="10" fill="hold" grpId="0" nodeType="clickEffect">
+                                <p:cTn id="5" presetID="10" presetClass="entr" presetSubtype="0" fill="hold" grpId="0" nodeType="clickEffect">
                                   <p:stCondLst>
                                     <p:cond delay="0"/>
                                   </p:stCondLst>
@@ -5126,7 +5975,7 @@
                                           </p:stCondLst>
                                         </p:cTn>
                                         <p:tgtEl>
-                                          <p:spTgt spid="6"/>
+                                          <p:spTgt spid="92"/>
                                         </p:tgtEl>
                                         <p:attrNameLst>
                                           <p:attrName>style.visibility</p:attrName>
@@ -5136,11 +5985,11 @@
                                         <p:strVal val="visible"/>
                                       </p:to>
                                     </p:set>
-                                    <p:animEffect transition="in" filter="randombar(horizontal)">
+                                    <p:animEffect transition="in" filter="fade">
                                       <p:cBhvr>
                                         <p:cTn id="7" dur="500"/>
                                         <p:tgtEl>
-                                          <p:spTgt spid="6"/>
+                                          <p:spTgt spid="92"/>
                                         </p:tgtEl>
                                       </p:cBhvr>
                                     </p:animEffect>
@@ -5166,7 +6015,7 @@
                             </p:stCondLst>
                             <p:childTnLst>
                               <p:par>
-                                <p:cTn id="10" presetID="14" presetClass="entr" presetSubtype="10" fill="hold" grpId="0" nodeType="clickEffect">
+                                <p:cTn id="10" presetID="3" presetClass="entr" presetSubtype="10" fill="hold" grpId="0" nodeType="clickEffect">
                                   <p:stCondLst>
                                     <p:cond delay="0"/>
                                   </p:stCondLst>
@@ -5179,7 +6028,7 @@
                                           </p:stCondLst>
                                         </p:cTn>
                                         <p:tgtEl>
-                                          <p:spTgt spid="8"/>
+                                          <p:spTgt spid="93"/>
                                         </p:tgtEl>
                                         <p:attrNameLst>
                                           <p:attrName>style.visibility</p:attrName>
@@ -5189,11 +6038,11 @@
                                         <p:strVal val="visible"/>
                                       </p:to>
                                     </p:set>
-                                    <p:animEffect transition="in" filter="randombar(horizontal)">
+                                    <p:animEffect transition="in" filter="blinds(horizontal)">
                                       <p:cBhvr>
                                         <p:cTn id="12" dur="500"/>
                                         <p:tgtEl>
-                                          <p:spTgt spid="8"/>
+                                          <p:spTgt spid="93"/>
                                         </p:tgtEl>
                                       </p:cBhvr>
                                     </p:animEffect>
@@ -5219,7 +6068,7 @@
                             </p:stCondLst>
                             <p:childTnLst>
                               <p:par>
-                                <p:cTn id="15" presetID="14" presetClass="entr" presetSubtype="10" fill="hold" grpId="0" nodeType="clickEffect">
+                                <p:cTn id="15" presetID="10" presetClass="entr" presetSubtype="0" fill="hold" nodeType="clickEffect">
                                   <p:stCondLst>
                                     <p:cond delay="0"/>
                                   </p:stCondLst>
@@ -5232,7 +6081,7 @@
                                           </p:stCondLst>
                                         </p:cTn>
                                         <p:tgtEl>
-                                          <p:spTgt spid="15"/>
+                                          <p:spTgt spid="102"/>
                                         </p:tgtEl>
                                         <p:attrNameLst>
                                           <p:attrName>style.visibility</p:attrName>
@@ -5242,11 +6091,11 @@
                                         <p:strVal val="visible"/>
                                       </p:to>
                                     </p:set>
-                                    <p:animEffect transition="in" filter="randombar(horizontal)">
+                                    <p:animEffect transition="in" filter="fade">
                                       <p:cBhvr>
                                         <p:cTn id="17" dur="500"/>
                                         <p:tgtEl>
-                                          <p:spTgt spid="15"/>
+                                          <p:spTgt spid="102"/>
                                         </p:tgtEl>
                                       </p:cBhvr>
                                     </p:animEffect>
@@ -5272,7 +6121,7 @@
                             </p:stCondLst>
                             <p:childTnLst>
                               <p:par>
-                                <p:cTn id="20" presetID="14" presetClass="entr" presetSubtype="10" fill="hold" grpId="0" nodeType="clickEffect">
+                                <p:cTn id="20" presetID="3" presetClass="entr" presetSubtype="10" fill="hold" grpId="0" nodeType="clickEffect">
                                   <p:stCondLst>
                                     <p:cond delay="0"/>
                                   </p:stCondLst>
@@ -5285,7 +6134,7 @@
                                           </p:stCondLst>
                                         </p:cTn>
                                         <p:tgtEl>
-                                          <p:spTgt spid="21"/>
+                                          <p:spTgt spid="94"/>
                                         </p:tgtEl>
                                         <p:attrNameLst>
                                           <p:attrName>style.visibility</p:attrName>
@@ -5295,11 +6144,11 @@
                                         <p:strVal val="visible"/>
                                       </p:to>
                                     </p:set>
-                                    <p:animEffect transition="in" filter="randombar(horizontal)">
+                                    <p:animEffect transition="in" filter="blinds(horizontal)">
                                       <p:cBhvr>
                                         <p:cTn id="22" dur="500"/>
                                         <p:tgtEl>
-                                          <p:spTgt spid="21"/>
+                                          <p:spTgt spid="94"/>
                                         </p:tgtEl>
                                       </p:cBhvr>
                                     </p:animEffect>
@@ -5325,7 +6174,7 @@
                             </p:stCondLst>
                             <p:childTnLst>
                               <p:par>
-                                <p:cTn id="25" presetID="14" presetClass="entr" presetSubtype="10" fill="hold" grpId="0" nodeType="clickEffect">
+                                <p:cTn id="25" presetID="10" presetClass="entr" presetSubtype="0" fill="hold" grpId="0" nodeType="clickEffect">
                                   <p:stCondLst>
                                     <p:cond delay="0"/>
                                   </p:stCondLst>
@@ -5338,7 +6187,7 @@
                                           </p:stCondLst>
                                         </p:cTn>
                                         <p:tgtEl>
-                                          <p:spTgt spid="27"/>
+                                          <p:spTgt spid="87"/>
                                         </p:tgtEl>
                                         <p:attrNameLst>
                                           <p:attrName>style.visibility</p:attrName>
@@ -5348,46 +6197,11 @@
                                         <p:strVal val="visible"/>
                                       </p:to>
                                     </p:set>
-                                    <p:animEffect transition="in" filter="randombar(horizontal)">
+                                    <p:animEffect transition="in" filter="fade">
                                       <p:cBhvr>
                                         <p:cTn id="27" dur="500"/>
                                         <p:tgtEl>
-                                          <p:spTgt spid="27"/>
-                                        </p:tgtEl>
-                                      </p:cBhvr>
-                                    </p:animEffect>
-                                  </p:childTnLst>
-                                </p:cTn>
-                              </p:par>
-                              <p:par>
-                                <p:cTn id="28" presetID="14" presetClass="entr" presetSubtype="10" fill="hold" grpId="0" nodeType="withEffect">
-                                  <p:stCondLst>
-                                    <p:cond delay="0"/>
-                                  </p:stCondLst>
-                                  <p:childTnLst>
-                                    <p:set>
-                                      <p:cBhvr>
-                                        <p:cTn id="29" dur="1" fill="hold">
-                                          <p:stCondLst>
-                                            <p:cond delay="0"/>
-                                          </p:stCondLst>
-                                        </p:cTn>
-                                        <p:tgtEl>
-                                          <p:spTgt spid="4"/>
-                                        </p:tgtEl>
-                                        <p:attrNameLst>
-                                          <p:attrName>style.visibility</p:attrName>
-                                        </p:attrNameLst>
-                                      </p:cBhvr>
-                                      <p:to>
-                                        <p:strVal val="visible"/>
-                                      </p:to>
-                                    </p:set>
-                                    <p:animEffect transition="in" filter="randombar(horizontal)">
-                                      <p:cBhvr>
-                                        <p:cTn id="30" dur="500"/>
-                                        <p:tgtEl>
-                                          <p:spTgt spid="4"/>
+                                          <p:spTgt spid="87"/>
                                         </p:tgtEl>
                                       </p:cBhvr>
                                     </p:animEffect>
@@ -5401,32 +6215,32 @@
                     </p:cTn>
                   </p:par>
                   <p:par>
-                    <p:cTn id="31" fill="hold">
+                    <p:cTn id="28" fill="hold">
                       <p:stCondLst>
                         <p:cond delay="indefinite"/>
                       </p:stCondLst>
                       <p:childTnLst>
                         <p:par>
-                          <p:cTn id="32" fill="hold">
+                          <p:cTn id="29" fill="hold">
                             <p:stCondLst>
                               <p:cond delay="0"/>
                             </p:stCondLst>
                             <p:childTnLst>
                               <p:par>
-                                <p:cTn id="33" presetID="14" presetClass="entr" presetSubtype="10" fill="hold" grpId="0" nodeType="clickEffect">
+                                <p:cTn id="30" presetID="3" presetClass="entr" presetSubtype="10" fill="hold" grpId="0" nodeType="clickEffect">
                                   <p:stCondLst>
                                     <p:cond delay="0"/>
                                   </p:stCondLst>
                                   <p:childTnLst>
                                     <p:set>
                                       <p:cBhvr>
-                                        <p:cTn id="34" dur="1" fill="hold">
+                                        <p:cTn id="31" dur="1" fill="hold">
                                           <p:stCondLst>
                                             <p:cond delay="0"/>
                                           </p:stCondLst>
                                         </p:cTn>
                                         <p:tgtEl>
-                                          <p:spTgt spid="25"/>
+                                          <p:spTgt spid="95"/>
                                         </p:tgtEl>
                                         <p:attrNameLst>
                                           <p:attrName>style.visibility</p:attrName>
@@ -5436,11 +6250,946 @@
                                         <p:strVal val="visible"/>
                                       </p:to>
                                     </p:set>
-                                    <p:animEffect transition="in" filter="randombar(horizontal)">
+                                    <p:animEffect transition="in" filter="blinds(horizontal)">
                                       <p:cBhvr>
-                                        <p:cTn id="35" dur="500"/>
+                                        <p:cTn id="32" dur="500"/>
                                         <p:tgtEl>
-                                          <p:spTgt spid="25"/>
+                                          <p:spTgt spid="95"/>
+                                        </p:tgtEl>
+                                      </p:cBhvr>
+                                    </p:animEffect>
+                                  </p:childTnLst>
+                                </p:cTn>
+                              </p:par>
+                            </p:childTnLst>
+                          </p:cTn>
+                        </p:par>
+                      </p:childTnLst>
+                    </p:cTn>
+                  </p:par>
+                  <p:par>
+                    <p:cTn id="33" fill="hold">
+                      <p:stCondLst>
+                        <p:cond delay="indefinite"/>
+                      </p:stCondLst>
+                      <p:childTnLst>
+                        <p:par>
+                          <p:cTn id="34" fill="hold">
+                            <p:stCondLst>
+                              <p:cond delay="0"/>
+                            </p:stCondLst>
+                            <p:childTnLst>
+                              <p:par>
+                                <p:cTn id="35" presetID="10" presetClass="entr" presetSubtype="0" fill="hold" grpId="0" nodeType="clickEffect">
+                                  <p:stCondLst>
+                                    <p:cond delay="0"/>
+                                  </p:stCondLst>
+                                  <p:childTnLst>
+                                    <p:set>
+                                      <p:cBhvr>
+                                        <p:cTn id="36" dur="1" fill="hold">
+                                          <p:stCondLst>
+                                            <p:cond delay="0"/>
+                                          </p:stCondLst>
+                                        </p:cTn>
+                                        <p:tgtEl>
+                                          <p:spTgt spid="33"/>
+                                        </p:tgtEl>
+                                        <p:attrNameLst>
+                                          <p:attrName>style.visibility</p:attrName>
+                                        </p:attrNameLst>
+                                      </p:cBhvr>
+                                      <p:to>
+                                        <p:strVal val="visible"/>
+                                      </p:to>
+                                    </p:set>
+                                    <p:animEffect transition="in" filter="fade">
+                                      <p:cBhvr>
+                                        <p:cTn id="37" dur="500"/>
+                                        <p:tgtEl>
+                                          <p:spTgt spid="33"/>
+                                        </p:tgtEl>
+                                      </p:cBhvr>
+                                    </p:animEffect>
+                                  </p:childTnLst>
+                                </p:cTn>
+                              </p:par>
+                            </p:childTnLst>
+                          </p:cTn>
+                        </p:par>
+                      </p:childTnLst>
+                    </p:cTn>
+                  </p:par>
+                  <p:par>
+                    <p:cTn id="38" fill="hold">
+                      <p:stCondLst>
+                        <p:cond delay="indefinite"/>
+                      </p:stCondLst>
+                      <p:childTnLst>
+                        <p:par>
+                          <p:cTn id="39" fill="hold">
+                            <p:stCondLst>
+                              <p:cond delay="0"/>
+                            </p:stCondLst>
+                            <p:childTnLst>
+                              <p:par>
+                                <p:cTn id="40" presetID="10" presetClass="entr" presetSubtype="0" fill="hold" nodeType="clickEffect">
+                                  <p:stCondLst>
+                                    <p:cond delay="0"/>
+                                  </p:stCondLst>
+                                  <p:childTnLst>
+                                    <p:set>
+                                      <p:cBhvr>
+                                        <p:cTn id="41" dur="1" fill="hold">
+                                          <p:stCondLst>
+                                            <p:cond delay="0"/>
+                                          </p:stCondLst>
+                                        </p:cTn>
+                                        <p:tgtEl>
+                                          <p:spTgt spid="91"/>
+                                        </p:tgtEl>
+                                        <p:attrNameLst>
+                                          <p:attrName>style.visibility</p:attrName>
+                                        </p:attrNameLst>
+                                      </p:cBhvr>
+                                      <p:to>
+                                        <p:strVal val="visible"/>
+                                      </p:to>
+                                    </p:set>
+                                    <p:animEffect transition="in" filter="fade">
+                                      <p:cBhvr>
+                                        <p:cTn id="42" dur="500"/>
+                                        <p:tgtEl>
+                                          <p:spTgt spid="91"/>
+                                        </p:tgtEl>
+                                      </p:cBhvr>
+                                    </p:animEffect>
+                                  </p:childTnLst>
+                                </p:cTn>
+                              </p:par>
+                            </p:childTnLst>
+                          </p:cTn>
+                        </p:par>
+                      </p:childTnLst>
+                    </p:cTn>
+                  </p:par>
+                  <p:par>
+                    <p:cTn id="43" fill="hold">
+                      <p:stCondLst>
+                        <p:cond delay="indefinite"/>
+                      </p:stCondLst>
+                      <p:childTnLst>
+                        <p:par>
+                          <p:cTn id="44" fill="hold">
+                            <p:stCondLst>
+                              <p:cond delay="0"/>
+                            </p:stCondLst>
+                            <p:childTnLst>
+                              <p:par>
+                                <p:cTn id="45" presetID="3" presetClass="entr" presetSubtype="10" fill="hold" grpId="0" nodeType="clickEffect">
+                                  <p:stCondLst>
+                                    <p:cond delay="0"/>
+                                  </p:stCondLst>
+                                  <p:childTnLst>
+                                    <p:set>
+                                      <p:cBhvr>
+                                        <p:cTn id="46" dur="1" fill="hold">
+                                          <p:stCondLst>
+                                            <p:cond delay="0"/>
+                                          </p:stCondLst>
+                                        </p:cTn>
+                                        <p:tgtEl>
+                                          <p:spTgt spid="96"/>
+                                        </p:tgtEl>
+                                        <p:attrNameLst>
+                                          <p:attrName>style.visibility</p:attrName>
+                                        </p:attrNameLst>
+                                      </p:cBhvr>
+                                      <p:to>
+                                        <p:strVal val="visible"/>
+                                      </p:to>
+                                    </p:set>
+                                    <p:animEffect transition="in" filter="blinds(horizontal)">
+                                      <p:cBhvr>
+                                        <p:cTn id="47" dur="500"/>
+                                        <p:tgtEl>
+                                          <p:spTgt spid="96"/>
+                                        </p:tgtEl>
+                                      </p:cBhvr>
+                                    </p:animEffect>
+                                  </p:childTnLst>
+                                </p:cTn>
+                              </p:par>
+                            </p:childTnLst>
+                          </p:cTn>
+                        </p:par>
+                      </p:childTnLst>
+                    </p:cTn>
+                  </p:par>
+                  <p:par>
+                    <p:cTn id="48" fill="hold">
+                      <p:stCondLst>
+                        <p:cond delay="indefinite"/>
+                      </p:stCondLst>
+                      <p:childTnLst>
+                        <p:par>
+                          <p:cTn id="49" fill="hold">
+                            <p:stCondLst>
+                              <p:cond delay="0"/>
+                            </p:stCondLst>
+                            <p:childTnLst>
+                              <p:par>
+                                <p:cTn id="50" presetID="10" presetClass="entr" presetSubtype="0" fill="hold" grpId="0" nodeType="clickEffect">
+                                  <p:stCondLst>
+                                    <p:cond delay="0"/>
+                                  </p:stCondLst>
+                                  <p:childTnLst>
+                                    <p:set>
+                                      <p:cBhvr>
+                                        <p:cTn id="51" dur="1" fill="hold">
+                                          <p:stCondLst>
+                                            <p:cond delay="0"/>
+                                          </p:stCondLst>
+                                        </p:cTn>
+                                        <p:tgtEl>
+                                          <p:spTgt spid="88"/>
+                                        </p:tgtEl>
+                                        <p:attrNameLst>
+                                          <p:attrName>style.visibility</p:attrName>
+                                        </p:attrNameLst>
+                                      </p:cBhvr>
+                                      <p:to>
+                                        <p:strVal val="visible"/>
+                                      </p:to>
+                                    </p:set>
+                                    <p:animEffect transition="in" filter="fade">
+                                      <p:cBhvr>
+                                        <p:cTn id="52" dur="500"/>
+                                        <p:tgtEl>
+                                          <p:spTgt spid="88"/>
+                                        </p:tgtEl>
+                                      </p:cBhvr>
+                                    </p:animEffect>
+                                  </p:childTnLst>
+                                </p:cTn>
+                              </p:par>
+                            </p:childTnLst>
+                          </p:cTn>
+                        </p:par>
+                      </p:childTnLst>
+                    </p:cTn>
+                  </p:par>
+                  <p:par>
+                    <p:cTn id="53" fill="hold">
+                      <p:stCondLst>
+                        <p:cond delay="indefinite"/>
+                      </p:stCondLst>
+                      <p:childTnLst>
+                        <p:par>
+                          <p:cTn id="54" fill="hold">
+                            <p:stCondLst>
+                              <p:cond delay="0"/>
+                            </p:stCondLst>
+                            <p:childTnLst>
+                              <p:par>
+                                <p:cTn id="55" presetID="3" presetClass="entr" presetSubtype="10" fill="hold" grpId="0" nodeType="clickEffect">
+                                  <p:stCondLst>
+                                    <p:cond delay="0"/>
+                                  </p:stCondLst>
+                                  <p:childTnLst>
+                                    <p:set>
+                                      <p:cBhvr>
+                                        <p:cTn id="56" dur="1" fill="hold">
+                                          <p:stCondLst>
+                                            <p:cond delay="0"/>
+                                          </p:stCondLst>
+                                        </p:cTn>
+                                        <p:tgtEl>
+                                          <p:spTgt spid="97"/>
+                                        </p:tgtEl>
+                                        <p:attrNameLst>
+                                          <p:attrName>style.visibility</p:attrName>
+                                        </p:attrNameLst>
+                                      </p:cBhvr>
+                                      <p:to>
+                                        <p:strVal val="visible"/>
+                                      </p:to>
+                                    </p:set>
+                                    <p:animEffect transition="in" filter="blinds(horizontal)">
+                                      <p:cBhvr>
+                                        <p:cTn id="57" dur="500"/>
+                                        <p:tgtEl>
+                                          <p:spTgt spid="97"/>
+                                        </p:tgtEl>
+                                      </p:cBhvr>
+                                    </p:animEffect>
+                                  </p:childTnLst>
+                                </p:cTn>
+                              </p:par>
+                            </p:childTnLst>
+                          </p:cTn>
+                        </p:par>
+                      </p:childTnLst>
+                    </p:cTn>
+                  </p:par>
+                  <p:par>
+                    <p:cTn id="58" fill="hold">
+                      <p:stCondLst>
+                        <p:cond delay="indefinite"/>
+                      </p:stCondLst>
+                      <p:childTnLst>
+                        <p:par>
+                          <p:cTn id="59" fill="hold">
+                            <p:stCondLst>
+                              <p:cond delay="0"/>
+                            </p:stCondLst>
+                            <p:childTnLst>
+                              <p:par>
+                                <p:cTn id="60" presetID="10" presetClass="entr" presetSubtype="0" fill="hold" nodeType="clickEffect">
+                                  <p:stCondLst>
+                                    <p:cond delay="0"/>
+                                  </p:stCondLst>
+                                  <p:childTnLst>
+                                    <p:set>
+                                      <p:cBhvr>
+                                        <p:cTn id="61" dur="1" fill="hold">
+                                          <p:stCondLst>
+                                            <p:cond delay="0"/>
+                                          </p:stCondLst>
+                                        </p:cTn>
+                                        <p:tgtEl>
+                                          <p:spTgt spid="72"/>
+                                        </p:tgtEl>
+                                        <p:attrNameLst>
+                                          <p:attrName>style.visibility</p:attrName>
+                                        </p:attrNameLst>
+                                      </p:cBhvr>
+                                      <p:to>
+                                        <p:strVal val="visible"/>
+                                      </p:to>
+                                    </p:set>
+                                    <p:animEffect transition="in" filter="fade">
+                                      <p:cBhvr>
+                                        <p:cTn id="62" dur="500"/>
+                                        <p:tgtEl>
+                                          <p:spTgt spid="72"/>
+                                        </p:tgtEl>
+                                      </p:cBhvr>
+                                    </p:animEffect>
+                                  </p:childTnLst>
+                                </p:cTn>
+                              </p:par>
+                              <p:par>
+                                <p:cTn id="63" presetID="10" presetClass="entr" presetSubtype="0" fill="hold" grpId="0" nodeType="withEffect">
+                                  <p:stCondLst>
+                                    <p:cond delay="0"/>
+                                  </p:stCondLst>
+                                  <p:childTnLst>
+                                    <p:set>
+                                      <p:cBhvr>
+                                        <p:cTn id="64" dur="1" fill="hold">
+                                          <p:stCondLst>
+                                            <p:cond delay="0"/>
+                                          </p:stCondLst>
+                                        </p:cTn>
+                                        <p:tgtEl>
+                                          <p:spTgt spid="47"/>
+                                        </p:tgtEl>
+                                        <p:attrNameLst>
+                                          <p:attrName>style.visibility</p:attrName>
+                                        </p:attrNameLst>
+                                      </p:cBhvr>
+                                      <p:to>
+                                        <p:strVal val="visible"/>
+                                      </p:to>
+                                    </p:set>
+                                    <p:animEffect transition="in" filter="fade">
+                                      <p:cBhvr>
+                                        <p:cTn id="65" dur="500"/>
+                                        <p:tgtEl>
+                                          <p:spTgt spid="47"/>
+                                        </p:tgtEl>
+                                      </p:cBhvr>
+                                    </p:animEffect>
+                                  </p:childTnLst>
+                                </p:cTn>
+                              </p:par>
+                            </p:childTnLst>
+                          </p:cTn>
+                        </p:par>
+                      </p:childTnLst>
+                    </p:cTn>
+                  </p:par>
+                  <p:par>
+                    <p:cTn id="66" fill="hold">
+                      <p:stCondLst>
+                        <p:cond delay="indefinite"/>
+                      </p:stCondLst>
+                      <p:childTnLst>
+                        <p:par>
+                          <p:cTn id="67" fill="hold">
+                            <p:stCondLst>
+                              <p:cond delay="0"/>
+                            </p:stCondLst>
+                            <p:childTnLst>
+                              <p:par>
+                                <p:cTn id="68" presetID="10" presetClass="entr" presetSubtype="0" fill="hold" grpId="0" nodeType="clickEffect">
+                                  <p:stCondLst>
+                                    <p:cond delay="0"/>
+                                  </p:stCondLst>
+                                  <p:childTnLst>
+                                    <p:set>
+                                      <p:cBhvr>
+                                        <p:cTn id="69" dur="1" fill="hold">
+                                          <p:stCondLst>
+                                            <p:cond delay="0"/>
+                                          </p:stCondLst>
+                                        </p:cTn>
+                                        <p:tgtEl>
+                                          <p:spTgt spid="34"/>
+                                        </p:tgtEl>
+                                        <p:attrNameLst>
+                                          <p:attrName>style.visibility</p:attrName>
+                                        </p:attrNameLst>
+                                      </p:cBhvr>
+                                      <p:to>
+                                        <p:strVal val="visible"/>
+                                      </p:to>
+                                    </p:set>
+                                    <p:animEffect transition="in" filter="fade">
+                                      <p:cBhvr>
+                                        <p:cTn id="70" dur="500"/>
+                                        <p:tgtEl>
+                                          <p:spTgt spid="34"/>
+                                        </p:tgtEl>
+                                      </p:cBhvr>
+                                    </p:animEffect>
+                                  </p:childTnLst>
+                                </p:cTn>
+                              </p:par>
+                            </p:childTnLst>
+                          </p:cTn>
+                        </p:par>
+                      </p:childTnLst>
+                    </p:cTn>
+                  </p:par>
+                  <p:par>
+                    <p:cTn id="71" fill="hold">
+                      <p:stCondLst>
+                        <p:cond delay="indefinite"/>
+                      </p:stCondLst>
+                      <p:childTnLst>
+                        <p:par>
+                          <p:cTn id="72" fill="hold">
+                            <p:stCondLst>
+                              <p:cond delay="0"/>
+                            </p:stCondLst>
+                            <p:childTnLst>
+                              <p:par>
+                                <p:cTn id="73" presetID="10" presetClass="entr" presetSubtype="0" fill="hold" nodeType="clickEffect">
+                                  <p:stCondLst>
+                                    <p:cond delay="0"/>
+                                  </p:stCondLst>
+                                  <p:childTnLst>
+                                    <p:set>
+                                      <p:cBhvr>
+                                        <p:cTn id="74" dur="1" fill="hold">
+                                          <p:stCondLst>
+                                            <p:cond delay="0"/>
+                                          </p:stCondLst>
+                                        </p:cTn>
+                                        <p:tgtEl>
+                                          <p:spTgt spid="89"/>
+                                        </p:tgtEl>
+                                        <p:attrNameLst>
+                                          <p:attrName>style.visibility</p:attrName>
+                                        </p:attrNameLst>
+                                      </p:cBhvr>
+                                      <p:to>
+                                        <p:strVal val="visible"/>
+                                      </p:to>
+                                    </p:set>
+                                    <p:animEffect transition="in" filter="fade">
+                                      <p:cBhvr>
+                                        <p:cTn id="75" dur="500"/>
+                                        <p:tgtEl>
+                                          <p:spTgt spid="89"/>
+                                        </p:tgtEl>
+                                      </p:cBhvr>
+                                    </p:animEffect>
+                                  </p:childTnLst>
+                                </p:cTn>
+                              </p:par>
+                              <p:par>
+                                <p:cTn id="76" presetID="10" presetClass="entr" presetSubtype="0" fill="hold" grpId="0" nodeType="withEffect">
+                                  <p:stCondLst>
+                                    <p:cond delay="0"/>
+                                  </p:stCondLst>
+                                  <p:childTnLst>
+                                    <p:set>
+                                      <p:cBhvr>
+                                        <p:cTn id="77" dur="1" fill="hold">
+                                          <p:stCondLst>
+                                            <p:cond delay="0"/>
+                                          </p:stCondLst>
+                                        </p:cTn>
+                                        <p:tgtEl>
+                                          <p:spTgt spid="86"/>
+                                        </p:tgtEl>
+                                        <p:attrNameLst>
+                                          <p:attrName>style.visibility</p:attrName>
+                                        </p:attrNameLst>
+                                      </p:cBhvr>
+                                      <p:to>
+                                        <p:strVal val="visible"/>
+                                      </p:to>
+                                    </p:set>
+                                    <p:animEffect transition="in" filter="fade">
+                                      <p:cBhvr>
+                                        <p:cTn id="78" dur="500"/>
+                                        <p:tgtEl>
+                                          <p:spTgt spid="86"/>
+                                        </p:tgtEl>
+                                      </p:cBhvr>
+                                    </p:animEffect>
+                                  </p:childTnLst>
+                                </p:cTn>
+                              </p:par>
+                            </p:childTnLst>
+                          </p:cTn>
+                        </p:par>
+                      </p:childTnLst>
+                    </p:cTn>
+                  </p:par>
+                  <p:par>
+                    <p:cTn id="79" fill="hold">
+                      <p:stCondLst>
+                        <p:cond delay="indefinite"/>
+                      </p:stCondLst>
+                      <p:childTnLst>
+                        <p:par>
+                          <p:cTn id="80" fill="hold">
+                            <p:stCondLst>
+                              <p:cond delay="0"/>
+                            </p:stCondLst>
+                            <p:childTnLst>
+                              <p:par>
+                                <p:cTn id="81" presetID="10" presetClass="entr" presetSubtype="0" fill="hold" grpId="0" nodeType="clickEffect">
+                                  <p:stCondLst>
+                                    <p:cond delay="0"/>
+                                  </p:stCondLst>
+                                  <p:childTnLst>
+                                    <p:set>
+                                      <p:cBhvr>
+                                        <p:cTn id="82" dur="1" fill="hold">
+                                          <p:stCondLst>
+                                            <p:cond delay="0"/>
+                                          </p:stCondLst>
+                                        </p:cTn>
+                                        <p:tgtEl>
+                                          <p:spTgt spid="42"/>
+                                        </p:tgtEl>
+                                        <p:attrNameLst>
+                                          <p:attrName>style.visibility</p:attrName>
+                                        </p:attrNameLst>
+                                      </p:cBhvr>
+                                      <p:to>
+                                        <p:strVal val="visible"/>
+                                      </p:to>
+                                    </p:set>
+                                    <p:animEffect transition="in" filter="fade">
+                                      <p:cBhvr>
+                                        <p:cTn id="83" dur="500"/>
+                                        <p:tgtEl>
+                                          <p:spTgt spid="42"/>
+                                        </p:tgtEl>
+                                      </p:cBhvr>
+                                    </p:animEffect>
+                                  </p:childTnLst>
+                                </p:cTn>
+                              </p:par>
+                            </p:childTnLst>
+                          </p:cTn>
+                        </p:par>
+                      </p:childTnLst>
+                    </p:cTn>
+                  </p:par>
+                  <p:par>
+                    <p:cTn id="84" fill="hold">
+                      <p:stCondLst>
+                        <p:cond delay="indefinite"/>
+                      </p:stCondLst>
+                      <p:childTnLst>
+                        <p:par>
+                          <p:cTn id="85" fill="hold">
+                            <p:stCondLst>
+                              <p:cond delay="0"/>
+                            </p:stCondLst>
+                            <p:childTnLst>
+                              <p:par>
+                                <p:cTn id="86" presetID="10" presetClass="entr" presetSubtype="0" fill="hold" nodeType="clickEffect">
+                                  <p:stCondLst>
+                                    <p:cond delay="0"/>
+                                  </p:stCondLst>
+                                  <p:childTnLst>
+                                    <p:set>
+                                      <p:cBhvr>
+                                        <p:cTn id="87" dur="1" fill="hold">
+                                          <p:stCondLst>
+                                            <p:cond delay="0"/>
+                                          </p:stCondLst>
+                                        </p:cTn>
+                                        <p:tgtEl>
+                                          <p:spTgt spid="90"/>
+                                        </p:tgtEl>
+                                        <p:attrNameLst>
+                                          <p:attrName>style.visibility</p:attrName>
+                                        </p:attrNameLst>
+                                      </p:cBhvr>
+                                      <p:to>
+                                        <p:strVal val="visible"/>
+                                      </p:to>
+                                    </p:set>
+                                    <p:animEffect transition="in" filter="fade">
+                                      <p:cBhvr>
+                                        <p:cTn id="88" dur="500"/>
+                                        <p:tgtEl>
+                                          <p:spTgt spid="90"/>
+                                        </p:tgtEl>
+                                      </p:cBhvr>
+                                    </p:animEffect>
+                                  </p:childTnLst>
+                                </p:cTn>
+                              </p:par>
+                              <p:par>
+                                <p:cTn id="89" presetID="10" presetClass="entr" presetSubtype="0" fill="hold" grpId="0" nodeType="withEffect">
+                                  <p:stCondLst>
+                                    <p:cond delay="0"/>
+                                  </p:stCondLst>
+                                  <p:childTnLst>
+                                    <p:set>
+                                      <p:cBhvr>
+                                        <p:cTn id="90" dur="1" fill="hold">
+                                          <p:stCondLst>
+                                            <p:cond delay="0"/>
+                                          </p:stCondLst>
+                                        </p:cTn>
+                                        <p:tgtEl>
+                                          <p:spTgt spid="85"/>
+                                        </p:tgtEl>
+                                        <p:attrNameLst>
+                                          <p:attrName>style.visibility</p:attrName>
+                                        </p:attrNameLst>
+                                      </p:cBhvr>
+                                      <p:to>
+                                        <p:strVal val="visible"/>
+                                      </p:to>
+                                    </p:set>
+                                    <p:animEffect transition="in" filter="fade">
+                                      <p:cBhvr>
+                                        <p:cTn id="91" dur="500"/>
+                                        <p:tgtEl>
+                                          <p:spTgt spid="85"/>
+                                        </p:tgtEl>
+                                      </p:cBhvr>
+                                    </p:animEffect>
+                                  </p:childTnLst>
+                                </p:cTn>
+                              </p:par>
+                            </p:childTnLst>
+                          </p:cTn>
+                        </p:par>
+                      </p:childTnLst>
+                    </p:cTn>
+                  </p:par>
+                  <p:par>
+                    <p:cTn id="92" fill="hold">
+                      <p:stCondLst>
+                        <p:cond delay="indefinite"/>
+                      </p:stCondLst>
+                      <p:childTnLst>
+                        <p:par>
+                          <p:cTn id="93" fill="hold">
+                            <p:stCondLst>
+                              <p:cond delay="0"/>
+                            </p:stCondLst>
+                            <p:childTnLst>
+                              <p:par>
+                                <p:cTn id="94" presetID="3" presetClass="entr" presetSubtype="10" fill="hold" grpId="0" nodeType="clickEffect">
+                                  <p:stCondLst>
+                                    <p:cond delay="0"/>
+                                  </p:stCondLst>
+                                  <p:childTnLst>
+                                    <p:set>
+                                      <p:cBhvr>
+                                        <p:cTn id="95" dur="1" fill="hold">
+                                          <p:stCondLst>
+                                            <p:cond delay="0"/>
+                                          </p:stCondLst>
+                                        </p:cTn>
+                                        <p:tgtEl>
+                                          <p:spTgt spid="103"/>
+                                        </p:tgtEl>
+                                        <p:attrNameLst>
+                                          <p:attrName>style.visibility</p:attrName>
+                                        </p:attrNameLst>
+                                      </p:cBhvr>
+                                      <p:to>
+                                        <p:strVal val="visible"/>
+                                      </p:to>
+                                    </p:set>
+                                    <p:animEffect transition="in" filter="blinds(horizontal)">
+                                      <p:cBhvr>
+                                        <p:cTn id="96" dur="500"/>
+                                        <p:tgtEl>
+                                          <p:spTgt spid="103"/>
+                                        </p:tgtEl>
+                                      </p:cBhvr>
+                                    </p:animEffect>
+                                  </p:childTnLst>
+                                </p:cTn>
+                              </p:par>
+                            </p:childTnLst>
+                          </p:cTn>
+                        </p:par>
+                      </p:childTnLst>
+                    </p:cTn>
+                  </p:par>
+                  <p:par>
+                    <p:cTn id="97" fill="hold">
+                      <p:stCondLst>
+                        <p:cond delay="indefinite"/>
+                      </p:stCondLst>
+                      <p:childTnLst>
+                        <p:par>
+                          <p:cTn id="98" fill="hold">
+                            <p:stCondLst>
+                              <p:cond delay="0"/>
+                            </p:stCondLst>
+                            <p:childTnLst>
+                              <p:par>
+                                <p:cTn id="99" presetID="10" presetClass="entr" presetSubtype="0" fill="hold" grpId="0" nodeType="clickEffect">
+                                  <p:stCondLst>
+                                    <p:cond delay="0"/>
+                                  </p:stCondLst>
+                                  <p:childTnLst>
+                                    <p:set>
+                                      <p:cBhvr>
+                                        <p:cTn id="100" dur="1" fill="hold">
+                                          <p:stCondLst>
+                                            <p:cond delay="0"/>
+                                          </p:stCondLst>
+                                        </p:cTn>
+                                        <p:tgtEl>
+                                          <p:spTgt spid="41"/>
+                                        </p:tgtEl>
+                                        <p:attrNameLst>
+                                          <p:attrName>style.visibility</p:attrName>
+                                        </p:attrNameLst>
+                                      </p:cBhvr>
+                                      <p:to>
+                                        <p:strVal val="visible"/>
+                                      </p:to>
+                                    </p:set>
+                                    <p:animEffect transition="in" filter="fade">
+                                      <p:cBhvr>
+                                        <p:cTn id="101" dur="500"/>
+                                        <p:tgtEl>
+                                          <p:spTgt spid="41"/>
+                                        </p:tgtEl>
+                                      </p:cBhvr>
+                                    </p:animEffect>
+                                  </p:childTnLst>
+                                </p:cTn>
+                              </p:par>
+                            </p:childTnLst>
+                          </p:cTn>
+                        </p:par>
+                      </p:childTnLst>
+                    </p:cTn>
+                  </p:par>
+                  <p:par>
+                    <p:cTn id="102" fill="hold">
+                      <p:stCondLst>
+                        <p:cond delay="indefinite"/>
+                      </p:stCondLst>
+                      <p:childTnLst>
+                        <p:par>
+                          <p:cTn id="103" fill="hold">
+                            <p:stCondLst>
+                              <p:cond delay="0"/>
+                            </p:stCondLst>
+                            <p:childTnLst>
+                              <p:par>
+                                <p:cTn id="104" presetID="10" presetClass="entr" presetSubtype="0" fill="hold" grpId="0" nodeType="clickEffect">
+                                  <p:stCondLst>
+                                    <p:cond delay="0"/>
+                                  </p:stCondLst>
+                                  <p:childTnLst>
+                                    <p:set>
+                                      <p:cBhvr>
+                                        <p:cTn id="105" dur="1" fill="hold">
+                                          <p:stCondLst>
+                                            <p:cond delay="0"/>
+                                          </p:stCondLst>
+                                        </p:cTn>
+                                        <p:tgtEl>
+                                          <p:spTgt spid="82"/>
+                                        </p:tgtEl>
+                                        <p:attrNameLst>
+                                          <p:attrName>style.visibility</p:attrName>
+                                        </p:attrNameLst>
+                                      </p:cBhvr>
+                                      <p:to>
+                                        <p:strVal val="visible"/>
+                                      </p:to>
+                                    </p:set>
+                                    <p:animEffect transition="in" filter="fade">
+                                      <p:cBhvr>
+                                        <p:cTn id="106" dur="500"/>
+                                        <p:tgtEl>
+                                          <p:spTgt spid="82"/>
+                                        </p:tgtEl>
+                                      </p:cBhvr>
+                                    </p:animEffect>
+                                  </p:childTnLst>
+                                </p:cTn>
+                              </p:par>
+                            </p:childTnLst>
+                          </p:cTn>
+                        </p:par>
+                      </p:childTnLst>
+                    </p:cTn>
+                  </p:par>
+                  <p:par>
+                    <p:cTn id="107" fill="hold">
+                      <p:stCondLst>
+                        <p:cond delay="indefinite"/>
+                      </p:stCondLst>
+                      <p:childTnLst>
+                        <p:par>
+                          <p:cTn id="108" fill="hold">
+                            <p:stCondLst>
+                              <p:cond delay="0"/>
+                            </p:stCondLst>
+                            <p:childTnLst>
+                              <p:par>
+                                <p:cTn id="109" presetID="10" presetClass="entr" presetSubtype="0" fill="hold" grpId="0" nodeType="clickEffect">
+                                  <p:stCondLst>
+                                    <p:cond delay="0"/>
+                                  </p:stCondLst>
+                                  <p:childTnLst>
+                                    <p:set>
+                                      <p:cBhvr>
+                                        <p:cTn id="110" dur="1" fill="hold">
+                                          <p:stCondLst>
+                                            <p:cond delay="0"/>
+                                          </p:stCondLst>
+                                        </p:cTn>
+                                        <p:tgtEl>
+                                          <p:spTgt spid="48"/>
+                                        </p:tgtEl>
+                                        <p:attrNameLst>
+                                          <p:attrName>style.visibility</p:attrName>
+                                        </p:attrNameLst>
+                                      </p:cBhvr>
+                                      <p:to>
+                                        <p:strVal val="visible"/>
+                                      </p:to>
+                                    </p:set>
+                                    <p:animEffect transition="in" filter="fade">
+                                      <p:cBhvr>
+                                        <p:cTn id="111" dur="500"/>
+                                        <p:tgtEl>
+                                          <p:spTgt spid="48"/>
+                                        </p:tgtEl>
+                                      </p:cBhvr>
+                                    </p:animEffect>
+                                  </p:childTnLst>
+                                </p:cTn>
+                              </p:par>
+                              <p:par>
+                                <p:cTn id="112" presetID="10" presetClass="entr" presetSubtype="0" fill="hold" grpId="0" nodeType="withEffect">
+                                  <p:stCondLst>
+                                    <p:cond delay="0"/>
+                                  </p:stCondLst>
+                                  <p:childTnLst>
+                                    <p:set>
+                                      <p:cBhvr>
+                                        <p:cTn id="113" dur="1" fill="hold">
+                                          <p:stCondLst>
+                                            <p:cond delay="0"/>
+                                          </p:stCondLst>
+                                        </p:cTn>
+                                        <p:tgtEl>
+                                          <p:spTgt spid="44"/>
+                                        </p:tgtEl>
+                                        <p:attrNameLst>
+                                          <p:attrName>style.visibility</p:attrName>
+                                        </p:attrNameLst>
+                                      </p:cBhvr>
+                                      <p:to>
+                                        <p:strVal val="visible"/>
+                                      </p:to>
+                                    </p:set>
+                                    <p:animEffect transition="in" filter="fade">
+                                      <p:cBhvr>
+                                        <p:cTn id="114" dur="500"/>
+                                        <p:tgtEl>
+                                          <p:spTgt spid="44"/>
+                                        </p:tgtEl>
+                                      </p:cBhvr>
+                                    </p:animEffect>
+                                  </p:childTnLst>
+                                </p:cTn>
+                              </p:par>
+                            </p:childTnLst>
+                          </p:cTn>
+                        </p:par>
+                      </p:childTnLst>
+                    </p:cTn>
+                  </p:par>
+                  <p:par>
+                    <p:cTn id="115" fill="hold">
+                      <p:stCondLst>
+                        <p:cond delay="indefinite"/>
+                      </p:stCondLst>
+                      <p:childTnLst>
+                        <p:par>
+                          <p:cTn id="116" fill="hold">
+                            <p:stCondLst>
+                              <p:cond delay="0"/>
+                            </p:stCondLst>
+                            <p:childTnLst>
+                              <p:par>
+                                <p:cTn id="117" presetID="10" presetClass="entr" presetSubtype="0" fill="hold" grpId="0" nodeType="clickEffect">
+                                  <p:stCondLst>
+                                    <p:cond delay="0"/>
+                                  </p:stCondLst>
+                                  <p:childTnLst>
+                                    <p:set>
+                                      <p:cBhvr>
+                                        <p:cTn id="118" dur="1" fill="hold">
+                                          <p:stCondLst>
+                                            <p:cond delay="0"/>
+                                          </p:stCondLst>
+                                        </p:cTn>
+                                        <p:tgtEl>
+                                          <p:spTgt spid="53"/>
+                                        </p:tgtEl>
+                                        <p:attrNameLst>
+                                          <p:attrName>style.visibility</p:attrName>
+                                        </p:attrNameLst>
+                                      </p:cBhvr>
+                                      <p:to>
+                                        <p:strVal val="visible"/>
+                                      </p:to>
+                                    </p:set>
+                                    <p:animEffect transition="in" filter="fade">
+                                      <p:cBhvr>
+                                        <p:cTn id="119" dur="500"/>
+                                        <p:tgtEl>
+                                          <p:spTgt spid="53"/>
                                         </p:tgtEl>
                                       </p:cBhvr>
                                     </p:animEffect>
@@ -5475,13 +7224,26 @@
       </p:par>
     </p:tnLst>
     <p:bldLst>
-      <p:bldP spid="4" grpId="0"/>
-      <p:bldP spid="6" grpId="0"/>
-      <p:bldP spid="8" grpId="0"/>
-      <p:bldP spid="15" grpId="0"/>
-      <p:bldP spid="21" grpId="0"/>
-      <p:bldP spid="25" grpId="0"/>
-      <p:bldP spid="27" grpId="0"/>
+      <p:bldP spid="33" grpId="0"/>
+      <p:bldP spid="34" grpId="0"/>
+      <p:bldP spid="41" grpId="0"/>
+      <p:bldP spid="42" grpId="0"/>
+      <p:bldP spid="44" grpId="0"/>
+      <p:bldP spid="47" grpId="0"/>
+      <p:bldP spid="48" grpId="0"/>
+      <p:bldP spid="53" grpId="0"/>
+      <p:bldP spid="82" grpId="0"/>
+      <p:bldP spid="85" grpId="0"/>
+      <p:bldP spid="86" grpId="0"/>
+      <p:bldP spid="87" grpId="0"/>
+      <p:bldP spid="88" grpId="0"/>
+      <p:bldP spid="92" grpId="0"/>
+      <p:bldP spid="93" grpId="0"/>
+      <p:bldP spid="94" grpId="0"/>
+      <p:bldP spid="95" grpId="0"/>
+      <p:bldP spid="96" grpId="0"/>
+      <p:bldP spid="97" grpId="0"/>
+      <p:bldP spid="103" grpId="0"/>
     </p:bldLst>
   </p:timing>
 </p:sld>
@@ -9023,10 +10785,286 @@
           </a:p>
         </p:txBody>
       </p:sp>
+      <p:pic>
+        <p:nvPicPr>
+          <p:cNvPr id="3" name="Graphic 2" descr="Close with solid fill">
+            <a:extLst>
+              <a:ext uri="{FF2B5EF4-FFF2-40B4-BE49-F238E27FC236}">
+                <a16:creationId xmlns:a16="http://schemas.microsoft.com/office/drawing/2014/main" id="{A94A132E-0383-7FED-48D9-E0698F8C8738}"/>
+              </a:ext>
+            </a:extLst>
+          </p:cNvPr>
+          <p:cNvPicPr>
+            <a:picLocks noChangeAspect="1"/>
+          </p:cNvPicPr>
+          <p:nvPr/>
+        </p:nvPicPr>
+        <p:blipFill>
+          <a:blip r:embed="rId4">
+            <a:extLst>
+              <a:ext uri="{28A0092B-C50C-407E-A947-70E740481C1C}">
+                <a14:useLocalDpi xmlns:a14="http://schemas.microsoft.com/office/drawing/2010/main" val="0"/>
+              </a:ext>
+              <a:ext uri="{96DAC541-7B7A-43D3-8B79-37D633B846F1}">
+                <asvg:svgBlip xmlns:asvg="http://schemas.microsoft.com/office/drawing/2016/SVG/main" r:embed="rId5"/>
+              </a:ext>
+            </a:extLst>
+          </a:blip>
+          <a:stretch>
+            <a:fillRect/>
+          </a:stretch>
+        </p:blipFill>
+        <p:spPr>
+          <a:xfrm>
+            <a:off x="6940096" y="4223622"/>
+            <a:ext cx="202831" cy="202831"/>
+          </a:xfrm>
+          <a:prstGeom prst="rect">
+            <a:avLst/>
+          </a:prstGeom>
+        </p:spPr>
+      </p:pic>
+      <p:grpSp>
+        <p:nvGrpSpPr>
+          <p:cNvPr id="16" name="Group 15">
+            <a:extLst>
+              <a:ext uri="{FF2B5EF4-FFF2-40B4-BE49-F238E27FC236}">
+                <a16:creationId xmlns:a16="http://schemas.microsoft.com/office/drawing/2014/main" id="{D2C022FC-B4BD-AF61-E5F9-7D60F07AE6D8}"/>
+              </a:ext>
+            </a:extLst>
+          </p:cNvPr>
+          <p:cNvGrpSpPr/>
+          <p:nvPr/>
+        </p:nvGrpSpPr>
+        <p:grpSpPr>
+          <a:xfrm>
+            <a:off x="6532195" y="4791280"/>
+            <a:ext cx="615149" cy="202831"/>
+            <a:chOff x="6532195" y="4791280"/>
+            <a:chExt cx="615149" cy="202831"/>
+          </a:xfrm>
+        </p:grpSpPr>
+        <p:pic>
+          <p:nvPicPr>
+            <p:cNvPr id="9" name="Graphic 8" descr="Close with solid fill">
+              <a:extLst>
+                <a:ext uri="{FF2B5EF4-FFF2-40B4-BE49-F238E27FC236}">
+                  <a16:creationId xmlns:a16="http://schemas.microsoft.com/office/drawing/2014/main" id="{6F21C4BD-3DA6-F0EB-23F3-2C29F92D76A2}"/>
+                </a:ext>
+              </a:extLst>
+            </p:cNvPr>
+            <p:cNvPicPr>
+              <a:picLocks noChangeAspect="1"/>
+            </p:cNvPicPr>
+            <p:nvPr/>
+          </p:nvPicPr>
+          <p:blipFill>
+            <a:blip r:embed="rId4">
+              <a:extLst>
+                <a:ext uri="{28A0092B-C50C-407E-A947-70E740481C1C}">
+                  <a14:useLocalDpi xmlns:a14="http://schemas.microsoft.com/office/drawing/2010/main" val="0"/>
+                </a:ext>
+                <a:ext uri="{96DAC541-7B7A-43D3-8B79-37D633B846F1}">
+                  <asvg:svgBlip xmlns:asvg="http://schemas.microsoft.com/office/drawing/2016/SVG/main" r:embed="rId5"/>
+                </a:ext>
+              </a:extLst>
+            </a:blip>
+            <a:stretch>
+              <a:fillRect/>
+            </a:stretch>
+          </p:blipFill>
+          <p:spPr>
+            <a:xfrm>
+              <a:off x="6532195" y="4791280"/>
+              <a:ext cx="202831" cy="202831"/>
+            </a:xfrm>
+            <a:prstGeom prst="rect">
+              <a:avLst/>
+            </a:prstGeom>
+          </p:spPr>
+        </p:pic>
+        <p:pic>
+          <p:nvPicPr>
+            <p:cNvPr id="10" name="Graphic 9" descr="Close with solid fill">
+              <a:extLst>
+                <a:ext uri="{FF2B5EF4-FFF2-40B4-BE49-F238E27FC236}">
+                  <a16:creationId xmlns:a16="http://schemas.microsoft.com/office/drawing/2014/main" id="{77F06FA5-8898-BFD2-642A-6CE41638930F}"/>
+                </a:ext>
+              </a:extLst>
+            </p:cNvPr>
+            <p:cNvPicPr>
+              <a:picLocks noChangeAspect="1"/>
+            </p:cNvPicPr>
+            <p:nvPr/>
+          </p:nvPicPr>
+          <p:blipFill>
+            <a:blip r:embed="rId4">
+              <a:extLst>
+                <a:ext uri="{28A0092B-C50C-407E-A947-70E740481C1C}">
+                  <a14:useLocalDpi xmlns:a14="http://schemas.microsoft.com/office/drawing/2010/main" val="0"/>
+                </a:ext>
+                <a:ext uri="{96DAC541-7B7A-43D3-8B79-37D633B846F1}">
+                  <asvg:svgBlip xmlns:asvg="http://schemas.microsoft.com/office/drawing/2016/SVG/main" r:embed="rId5"/>
+                </a:ext>
+              </a:extLst>
+            </a:blip>
+            <a:stretch>
+              <a:fillRect/>
+            </a:stretch>
+          </p:blipFill>
+          <p:spPr>
+            <a:xfrm>
+              <a:off x="6944513" y="4791280"/>
+              <a:ext cx="202831" cy="202831"/>
+            </a:xfrm>
+            <a:prstGeom prst="rect">
+              <a:avLst/>
+            </a:prstGeom>
+          </p:spPr>
+        </p:pic>
+      </p:grpSp>
+      <p:grpSp>
+        <p:nvGrpSpPr>
+          <p:cNvPr id="17" name="Group 16">
+            <a:extLst>
+              <a:ext uri="{FF2B5EF4-FFF2-40B4-BE49-F238E27FC236}">
+                <a16:creationId xmlns:a16="http://schemas.microsoft.com/office/drawing/2014/main" id="{26EFB0EB-02AE-3924-D151-34A83C1367E7}"/>
+              </a:ext>
+            </a:extLst>
+          </p:cNvPr>
+          <p:cNvGrpSpPr/>
+          <p:nvPr/>
+        </p:nvGrpSpPr>
+        <p:grpSpPr>
+          <a:xfrm>
+            <a:off x="6064464" y="5452067"/>
+            <a:ext cx="1078462" cy="217296"/>
+            <a:chOff x="6064464" y="5452067"/>
+            <a:chExt cx="1078462" cy="217296"/>
+          </a:xfrm>
+        </p:grpSpPr>
+        <p:pic>
+          <p:nvPicPr>
+            <p:cNvPr id="11" name="Graphic 10" descr="Close with solid fill">
+              <a:extLst>
+                <a:ext uri="{FF2B5EF4-FFF2-40B4-BE49-F238E27FC236}">
+                  <a16:creationId xmlns:a16="http://schemas.microsoft.com/office/drawing/2014/main" id="{8E037B05-2D81-D386-347B-387DB554B285}"/>
+                </a:ext>
+              </a:extLst>
+            </p:cNvPr>
+            <p:cNvPicPr>
+              <a:picLocks noChangeAspect="1"/>
+            </p:cNvPicPr>
+            <p:nvPr/>
+          </p:nvPicPr>
+          <p:blipFill>
+            <a:blip r:embed="rId4">
+              <a:extLst>
+                <a:ext uri="{28A0092B-C50C-407E-A947-70E740481C1C}">
+                  <a14:useLocalDpi xmlns:a14="http://schemas.microsoft.com/office/drawing/2010/main" val="0"/>
+                </a:ext>
+                <a:ext uri="{96DAC541-7B7A-43D3-8B79-37D633B846F1}">
+                  <asvg:svgBlip xmlns:asvg="http://schemas.microsoft.com/office/drawing/2016/SVG/main" r:embed="rId5"/>
+                </a:ext>
+              </a:extLst>
+            </a:blip>
+            <a:stretch>
+              <a:fillRect/>
+            </a:stretch>
+          </p:blipFill>
+          <p:spPr>
+            <a:xfrm>
+              <a:off x="6940095" y="5452067"/>
+              <a:ext cx="202831" cy="202831"/>
+            </a:xfrm>
+            <a:prstGeom prst="rect">
+              <a:avLst/>
+            </a:prstGeom>
+          </p:spPr>
+        </p:pic>
+        <p:pic>
+          <p:nvPicPr>
+            <p:cNvPr id="12" name="Graphic 11" descr="Close with solid fill">
+              <a:extLst>
+                <a:ext uri="{FF2B5EF4-FFF2-40B4-BE49-F238E27FC236}">
+                  <a16:creationId xmlns:a16="http://schemas.microsoft.com/office/drawing/2014/main" id="{20A8162B-AAFE-5C46-44B9-68CF51EECE27}"/>
+                </a:ext>
+              </a:extLst>
+            </p:cNvPr>
+            <p:cNvPicPr>
+              <a:picLocks noChangeAspect="1"/>
+            </p:cNvPicPr>
+            <p:nvPr/>
+          </p:nvPicPr>
+          <p:blipFill>
+            <a:blip r:embed="rId4">
+              <a:extLst>
+                <a:ext uri="{28A0092B-C50C-407E-A947-70E740481C1C}">
+                  <a14:useLocalDpi xmlns:a14="http://schemas.microsoft.com/office/drawing/2010/main" val="0"/>
+                </a:ext>
+                <a:ext uri="{96DAC541-7B7A-43D3-8B79-37D633B846F1}">
+                  <asvg:svgBlip xmlns:asvg="http://schemas.microsoft.com/office/drawing/2016/SVG/main" r:embed="rId5"/>
+                </a:ext>
+              </a:extLst>
+            </a:blip>
+            <a:stretch>
+              <a:fillRect/>
+            </a:stretch>
+          </p:blipFill>
+          <p:spPr>
+            <a:xfrm>
+              <a:off x="6532195" y="5466532"/>
+              <a:ext cx="202831" cy="202831"/>
+            </a:xfrm>
+            <a:prstGeom prst="rect">
+              <a:avLst/>
+            </a:prstGeom>
+          </p:spPr>
+        </p:pic>
+        <p:pic>
+          <p:nvPicPr>
+            <p:cNvPr id="14" name="Graphic 13" descr="Close with solid fill">
+              <a:extLst>
+                <a:ext uri="{FF2B5EF4-FFF2-40B4-BE49-F238E27FC236}">
+                  <a16:creationId xmlns:a16="http://schemas.microsoft.com/office/drawing/2014/main" id="{0BF9D233-76C3-3210-1287-5A91310B0A8D}"/>
+                </a:ext>
+              </a:extLst>
+            </p:cNvPr>
+            <p:cNvPicPr>
+              <a:picLocks noChangeAspect="1"/>
+            </p:cNvPicPr>
+            <p:nvPr/>
+          </p:nvPicPr>
+          <p:blipFill>
+            <a:blip r:embed="rId4">
+              <a:extLst>
+                <a:ext uri="{28A0092B-C50C-407E-A947-70E740481C1C}">
+                  <a14:useLocalDpi xmlns:a14="http://schemas.microsoft.com/office/drawing/2010/main" val="0"/>
+                </a:ext>
+                <a:ext uri="{96DAC541-7B7A-43D3-8B79-37D633B846F1}">
+                  <asvg:svgBlip xmlns:asvg="http://schemas.microsoft.com/office/drawing/2016/SVG/main" r:embed="rId5"/>
+                </a:ext>
+              </a:extLst>
+            </a:blip>
+            <a:stretch>
+              <a:fillRect/>
+            </a:stretch>
+          </p:blipFill>
+          <p:spPr>
+            <a:xfrm>
+              <a:off x="6064464" y="5462288"/>
+              <a:ext cx="202831" cy="202831"/>
+            </a:xfrm>
+            <a:prstGeom prst="rect">
+              <a:avLst/>
+            </a:prstGeom>
+          </p:spPr>
+        </p:pic>
+      </p:grpSp>
     </p:spTree>
     <p:extLst>
       <p:ext uri="{BB962C8B-B14F-4D97-AF65-F5344CB8AC3E}">
-        <p14:creationId xmlns:p14="http://schemas.microsoft.com/office/powerpoint/2010/main" val="400485521"/>
+        <p14:creationId xmlns:p14="http://schemas.microsoft.com/office/powerpoint/2010/main" val="2783967969"/>
       </p:ext>
     </p:extLst>
   </p:cSld>
@@ -9160,7 +11198,7 @@
                             </p:stCondLst>
                             <p:childTnLst>
                               <p:par>
-                                <p:cTn id="15" presetID="14" presetClass="entr" presetSubtype="10" fill="hold" grpId="0" nodeType="clickEffect">
+                                <p:cTn id="15" presetID="10" presetClass="entr" presetSubtype="0" fill="hold" nodeType="clickEffect">
                                   <p:stCondLst>
                                     <p:cond delay="0"/>
                                   </p:stCondLst>
@@ -9173,7 +11211,7 @@
                                           </p:stCondLst>
                                         </p:cTn>
                                         <p:tgtEl>
-                                          <p:spTgt spid="15"/>
+                                          <p:spTgt spid="3"/>
                                         </p:tgtEl>
                                         <p:attrNameLst>
                                           <p:attrName>style.visibility</p:attrName>
@@ -9183,11 +11221,11 @@
                                         <p:strVal val="visible"/>
                                       </p:to>
                                     </p:set>
-                                    <p:animEffect transition="in" filter="randombar(horizontal)">
+                                    <p:animEffect transition="in" filter="fade">
                                       <p:cBhvr>
                                         <p:cTn id="17" dur="500"/>
                                         <p:tgtEl>
-                                          <p:spTgt spid="15"/>
+                                          <p:spTgt spid="3"/>
                                         </p:tgtEl>
                                       </p:cBhvr>
                                     </p:animEffect>
@@ -9226,7 +11264,7 @@
                                           </p:stCondLst>
                                         </p:cTn>
                                         <p:tgtEl>
-                                          <p:spTgt spid="21"/>
+                                          <p:spTgt spid="15"/>
                                         </p:tgtEl>
                                         <p:attrNameLst>
                                           <p:attrName>style.visibility</p:attrName>
@@ -9240,7 +11278,7 @@
                                       <p:cBhvr>
                                         <p:cTn id="22" dur="500"/>
                                         <p:tgtEl>
-                                          <p:spTgt spid="21"/>
+                                          <p:spTgt spid="15"/>
                                         </p:tgtEl>
                                       </p:cBhvr>
                                     </p:animEffect>
@@ -9266,7 +11304,7 @@
                             </p:stCondLst>
                             <p:childTnLst>
                               <p:par>
-                                <p:cTn id="25" presetID="14" presetClass="entr" presetSubtype="10" fill="hold" grpId="0" nodeType="clickEffect">
+                                <p:cTn id="25" presetID="10" presetClass="entr" presetSubtype="0" fill="hold" nodeType="clickEffect">
                                   <p:stCondLst>
                                     <p:cond delay="0"/>
                                   </p:stCondLst>
@@ -9274,6 +11312,165 @@
                                     <p:set>
                                       <p:cBhvr>
                                         <p:cTn id="26" dur="1" fill="hold">
+                                          <p:stCondLst>
+                                            <p:cond delay="0"/>
+                                          </p:stCondLst>
+                                        </p:cTn>
+                                        <p:tgtEl>
+                                          <p:spTgt spid="16"/>
+                                        </p:tgtEl>
+                                        <p:attrNameLst>
+                                          <p:attrName>style.visibility</p:attrName>
+                                        </p:attrNameLst>
+                                      </p:cBhvr>
+                                      <p:to>
+                                        <p:strVal val="visible"/>
+                                      </p:to>
+                                    </p:set>
+                                    <p:animEffect transition="in" filter="fade">
+                                      <p:cBhvr>
+                                        <p:cTn id="27" dur="500"/>
+                                        <p:tgtEl>
+                                          <p:spTgt spid="16"/>
+                                        </p:tgtEl>
+                                      </p:cBhvr>
+                                    </p:animEffect>
+                                  </p:childTnLst>
+                                </p:cTn>
+                              </p:par>
+                            </p:childTnLst>
+                          </p:cTn>
+                        </p:par>
+                      </p:childTnLst>
+                    </p:cTn>
+                  </p:par>
+                  <p:par>
+                    <p:cTn id="28" fill="hold">
+                      <p:stCondLst>
+                        <p:cond delay="indefinite"/>
+                      </p:stCondLst>
+                      <p:childTnLst>
+                        <p:par>
+                          <p:cTn id="29" fill="hold">
+                            <p:stCondLst>
+                              <p:cond delay="0"/>
+                            </p:stCondLst>
+                            <p:childTnLst>
+                              <p:par>
+                                <p:cTn id="30" presetID="14" presetClass="entr" presetSubtype="10" fill="hold" grpId="0" nodeType="clickEffect">
+                                  <p:stCondLst>
+                                    <p:cond delay="0"/>
+                                  </p:stCondLst>
+                                  <p:childTnLst>
+                                    <p:set>
+                                      <p:cBhvr>
+                                        <p:cTn id="31" dur="1" fill="hold">
+                                          <p:stCondLst>
+                                            <p:cond delay="0"/>
+                                          </p:stCondLst>
+                                        </p:cTn>
+                                        <p:tgtEl>
+                                          <p:spTgt spid="21"/>
+                                        </p:tgtEl>
+                                        <p:attrNameLst>
+                                          <p:attrName>style.visibility</p:attrName>
+                                        </p:attrNameLst>
+                                      </p:cBhvr>
+                                      <p:to>
+                                        <p:strVal val="visible"/>
+                                      </p:to>
+                                    </p:set>
+                                    <p:animEffect transition="in" filter="randombar(horizontal)">
+                                      <p:cBhvr>
+                                        <p:cTn id="32" dur="500"/>
+                                        <p:tgtEl>
+                                          <p:spTgt spid="21"/>
+                                        </p:tgtEl>
+                                      </p:cBhvr>
+                                    </p:animEffect>
+                                  </p:childTnLst>
+                                </p:cTn>
+                              </p:par>
+                            </p:childTnLst>
+                          </p:cTn>
+                        </p:par>
+                      </p:childTnLst>
+                    </p:cTn>
+                  </p:par>
+                  <p:par>
+                    <p:cTn id="33" fill="hold">
+                      <p:stCondLst>
+                        <p:cond delay="indefinite"/>
+                      </p:stCondLst>
+                      <p:childTnLst>
+                        <p:par>
+                          <p:cTn id="34" fill="hold">
+                            <p:stCondLst>
+                              <p:cond delay="0"/>
+                            </p:stCondLst>
+                            <p:childTnLst>
+                              <p:par>
+                                <p:cTn id="35" presetID="10" presetClass="entr" presetSubtype="0" fill="hold" nodeType="clickEffect">
+                                  <p:stCondLst>
+                                    <p:cond delay="0"/>
+                                  </p:stCondLst>
+                                  <p:childTnLst>
+                                    <p:set>
+                                      <p:cBhvr>
+                                        <p:cTn id="36" dur="1" fill="hold">
+                                          <p:stCondLst>
+                                            <p:cond delay="0"/>
+                                          </p:stCondLst>
+                                        </p:cTn>
+                                        <p:tgtEl>
+                                          <p:spTgt spid="17"/>
+                                        </p:tgtEl>
+                                        <p:attrNameLst>
+                                          <p:attrName>style.visibility</p:attrName>
+                                        </p:attrNameLst>
+                                      </p:cBhvr>
+                                      <p:to>
+                                        <p:strVal val="visible"/>
+                                      </p:to>
+                                    </p:set>
+                                    <p:animEffect transition="in" filter="fade">
+                                      <p:cBhvr>
+                                        <p:cTn id="37" dur="500"/>
+                                        <p:tgtEl>
+                                          <p:spTgt spid="17"/>
+                                        </p:tgtEl>
+                                      </p:cBhvr>
+                                    </p:animEffect>
+                                  </p:childTnLst>
+                                </p:cTn>
+                              </p:par>
+                            </p:childTnLst>
+                          </p:cTn>
+                        </p:par>
+                      </p:childTnLst>
+                    </p:cTn>
+                  </p:par>
+                  <p:par>
+                    <p:cTn id="38" fill="hold">
+                      <p:stCondLst>
+                        <p:cond delay="indefinite"/>
+                      </p:stCondLst>
+                      <p:childTnLst>
+                        <p:par>
+                          <p:cTn id="39" fill="hold">
+                            <p:stCondLst>
+                              <p:cond delay="0"/>
+                            </p:stCondLst>
+                            <p:childTnLst>
+                              <p:par>
+                                <p:cTn id="40" presetID="14" presetClass="entr" presetSubtype="10" fill="hold" grpId="0" nodeType="clickEffect">
+                                  <p:stCondLst>
+                                    <p:cond delay="0"/>
+                                  </p:stCondLst>
+                                  <p:childTnLst>
+                                    <p:set>
+                                      <p:cBhvr>
+                                        <p:cTn id="41" dur="1" fill="hold">
                                           <p:stCondLst>
                                             <p:cond delay="0"/>
                                           </p:stCondLst>
@@ -9291,7 +11488,7 @@
                                     </p:set>
                                     <p:animEffect transition="in" filter="randombar(horizontal)">
                                       <p:cBhvr>
-                                        <p:cTn id="27" dur="500"/>
+                                        <p:cTn id="42" dur="500"/>
                                         <p:tgtEl>
                                           <p:spTgt spid="27"/>
                                         </p:tgtEl>
@@ -9301,14 +11498,14 @@
                                 </p:cTn>
                               </p:par>
                               <p:par>
-                                <p:cTn id="28" presetID="14" presetClass="entr" presetSubtype="10" fill="hold" grpId="0" nodeType="withEffect">
+                                <p:cTn id="43" presetID="14" presetClass="entr" presetSubtype="10" fill="hold" grpId="0" nodeType="withEffect">
                                   <p:stCondLst>
                                     <p:cond delay="0"/>
                                   </p:stCondLst>
                                   <p:childTnLst>
                                     <p:set>
                                       <p:cBhvr>
-                                        <p:cTn id="29" dur="1" fill="hold">
+                                        <p:cTn id="44" dur="1" fill="hold">
                                           <p:stCondLst>
                                             <p:cond delay="0"/>
                                           </p:stCondLst>
@@ -9326,7 +11523,7 @@
                                     </p:set>
                                     <p:animEffect transition="in" filter="randombar(horizontal)">
                                       <p:cBhvr>
-                                        <p:cTn id="30" dur="500"/>
+                                        <p:cTn id="45" dur="500"/>
                                         <p:tgtEl>
                                           <p:spTgt spid="4"/>
                                         </p:tgtEl>
@@ -9342,26 +11539,26 @@
                     </p:cTn>
                   </p:par>
                   <p:par>
-                    <p:cTn id="31" fill="hold">
+                    <p:cTn id="46" fill="hold">
                       <p:stCondLst>
                         <p:cond delay="indefinite"/>
                       </p:stCondLst>
                       <p:childTnLst>
                         <p:par>
-                          <p:cTn id="32" fill="hold">
+                          <p:cTn id="47" fill="hold">
                             <p:stCondLst>
                               <p:cond delay="0"/>
                             </p:stCondLst>
                             <p:childTnLst>
                               <p:par>
-                                <p:cTn id="33" presetID="14" presetClass="entr" presetSubtype="10" fill="hold" grpId="0" nodeType="clickEffect">
+                                <p:cTn id="48" presetID="14" presetClass="entr" presetSubtype="10" fill="hold" grpId="0" nodeType="clickEffect">
                                   <p:stCondLst>
                                     <p:cond delay="0"/>
                                   </p:stCondLst>
                                   <p:childTnLst>
                                     <p:set>
                                       <p:cBhvr>
-                                        <p:cTn id="34" dur="1" fill="hold">
+                                        <p:cTn id="49" dur="1" fill="hold">
                                           <p:stCondLst>
                                             <p:cond delay="0"/>
                                           </p:stCondLst>
@@ -9379,7 +11576,7 @@
                                     </p:set>
                                     <p:animEffect transition="in" filter="randombar(horizontal)">
                                       <p:cBhvr>
-                                        <p:cTn id="35" dur="500"/>
+                                        <p:cTn id="50" dur="500"/>
                                         <p:tgtEl>
                                           <p:spTgt spid="25"/>
                                         </p:tgtEl>

--- a/Part 4 - Number System/Binary Operations.pptx
+++ b/Part 4 - Number System/Binary Operations.pptx
@@ -242,7 +242,7 @@
           <a:p>
             <a:fld id="{F666E1FD-E7A0-497B-BBC0-740BAAC97C64}" type="datetimeFigureOut">
               <a:rPr lang="en-PH" smtClean="0"/>
-              <a:t>07/02/2024</a:t>
+              <a:t>2/7/24</a:t>
             </a:fld>
             <a:endParaRPr lang="en-PH"/>
           </a:p>
@@ -1415,7 +1415,7 @@
           <a:p>
             <a:fld id="{0CCF0B81-6BD8-4C65-9459-815598C5F1F4}" type="datetimeFigureOut">
               <a:rPr lang="en-PH" smtClean="0"/>
-              <a:t>07/02/2024</a:t>
+              <a:t>2/7/24</a:t>
             </a:fld>
             <a:endParaRPr lang="en-PH"/>
           </a:p>
@@ -1615,7 +1615,7 @@
           <a:p>
             <a:fld id="{0CCF0B81-6BD8-4C65-9459-815598C5F1F4}" type="datetimeFigureOut">
               <a:rPr lang="en-PH" smtClean="0"/>
-              <a:t>07/02/2024</a:t>
+              <a:t>2/7/24</a:t>
             </a:fld>
             <a:endParaRPr lang="en-PH"/>
           </a:p>
@@ -1825,7 +1825,7 @@
           <a:p>
             <a:fld id="{0CCF0B81-6BD8-4C65-9459-815598C5F1F4}" type="datetimeFigureOut">
               <a:rPr lang="en-PH" smtClean="0"/>
-              <a:t>07/02/2024</a:t>
+              <a:t>2/7/24</a:t>
             </a:fld>
             <a:endParaRPr lang="en-PH"/>
           </a:p>
@@ -2025,7 +2025,7 @@
           <a:p>
             <a:fld id="{0CCF0B81-6BD8-4C65-9459-815598C5F1F4}" type="datetimeFigureOut">
               <a:rPr lang="en-PH" smtClean="0"/>
-              <a:t>07/02/2024</a:t>
+              <a:t>2/7/24</a:t>
             </a:fld>
             <a:endParaRPr lang="en-PH"/>
           </a:p>
@@ -2301,7 +2301,7 @@
           <a:p>
             <a:fld id="{0CCF0B81-6BD8-4C65-9459-815598C5F1F4}" type="datetimeFigureOut">
               <a:rPr lang="en-PH" smtClean="0"/>
-              <a:t>07/02/2024</a:t>
+              <a:t>2/7/24</a:t>
             </a:fld>
             <a:endParaRPr lang="en-PH"/>
           </a:p>
@@ -2569,7 +2569,7 @@
           <a:p>
             <a:fld id="{0CCF0B81-6BD8-4C65-9459-815598C5F1F4}" type="datetimeFigureOut">
               <a:rPr lang="en-PH" smtClean="0"/>
-              <a:t>07/02/2024</a:t>
+              <a:t>2/7/24</a:t>
             </a:fld>
             <a:endParaRPr lang="en-PH"/>
           </a:p>
@@ -2984,7 +2984,7 @@
           <a:p>
             <a:fld id="{0CCF0B81-6BD8-4C65-9459-815598C5F1F4}" type="datetimeFigureOut">
               <a:rPr lang="en-PH" smtClean="0"/>
-              <a:t>07/02/2024</a:t>
+              <a:t>2/7/24</a:t>
             </a:fld>
             <a:endParaRPr lang="en-PH"/>
           </a:p>
@@ -3126,7 +3126,7 @@
           <a:p>
             <a:fld id="{0CCF0B81-6BD8-4C65-9459-815598C5F1F4}" type="datetimeFigureOut">
               <a:rPr lang="en-PH" smtClean="0"/>
-              <a:t>07/02/2024</a:t>
+              <a:t>2/7/24</a:t>
             </a:fld>
             <a:endParaRPr lang="en-PH"/>
           </a:p>
@@ -3239,7 +3239,7 @@
           <a:p>
             <a:fld id="{0CCF0B81-6BD8-4C65-9459-815598C5F1F4}" type="datetimeFigureOut">
               <a:rPr lang="en-PH" smtClean="0"/>
-              <a:t>07/02/2024</a:t>
+              <a:t>2/7/24</a:t>
             </a:fld>
             <a:endParaRPr lang="en-PH"/>
           </a:p>
@@ -3552,7 +3552,7 @@
           <a:p>
             <a:fld id="{0CCF0B81-6BD8-4C65-9459-815598C5F1F4}" type="datetimeFigureOut">
               <a:rPr lang="en-PH" smtClean="0"/>
-              <a:t>07/02/2024</a:t>
+              <a:t>2/7/24</a:t>
             </a:fld>
             <a:endParaRPr lang="en-PH"/>
           </a:p>
@@ -3841,7 +3841,7 @@
           <a:p>
             <a:fld id="{0CCF0B81-6BD8-4C65-9459-815598C5F1F4}" type="datetimeFigureOut">
               <a:rPr lang="en-PH" smtClean="0"/>
-              <a:t>07/02/2024</a:t>
+              <a:t>2/7/24</a:t>
             </a:fld>
             <a:endParaRPr lang="en-PH"/>
           </a:p>
@@ -4084,7 +4084,7 @@
           <a:p>
             <a:fld id="{0CCF0B81-6BD8-4C65-9459-815598C5F1F4}" type="datetimeFigureOut">
               <a:rPr lang="en-PH" smtClean="0"/>
-              <a:t>07/02/2024</a:t>
+              <a:t>2/7/24</a:t>
             </a:fld>
             <a:endParaRPr lang="en-PH"/>
           </a:p>
@@ -5836,13 +5836,18 @@
             </a:r>
             <a:r>
               <a:rPr lang="en-PH" dirty="0"/>
-              <a:t> Each time we bring down a number, add a zero to the quotient.</a:t>
-            </a:r>
-          </a:p>
-        </p:txBody>
-      </p:sp>
-      <mc:AlternateContent xmlns:mc="http://schemas.openxmlformats.org/markup-compatibility/2006">
-        <mc:Choice xmlns:p14="http://schemas.microsoft.com/office/powerpoint/2010/main" Requires="p14">
+              <a:t> Each time we bring down a number, add a zero to </a:t>
+            </a:r>
+            <a:r>
+              <a:rPr lang="en-PH"/>
+              <a:t>the quotient.</a:t>
+            </a:r>
+            <a:endParaRPr lang="en-PH" dirty="0"/>
+          </a:p>
+        </p:txBody>
+      </p:sp>
+      <mc:AlternateContent xmlns:mc="http://schemas.openxmlformats.org/markup-compatibility/2006" xmlns:p14="http://schemas.microsoft.com/office/powerpoint/2010/main">
+        <mc:Choice Requires="p14">
           <p:contentPart p14:bwMode="auto" r:id="rId4">
             <p14:nvContentPartPr>
               <p14:cNvPr id="102" name="Ink 101">
@@ -5861,7 +5866,7 @@
             </p14:xfrm>
           </p:contentPart>
         </mc:Choice>
-        <mc:Fallback>
+        <mc:Fallback xmlns="">
           <p:pic>
             <p:nvPicPr>
               <p:cNvPr id="102" name="Ink 101">
